--- a/ppts/0th Review.pptx
+++ b/ppts/0th Review.pptx
@@ -5,7 +5,7 @@
     <p:sldMasterId id="2147483648" r:id="rId1"/>
   </p:sldMasterIdLst>
   <p:notesMasterIdLst>
-    <p:notesMasterId r:id="rId24"/>
+    <p:notesMasterId r:id="rId14"/>
   </p:notesMasterIdLst>
   <p:sldIdLst>
     <p:sldId id="256" r:id="rId2"/>
@@ -15,21 +15,11 @@
     <p:sldId id="260" r:id="rId6"/>
     <p:sldId id="281" r:id="rId7"/>
     <p:sldId id="280" r:id="rId8"/>
-    <p:sldId id="261" r:id="rId9"/>
-    <p:sldId id="263" r:id="rId10"/>
-    <p:sldId id="279" r:id="rId11"/>
-    <p:sldId id="276" r:id="rId12"/>
-    <p:sldId id="275" r:id="rId13"/>
-    <p:sldId id="286" r:id="rId14"/>
-    <p:sldId id="287" r:id="rId15"/>
-    <p:sldId id="288" r:id="rId16"/>
-    <p:sldId id="270" r:id="rId17"/>
-    <p:sldId id="268" r:id="rId18"/>
-    <p:sldId id="278" r:id="rId19"/>
-    <p:sldId id="282" r:id="rId20"/>
-    <p:sldId id="283" r:id="rId21"/>
-    <p:sldId id="284" r:id="rId22"/>
-    <p:sldId id="262" r:id="rId23"/>
+    <p:sldId id="263" r:id="rId9"/>
+    <p:sldId id="279" r:id="rId10"/>
+    <p:sldId id="270" r:id="rId11"/>
+    <p:sldId id="268" r:id="rId12"/>
+    <p:sldId id="262" r:id="rId13"/>
   </p:sldIdLst>
   <p:sldSz cx="12192000" cy="6858000"/>
   <p:notesSz cx="9144000" cy="6858000"/>
@@ -140,20 +130,10 @@
             <p14:sldId id="260"/>
             <p14:sldId id="281"/>
             <p14:sldId id="280"/>
-            <p14:sldId id="261"/>
             <p14:sldId id="263"/>
             <p14:sldId id="279"/>
-            <p14:sldId id="276"/>
-            <p14:sldId id="275"/>
-            <p14:sldId id="286"/>
-            <p14:sldId id="287"/>
-            <p14:sldId id="288"/>
             <p14:sldId id="270"/>
             <p14:sldId id="268"/>
-            <p14:sldId id="278"/>
-            <p14:sldId id="282"/>
-            <p14:sldId id="283"/>
-            <p14:sldId id="284"/>
             <p14:sldId id="262"/>
           </p14:sldIdLst>
         </p14:section>
@@ -260,7 +240,7 @@
             <a:fld id="{44289A0A-592F-4579-AE78-0E63EB14E26A}" type="datetimeFigureOut">
               <a:rPr lang="en-IN" smtClean="0"/>
               <a:pPr/>
-              <a:t>22-05-2025</a:t>
+              <a:t>28-09-2025</a:t>
             </a:fld>
             <a:endParaRPr lang="en-IN" dirty="0"/>
           </a:p>
@@ -595,7 +575,7 @@
             <a:fld id="{55088AB0-1C3E-4E44-AC89-1F2440C19E66}" type="slidenum">
               <a:rPr lang="en-IN" smtClean="0"/>
               <a:pPr/>
-              <a:t>17</a:t>
+              <a:t>11</a:t>
             </a:fld>
             <a:endParaRPr lang="en-IN" dirty="0"/>
           </a:p>
@@ -764,7 +744,7 @@
             <a:fld id="{87258022-64EF-452F-8D36-0822664E8985}" type="datetime1">
               <a:rPr lang="en-IN" smtClean="0"/>
               <a:pPr/>
-              <a:t>22-05-2025</a:t>
+              <a:t>28-09-2025</a:t>
             </a:fld>
             <a:endParaRPr lang="en-IN" dirty="0"/>
           </a:p>
@@ -969,7 +949,7 @@
             <a:fld id="{56912B54-1760-41F2-8318-530517A222A4}" type="datetime1">
               <a:rPr lang="en-IN" smtClean="0"/>
               <a:pPr/>
-              <a:t>22-05-2025</a:t>
+              <a:t>28-09-2025</a:t>
             </a:fld>
             <a:endParaRPr lang="en-IN" dirty="0"/>
           </a:p>
@@ -1184,7 +1164,7 @@
             <a:fld id="{8E1F4FCE-2F2D-4C01-ACCD-36BE74E81988}" type="datetime1">
               <a:rPr lang="en-IN" smtClean="0"/>
               <a:pPr/>
-              <a:t>22-05-2025</a:t>
+              <a:t>28-09-2025</a:t>
             </a:fld>
             <a:endParaRPr lang="en-IN" dirty="0"/>
           </a:p>
@@ -1389,7 +1369,7 @@
             <a:fld id="{2CC9E186-6116-4DA0-9085-C1235117DB6B}" type="datetime1">
               <a:rPr lang="en-IN" smtClean="0"/>
               <a:pPr/>
-              <a:t>22-05-2025</a:t>
+              <a:t>28-09-2025</a:t>
             </a:fld>
             <a:endParaRPr lang="en-IN" dirty="0"/>
           </a:p>
@@ -1670,7 +1650,7 @@
             <a:fld id="{B2E76FE1-C54F-4FDD-A6FB-58FD7630B3D2}" type="datetime1">
               <a:rPr lang="en-IN" smtClean="0"/>
               <a:pPr/>
-              <a:t>22-05-2025</a:t>
+              <a:t>28-09-2025</a:t>
             </a:fld>
             <a:endParaRPr lang="en-IN" dirty="0"/>
           </a:p>
@@ -1943,7 +1923,7 @@
             <a:fld id="{BE77A854-7F67-4017-9F1B-EDC8264659C5}" type="datetime1">
               <a:rPr lang="en-IN" smtClean="0"/>
               <a:pPr/>
-              <a:t>22-05-2025</a:t>
+              <a:t>28-09-2025</a:t>
             </a:fld>
             <a:endParaRPr lang="en-IN" dirty="0"/>
           </a:p>
@@ -2363,7 +2343,7 @@
             <a:fld id="{D2121448-6933-4BB0-B792-C1E582F9D1FA}" type="datetime1">
               <a:rPr lang="en-IN" smtClean="0"/>
               <a:pPr/>
-              <a:t>22-05-2025</a:t>
+              <a:t>28-09-2025</a:t>
             </a:fld>
             <a:endParaRPr lang="en-IN" dirty="0"/>
           </a:p>
@@ -2510,7 +2490,7 @@
             <a:fld id="{15C10BDD-C7BF-4BEB-8E7F-F79F7321F5B8}" type="datetime1">
               <a:rPr lang="en-IN" smtClean="0"/>
               <a:pPr/>
-              <a:t>22-05-2025</a:t>
+              <a:t>28-09-2025</a:t>
             </a:fld>
             <a:endParaRPr lang="en-IN" dirty="0"/>
           </a:p>
@@ -2628,7 +2608,7 @@
             <a:fld id="{D77E40BC-515D-4E09-A178-D303E1A3E17B}" type="datetime1">
               <a:rPr lang="en-IN" smtClean="0"/>
               <a:pPr/>
-              <a:t>22-05-2025</a:t>
+              <a:t>28-09-2025</a:t>
             </a:fld>
             <a:endParaRPr lang="en-IN" dirty="0"/>
           </a:p>
@@ -2946,7 +2926,7 @@
             <a:fld id="{C2AF0C54-21AD-4FB5-9865-70BB251358AA}" type="datetime1">
               <a:rPr lang="en-IN" smtClean="0"/>
               <a:pPr/>
-              <a:t>22-05-2025</a:t>
+              <a:t>28-09-2025</a:t>
             </a:fld>
             <a:endParaRPr lang="en-IN" dirty="0"/>
           </a:p>
@@ -3240,7 +3220,7 @@
             <a:fld id="{5018FA60-D1E1-456E-BA02-2BA934B9F55C}" type="datetime1">
               <a:rPr lang="en-IN" smtClean="0"/>
               <a:pPr/>
-              <a:t>22-05-2025</a:t>
+              <a:t>28-09-2025</a:t>
             </a:fld>
             <a:endParaRPr lang="en-IN" dirty="0"/>
           </a:p>
@@ -3497,7 +3477,7 @@
             <a:fld id="{69451571-2412-45EA-922C-E514E61E09A6}" type="datetime1">
               <a:rPr lang="en-IN" smtClean="0"/>
               <a:pPr/>
-              <a:t>22-05-2025</a:t>
+              <a:t>28-09-2025</a:t>
             </a:fld>
             <a:endParaRPr lang="en-IN" dirty="0"/>
           </a:p>
@@ -4003,7 +3983,7 @@
         <p:spPr>
           <a:xfrm>
             <a:off x="1821543" y="399002"/>
-            <a:ext cx="8534400" cy="2246769"/>
+            <a:ext cx="8534400" cy="2554545"/>
           </a:xfrm>
           <a:prstGeom prst="rect">
             <a:avLst/>
@@ -4094,16 +4074,6 @@
               <a:defRPr/>
             </a:pPr>
             <a:r>
-              <a:rPr lang="en-IN" sz="2000" b="1">
-                <a:solidFill>
-                  <a:srgbClr val="FF0000"/>
-                </a:solidFill>
-                <a:latin typeface="Times New Roman" pitchFamily="18" charset="0"/>
-                <a:cs typeface="Times New Roman" pitchFamily="18" charset="0"/>
-              </a:rPr>
-              <a:t>Second </a:t>
-            </a:r>
-            <a:r>
               <a:rPr lang="en-IN" sz="2000" b="1" dirty="0">
                 <a:solidFill>
                   <a:srgbClr val="FF0000"/>
@@ -4111,7 +4081,7 @@
                 <a:latin typeface="Times New Roman" pitchFamily="18" charset="0"/>
                 <a:cs typeface="Times New Roman" pitchFamily="18" charset="0"/>
               </a:rPr>
-              <a:t>Review</a:t>
+              <a:t>Zeroth Review</a:t>
             </a:r>
           </a:p>
           <a:p>
@@ -4140,8 +4110,17 @@
                 <a:latin typeface="Times New Roman" pitchFamily="18" charset="0"/>
                 <a:cs typeface="Times New Roman" pitchFamily="18" charset="0"/>
               </a:rPr>
-              <a:t>AI Based Model for Predicting Agri-horticultural Commodities</a:t>
-            </a:r>
+              <a:t>AI Based Coding Support System for Differently-Abled People</a:t>
+            </a:r>
+          </a:p>
+          <a:p>
+            <a:pPr algn="ctr">
+              <a:defRPr/>
+            </a:pPr>
+            <a:endParaRPr lang="en-US" sz="2000" b="1" dirty="0">
+              <a:latin typeface="Times New Roman" pitchFamily="18" charset="0"/>
+              <a:cs typeface="Times New Roman" pitchFamily="18" charset="0"/>
+            </a:endParaRPr>
           </a:p>
           <a:p>
             <a:pPr algn="ctr" fontAlgn="auto">
@@ -4392,7 +4371,7 @@
           <p:nvPr>
             <p:extLst>
               <p:ext uri="{D42A27DB-BD31-4B8C-83A1-F6EECF244321}">
-                <p14:modId xmlns:p14="http://schemas.microsoft.com/office/powerpoint/2010/main" val="3126273244"/>
+                <p14:modId xmlns:p14="http://schemas.microsoft.com/office/powerpoint/2010/main" val="1006776380"/>
               </p:ext>
             </p:extLst>
           </p:nvPr>
@@ -5120,7 +5099,7 @@
                           <a:cs typeface="Times New Roman" pitchFamily="18" charset="0"/>
                           <a:sym typeface="Times New Roman"/>
                         </a:rPr>
-                        <a:t>Mr. M. Viyajakumar</a:t>
+                        <a:t>Ms. M. Rajalakshmi</a:t>
                       </a:r>
                       <a:r>
                         <a:rPr lang="en-IN" dirty="0">
@@ -5193,1846 +5172,6 @@
   <p:cSld>
     <p:spTree>
       <p:nvGrpSpPr>
-        <p:cNvPr id="1" name="">
-          <a:extLst>
-            <a:ext uri="{FF2B5EF4-FFF2-40B4-BE49-F238E27FC236}">
-              <a16:creationId xmlns:a16="http://schemas.microsoft.com/office/drawing/2014/main" id="{CBDBF2FD-F890-BF82-FB16-E4C896A6A08E}"/>
-            </a:ext>
-          </a:extLst>
-        </p:cNvPr>
-        <p:cNvGrpSpPr/>
-        <p:nvPr/>
-      </p:nvGrpSpPr>
-      <p:grpSpPr>
-        <a:xfrm>
-          <a:off x="0" y="0"/>
-          <a:ext cx="0" cy="0"/>
-          <a:chOff x="0" y="0"/>
-          <a:chExt cx="0" cy="0"/>
-        </a:xfrm>
-      </p:grpSpPr>
-      <p:sp>
-        <p:nvSpPr>
-          <p:cNvPr id="2" name="Rectangle 1">
-            <a:extLst>
-              <a:ext uri="{FF2B5EF4-FFF2-40B4-BE49-F238E27FC236}">
-                <a16:creationId xmlns:a16="http://schemas.microsoft.com/office/drawing/2014/main" id="{8BE4EE86-D90E-CEF0-581F-DD16242BAB46}"/>
-              </a:ext>
-            </a:extLst>
-          </p:cNvPr>
-          <p:cNvSpPr/>
-          <p:nvPr/>
-        </p:nvSpPr>
-        <p:spPr>
-          <a:xfrm>
-            <a:off x="562320" y="551192"/>
-            <a:ext cx="5396606" cy="584775"/>
-          </a:xfrm>
-          <a:prstGeom prst="rect">
-            <a:avLst/>
-          </a:prstGeom>
-        </p:spPr>
-        <p:txBody>
-          <a:bodyPr wrap="none">
-            <a:spAutoFit/>
-          </a:bodyPr>
-          <a:lstStyle/>
-          <a:p>
-            <a:r>
-              <a:rPr lang="en-US" sz="3200" b="1" dirty="0">
-                <a:solidFill>
-                  <a:srgbClr val="FF0000"/>
-                </a:solidFill>
-                <a:latin typeface="Times New Roman" panose="02020603050405020304" pitchFamily="18" charset="0"/>
-                <a:cs typeface="Times New Roman" panose="02020603050405020304" pitchFamily="18" charset="0"/>
-              </a:rPr>
-              <a:t>Proposed System Flow Chart </a:t>
-            </a:r>
-            <a:endParaRPr lang="en-US" sz="3200" dirty="0">
-              <a:solidFill>
-                <a:srgbClr val="FF0000"/>
-              </a:solidFill>
-              <a:latin typeface="Times New Roman" panose="02020603050405020304" pitchFamily="18" charset="0"/>
-              <a:cs typeface="Times New Roman" panose="02020603050405020304" pitchFamily="18" charset="0"/>
-            </a:endParaRPr>
-          </a:p>
-        </p:txBody>
-      </p:sp>
-      <p:sp>
-        <p:nvSpPr>
-          <p:cNvPr id="8" name="Rectangle 7">
-            <a:extLst>
-              <a:ext uri="{FF2B5EF4-FFF2-40B4-BE49-F238E27FC236}">
-                <a16:creationId xmlns:a16="http://schemas.microsoft.com/office/drawing/2014/main" id="{3AAED777-23DA-EAD9-0BF5-A51FE1A18C9F}"/>
-              </a:ext>
-            </a:extLst>
-          </p:cNvPr>
-          <p:cNvSpPr/>
-          <p:nvPr/>
-        </p:nvSpPr>
-        <p:spPr>
-          <a:xfrm>
-            <a:off x="8922508" y="3191537"/>
-            <a:ext cx="1986412" cy="880533"/>
-          </a:xfrm>
-          <a:prstGeom prst="rect">
-            <a:avLst/>
-          </a:prstGeom>
-        </p:spPr>
-        <p:style>
-          <a:lnRef idx="2">
-            <a:schemeClr val="accent1">
-              <a:shade val="15000"/>
-            </a:schemeClr>
-          </a:lnRef>
-          <a:fillRef idx="1">
-            <a:schemeClr val="accent1"/>
-          </a:fillRef>
-          <a:effectRef idx="0">
-            <a:schemeClr val="accent1"/>
-          </a:effectRef>
-          <a:fontRef idx="minor">
-            <a:schemeClr val="lt1"/>
-          </a:fontRef>
-        </p:style>
-        <p:txBody>
-          <a:bodyPr rtlCol="0" anchor="ctr"/>
-          <a:lstStyle/>
-          <a:p>
-            <a:pPr algn="ctr"/>
-            <a:r>
-              <a:rPr lang="en-US" dirty="0"/>
-              <a:t>Time Series Prediction</a:t>
-            </a:r>
-            <a:endParaRPr lang="en-IN" dirty="0"/>
-          </a:p>
-        </p:txBody>
-      </p:sp>
-      <p:sp>
-        <p:nvSpPr>
-          <p:cNvPr id="20" name="Rectangle 19">
-            <a:extLst>
-              <a:ext uri="{FF2B5EF4-FFF2-40B4-BE49-F238E27FC236}">
-                <a16:creationId xmlns:a16="http://schemas.microsoft.com/office/drawing/2014/main" id="{37208574-6D2D-2B89-9CD5-4BA80E993980}"/>
-              </a:ext>
-            </a:extLst>
-          </p:cNvPr>
-          <p:cNvSpPr/>
-          <p:nvPr/>
-        </p:nvSpPr>
-        <p:spPr>
-          <a:xfrm>
-            <a:off x="5627626" y="4527638"/>
-            <a:ext cx="2208780" cy="880533"/>
-          </a:xfrm>
-          <a:prstGeom prst="rect">
-            <a:avLst/>
-          </a:prstGeom>
-        </p:spPr>
-        <p:style>
-          <a:lnRef idx="2">
-            <a:schemeClr val="accent1">
-              <a:shade val="15000"/>
-            </a:schemeClr>
-          </a:lnRef>
-          <a:fillRef idx="1">
-            <a:schemeClr val="accent1"/>
-          </a:fillRef>
-          <a:effectRef idx="0">
-            <a:schemeClr val="accent1"/>
-          </a:effectRef>
-          <a:fontRef idx="minor">
-            <a:schemeClr val="lt1"/>
-          </a:fontRef>
-        </p:style>
-        <p:txBody>
-          <a:bodyPr rtlCol="0" anchor="ctr"/>
-          <a:lstStyle/>
-          <a:p>
-            <a:pPr algn="ctr"/>
-            <a:r>
-              <a:rPr lang="en-US" dirty="0"/>
-              <a:t>Input Parsing </a:t>
-            </a:r>
-            <a:endParaRPr lang="en-IN" dirty="0"/>
-          </a:p>
-        </p:txBody>
-      </p:sp>
-      <p:sp>
-        <p:nvSpPr>
-          <p:cNvPr id="21" name="Rectangle 20">
-            <a:extLst>
-              <a:ext uri="{FF2B5EF4-FFF2-40B4-BE49-F238E27FC236}">
-                <a16:creationId xmlns:a16="http://schemas.microsoft.com/office/drawing/2014/main" id="{8D4A7A60-C902-A3B6-B3EA-3932859FF606}"/>
-              </a:ext>
-            </a:extLst>
-          </p:cNvPr>
-          <p:cNvSpPr/>
-          <p:nvPr/>
-        </p:nvSpPr>
-        <p:spPr>
-          <a:xfrm>
-            <a:off x="5627626" y="1850008"/>
-            <a:ext cx="2208780" cy="880533"/>
-          </a:xfrm>
-          <a:prstGeom prst="rect">
-            <a:avLst/>
-          </a:prstGeom>
-        </p:spPr>
-        <p:style>
-          <a:lnRef idx="2">
-            <a:schemeClr val="accent1">
-              <a:shade val="15000"/>
-            </a:schemeClr>
-          </a:lnRef>
-          <a:fillRef idx="1">
-            <a:schemeClr val="accent1"/>
-          </a:fillRef>
-          <a:effectRef idx="0">
-            <a:schemeClr val="accent1"/>
-          </a:effectRef>
-          <a:fontRef idx="minor">
-            <a:schemeClr val="lt1"/>
-          </a:fontRef>
-        </p:style>
-        <p:txBody>
-          <a:bodyPr rtlCol="0" anchor="ctr"/>
-          <a:lstStyle/>
-          <a:p>
-            <a:pPr algn="ctr"/>
-            <a:r>
-              <a:rPr lang="en-US" dirty="0"/>
-              <a:t>Model Building</a:t>
-            </a:r>
-            <a:endParaRPr lang="en-IN" dirty="0"/>
-          </a:p>
-        </p:txBody>
-      </p:sp>
-      <p:sp>
-        <p:nvSpPr>
-          <p:cNvPr id="25" name="Rectangle 24">
-            <a:extLst>
-              <a:ext uri="{FF2B5EF4-FFF2-40B4-BE49-F238E27FC236}">
-                <a16:creationId xmlns:a16="http://schemas.microsoft.com/office/drawing/2014/main" id="{A223D244-A6F6-41AB-B1B7-D4F90FA75121}"/>
-              </a:ext>
-            </a:extLst>
-          </p:cNvPr>
-          <p:cNvSpPr/>
-          <p:nvPr/>
-        </p:nvSpPr>
-        <p:spPr>
-          <a:xfrm>
-            <a:off x="1705318" y="1425708"/>
-            <a:ext cx="2367150" cy="880533"/>
-          </a:xfrm>
-          <a:prstGeom prst="rect">
-            <a:avLst/>
-          </a:prstGeom>
-        </p:spPr>
-        <p:style>
-          <a:lnRef idx="2">
-            <a:schemeClr val="accent1">
-              <a:shade val="15000"/>
-            </a:schemeClr>
-          </a:lnRef>
-          <a:fillRef idx="1">
-            <a:schemeClr val="accent1"/>
-          </a:fillRef>
-          <a:effectRef idx="0">
-            <a:schemeClr val="accent1"/>
-          </a:effectRef>
-          <a:fontRef idx="minor">
-            <a:schemeClr val="lt1"/>
-          </a:fontRef>
-        </p:style>
-        <p:txBody>
-          <a:bodyPr rtlCol="0" anchor="ctr"/>
-          <a:lstStyle/>
-          <a:p>
-            <a:pPr algn="ctr"/>
-            <a:r>
-              <a:rPr lang="en-US" dirty="0"/>
-              <a:t>Data Integration</a:t>
-            </a:r>
-            <a:endParaRPr lang="en-IN" dirty="0"/>
-          </a:p>
-        </p:txBody>
-      </p:sp>
-      <p:sp>
-        <p:nvSpPr>
-          <p:cNvPr id="27" name="Rectangle 26">
-            <a:extLst>
-              <a:ext uri="{FF2B5EF4-FFF2-40B4-BE49-F238E27FC236}">
-                <a16:creationId xmlns:a16="http://schemas.microsoft.com/office/drawing/2014/main" id="{289ACAB9-5572-830A-A047-DF1B140E91E2}"/>
-              </a:ext>
-            </a:extLst>
-          </p:cNvPr>
-          <p:cNvSpPr/>
-          <p:nvPr/>
-        </p:nvSpPr>
-        <p:spPr>
-          <a:xfrm>
-            <a:off x="1697996" y="3837111"/>
-            <a:ext cx="2372904" cy="880533"/>
-          </a:xfrm>
-          <a:prstGeom prst="rect">
-            <a:avLst/>
-          </a:prstGeom>
-        </p:spPr>
-        <p:style>
-          <a:lnRef idx="2">
-            <a:schemeClr val="accent1">
-              <a:shade val="15000"/>
-            </a:schemeClr>
-          </a:lnRef>
-          <a:fillRef idx="1">
-            <a:schemeClr val="accent1"/>
-          </a:fillRef>
-          <a:effectRef idx="0">
-            <a:schemeClr val="accent1"/>
-          </a:effectRef>
-          <a:fontRef idx="minor">
-            <a:schemeClr val="lt1"/>
-          </a:fontRef>
-        </p:style>
-        <p:txBody>
-          <a:bodyPr rtlCol="0" anchor="ctr"/>
-          <a:lstStyle/>
-          <a:p>
-            <a:pPr algn="ctr"/>
-            <a:r>
-              <a:rPr lang="en-US" dirty="0"/>
-              <a:t>Raw Data</a:t>
-            </a:r>
-            <a:endParaRPr lang="en-IN" dirty="0"/>
-          </a:p>
-        </p:txBody>
-      </p:sp>
-      <p:sp>
-        <p:nvSpPr>
-          <p:cNvPr id="31" name="Rectangle 30">
-            <a:extLst>
-              <a:ext uri="{FF2B5EF4-FFF2-40B4-BE49-F238E27FC236}">
-                <a16:creationId xmlns:a16="http://schemas.microsoft.com/office/drawing/2014/main" id="{740D25C0-A59E-FAF9-CA5D-863814C0E2B7}"/>
-              </a:ext>
-            </a:extLst>
-          </p:cNvPr>
-          <p:cNvSpPr/>
-          <p:nvPr/>
-        </p:nvSpPr>
-        <p:spPr>
-          <a:xfrm>
-            <a:off x="1705320" y="2642621"/>
-            <a:ext cx="2367150" cy="880533"/>
-          </a:xfrm>
-          <a:prstGeom prst="rect">
-            <a:avLst/>
-          </a:prstGeom>
-        </p:spPr>
-        <p:style>
-          <a:lnRef idx="2">
-            <a:schemeClr val="accent1">
-              <a:shade val="15000"/>
-            </a:schemeClr>
-          </a:lnRef>
-          <a:fillRef idx="1">
-            <a:schemeClr val="accent1"/>
-          </a:fillRef>
-          <a:effectRef idx="0">
-            <a:schemeClr val="accent1"/>
-          </a:effectRef>
-          <a:fontRef idx="minor">
-            <a:schemeClr val="lt1"/>
-          </a:fontRef>
-        </p:style>
-        <p:txBody>
-          <a:bodyPr rtlCol="0" anchor="ctr"/>
-          <a:lstStyle/>
-          <a:p>
-            <a:pPr algn="ctr"/>
-            <a:r>
-              <a:rPr lang="en-US" dirty="0"/>
-              <a:t>Data Preprocessing</a:t>
-            </a:r>
-            <a:endParaRPr lang="en-IN" dirty="0"/>
-          </a:p>
-        </p:txBody>
-      </p:sp>
-      <p:cxnSp>
-        <p:nvCxnSpPr>
-          <p:cNvPr id="35" name="Straight Arrow Connector 34">
-            <a:extLst>
-              <a:ext uri="{FF2B5EF4-FFF2-40B4-BE49-F238E27FC236}">
-                <a16:creationId xmlns:a16="http://schemas.microsoft.com/office/drawing/2014/main" id="{5091A7A1-C0FF-4C9B-6491-E8B4BFA257EC}"/>
-              </a:ext>
-            </a:extLst>
-          </p:cNvPr>
-          <p:cNvCxnSpPr>
-            <a:cxnSpLocks/>
-            <a:stCxn id="27" idx="2"/>
-            <a:endCxn id="31" idx="0"/>
-          </p:cNvCxnSpPr>
-          <p:nvPr/>
-        </p:nvCxnSpPr>
-        <p:spPr>
-          <a:xfrm flipV="1">
-            <a:off x="2884448" y="2642621"/>
-            <a:ext cx="4447" cy="2075023"/>
-          </a:xfrm>
-          <a:prstGeom prst="straightConnector1">
-            <a:avLst/>
-          </a:prstGeom>
-          <a:ln>
-            <a:tailEnd type="triangle"/>
-          </a:ln>
-        </p:spPr>
-        <p:style>
-          <a:lnRef idx="1">
-            <a:schemeClr val="accent1"/>
-          </a:lnRef>
-          <a:fillRef idx="0">
-            <a:schemeClr val="accent1"/>
-          </a:fillRef>
-          <a:effectRef idx="0">
-            <a:schemeClr val="accent1"/>
-          </a:effectRef>
-          <a:fontRef idx="minor">
-            <a:schemeClr val="tx1"/>
-          </a:fontRef>
-        </p:style>
-      </p:cxnSp>
-      <p:cxnSp>
-        <p:nvCxnSpPr>
-          <p:cNvPr id="39" name="Straight Arrow Connector 38">
-            <a:extLst>
-              <a:ext uri="{FF2B5EF4-FFF2-40B4-BE49-F238E27FC236}">
-                <a16:creationId xmlns:a16="http://schemas.microsoft.com/office/drawing/2014/main" id="{EFC138DC-C887-5F4D-D5C0-374276530435}"/>
-              </a:ext>
-            </a:extLst>
-          </p:cNvPr>
-          <p:cNvCxnSpPr>
-            <a:cxnSpLocks/>
-            <a:stCxn id="31" idx="2"/>
-            <a:endCxn id="25" idx="0"/>
-          </p:cNvCxnSpPr>
-          <p:nvPr/>
-        </p:nvCxnSpPr>
-        <p:spPr>
-          <a:xfrm flipH="1" flipV="1">
-            <a:off x="2888893" y="1425708"/>
-            <a:ext cx="2" cy="2097446"/>
-          </a:xfrm>
-          <a:prstGeom prst="straightConnector1">
-            <a:avLst/>
-          </a:prstGeom>
-          <a:ln>
-            <a:tailEnd type="triangle"/>
-          </a:ln>
-        </p:spPr>
-        <p:style>
-          <a:lnRef idx="1">
-            <a:schemeClr val="accent1"/>
-          </a:lnRef>
-          <a:fillRef idx="0">
-            <a:schemeClr val="accent1"/>
-          </a:fillRef>
-          <a:effectRef idx="0">
-            <a:schemeClr val="accent1"/>
-          </a:effectRef>
-          <a:fontRef idx="minor">
-            <a:schemeClr val="tx1"/>
-          </a:fontRef>
-        </p:style>
-      </p:cxnSp>
-      <p:cxnSp>
-        <p:nvCxnSpPr>
-          <p:cNvPr id="43" name="Connector: Elbow 42">
-            <a:extLst>
-              <a:ext uri="{FF2B5EF4-FFF2-40B4-BE49-F238E27FC236}">
-                <a16:creationId xmlns:a16="http://schemas.microsoft.com/office/drawing/2014/main" id="{C590BC35-9DAF-027C-DA73-FCA7A0FA2F43}"/>
-              </a:ext>
-            </a:extLst>
-          </p:cNvPr>
-          <p:cNvCxnSpPr>
-            <a:cxnSpLocks/>
-            <a:stCxn id="25" idx="3"/>
-            <a:endCxn id="21" idx="1"/>
-          </p:cNvCxnSpPr>
-          <p:nvPr/>
-        </p:nvCxnSpPr>
-        <p:spPr>
-          <a:xfrm>
-            <a:off x="4072468" y="1865975"/>
-            <a:ext cx="1555158" cy="424300"/>
-          </a:xfrm>
-          <a:prstGeom prst="bentConnector3">
-            <a:avLst/>
-          </a:prstGeom>
-          <a:ln>
-            <a:tailEnd type="triangle"/>
-          </a:ln>
-        </p:spPr>
-        <p:style>
-          <a:lnRef idx="1">
-            <a:schemeClr val="accent1"/>
-          </a:lnRef>
-          <a:fillRef idx="0">
-            <a:schemeClr val="accent1"/>
-          </a:fillRef>
-          <a:effectRef idx="0">
-            <a:schemeClr val="accent1"/>
-          </a:effectRef>
-          <a:fontRef idx="minor">
-            <a:schemeClr val="tx1"/>
-          </a:fontRef>
-        </p:style>
-      </p:cxnSp>
-      <p:sp>
-        <p:nvSpPr>
-          <p:cNvPr id="47" name="Rectangle 46">
-            <a:extLst>
-              <a:ext uri="{FF2B5EF4-FFF2-40B4-BE49-F238E27FC236}">
-                <a16:creationId xmlns:a16="http://schemas.microsoft.com/office/drawing/2014/main" id="{F3274E6C-1D50-AD13-9004-775031624A76}"/>
-              </a:ext>
-            </a:extLst>
-          </p:cNvPr>
-          <p:cNvSpPr/>
-          <p:nvPr/>
-        </p:nvSpPr>
-        <p:spPr>
-          <a:xfrm>
-            <a:off x="1705318" y="5029808"/>
-            <a:ext cx="2367150" cy="880533"/>
-          </a:xfrm>
-          <a:prstGeom prst="rect">
-            <a:avLst/>
-          </a:prstGeom>
-        </p:spPr>
-        <p:style>
-          <a:lnRef idx="2">
-            <a:schemeClr val="accent1">
-              <a:shade val="15000"/>
-            </a:schemeClr>
-          </a:lnRef>
-          <a:fillRef idx="1">
-            <a:schemeClr val="accent1"/>
-          </a:fillRef>
-          <a:effectRef idx="0">
-            <a:schemeClr val="accent1"/>
-          </a:effectRef>
-          <a:fontRef idx="minor">
-            <a:schemeClr val="lt1"/>
-          </a:fontRef>
-        </p:style>
-        <p:txBody>
-          <a:bodyPr rtlCol="0" anchor="ctr"/>
-          <a:lstStyle/>
-          <a:p>
-            <a:pPr algn="ctr"/>
-            <a:r>
-              <a:rPr lang="en-US" dirty="0"/>
-              <a:t>Unseen Data</a:t>
-            </a:r>
-            <a:endParaRPr lang="en-IN" dirty="0"/>
-          </a:p>
-        </p:txBody>
-      </p:sp>
-      <p:cxnSp>
-        <p:nvCxnSpPr>
-          <p:cNvPr id="49" name="Connector: Elbow 48">
-            <a:extLst>
-              <a:ext uri="{FF2B5EF4-FFF2-40B4-BE49-F238E27FC236}">
-                <a16:creationId xmlns:a16="http://schemas.microsoft.com/office/drawing/2014/main" id="{4BA43B74-0965-1BD1-04F0-C26D57392D9B}"/>
-              </a:ext>
-            </a:extLst>
-          </p:cNvPr>
-          <p:cNvCxnSpPr>
-            <a:cxnSpLocks/>
-            <a:stCxn id="47" idx="3"/>
-            <a:endCxn id="20" idx="1"/>
-          </p:cNvCxnSpPr>
-          <p:nvPr/>
-        </p:nvCxnSpPr>
-        <p:spPr>
-          <a:xfrm flipV="1">
-            <a:off x="4072468" y="4967905"/>
-            <a:ext cx="1555158" cy="502170"/>
-          </a:xfrm>
-          <a:prstGeom prst="bentConnector3">
-            <a:avLst/>
-          </a:prstGeom>
-          <a:ln>
-            <a:tailEnd type="triangle"/>
-          </a:ln>
-        </p:spPr>
-        <p:style>
-          <a:lnRef idx="1">
-            <a:schemeClr val="accent1"/>
-          </a:lnRef>
-          <a:fillRef idx="0">
-            <a:schemeClr val="accent1"/>
-          </a:fillRef>
-          <a:effectRef idx="0">
-            <a:schemeClr val="accent1"/>
-          </a:effectRef>
-          <a:fontRef idx="minor">
-            <a:schemeClr val="tx1"/>
-          </a:fontRef>
-        </p:style>
-      </p:cxnSp>
-      <p:cxnSp>
-        <p:nvCxnSpPr>
-          <p:cNvPr id="61" name="Straight Arrow Connector 60">
-            <a:extLst>
-              <a:ext uri="{FF2B5EF4-FFF2-40B4-BE49-F238E27FC236}">
-                <a16:creationId xmlns:a16="http://schemas.microsoft.com/office/drawing/2014/main" id="{49EF0B3B-AEF8-E972-1683-E28E846151AC}"/>
-              </a:ext>
-            </a:extLst>
-          </p:cNvPr>
-          <p:cNvCxnSpPr>
-            <a:cxnSpLocks/>
-            <a:endCxn id="47" idx="1"/>
-          </p:cNvCxnSpPr>
-          <p:nvPr/>
-        </p:nvCxnSpPr>
-        <p:spPr>
-          <a:xfrm>
-            <a:off x="429768" y="5470074"/>
-            <a:ext cx="1275550" cy="1"/>
-          </a:xfrm>
-          <a:prstGeom prst="straightConnector1">
-            <a:avLst/>
-          </a:prstGeom>
-          <a:ln>
-            <a:tailEnd type="triangle"/>
-          </a:ln>
-        </p:spPr>
-        <p:style>
-          <a:lnRef idx="1">
-            <a:schemeClr val="accent1"/>
-          </a:lnRef>
-          <a:fillRef idx="0">
-            <a:schemeClr val="accent1"/>
-          </a:fillRef>
-          <a:effectRef idx="0">
-            <a:schemeClr val="accent1"/>
-          </a:effectRef>
-          <a:fontRef idx="minor">
-            <a:schemeClr val="tx1"/>
-          </a:fontRef>
-        </p:style>
-      </p:cxnSp>
-      <p:cxnSp>
-        <p:nvCxnSpPr>
-          <p:cNvPr id="63" name="Straight Arrow Connector 62">
-            <a:extLst>
-              <a:ext uri="{FF2B5EF4-FFF2-40B4-BE49-F238E27FC236}">
-                <a16:creationId xmlns:a16="http://schemas.microsoft.com/office/drawing/2014/main" id="{AE22B313-567B-9425-7757-BB35E332E367}"/>
-              </a:ext>
-            </a:extLst>
-          </p:cNvPr>
-          <p:cNvCxnSpPr>
-            <a:cxnSpLocks/>
-          </p:cNvCxnSpPr>
-          <p:nvPr/>
-        </p:nvCxnSpPr>
-        <p:spPr>
-          <a:xfrm>
-            <a:off x="429768" y="4278307"/>
-            <a:ext cx="1275550" cy="0"/>
-          </a:xfrm>
-          <a:prstGeom prst="straightConnector1">
-            <a:avLst/>
-          </a:prstGeom>
-          <a:ln>
-            <a:tailEnd type="triangle"/>
-          </a:ln>
-        </p:spPr>
-        <p:style>
-          <a:lnRef idx="1">
-            <a:schemeClr val="accent1"/>
-          </a:lnRef>
-          <a:fillRef idx="0">
-            <a:schemeClr val="accent1"/>
-          </a:fillRef>
-          <a:effectRef idx="0">
-            <a:schemeClr val="accent1"/>
-          </a:effectRef>
-          <a:fontRef idx="minor">
-            <a:schemeClr val="tx1"/>
-          </a:fontRef>
-        </p:style>
-      </p:cxnSp>
-      <p:sp>
-        <p:nvSpPr>
-          <p:cNvPr id="65" name="TextBox 64">
-            <a:extLst>
-              <a:ext uri="{FF2B5EF4-FFF2-40B4-BE49-F238E27FC236}">
-                <a16:creationId xmlns:a16="http://schemas.microsoft.com/office/drawing/2014/main" id="{7773022A-1722-9DF4-439C-27CA0A266E86}"/>
-              </a:ext>
-            </a:extLst>
-          </p:cNvPr>
-          <p:cNvSpPr txBox="1"/>
-          <p:nvPr/>
-        </p:nvSpPr>
-        <p:spPr>
-          <a:xfrm>
-            <a:off x="274320" y="5118950"/>
-            <a:ext cx="1322432" cy="313273"/>
-          </a:xfrm>
-          <a:prstGeom prst="rect">
-            <a:avLst/>
-          </a:prstGeom>
-          <a:noFill/>
-        </p:spPr>
-        <p:txBody>
-          <a:bodyPr wrap="square">
-            <a:spAutoFit/>
-          </a:bodyPr>
-          <a:lstStyle/>
-          <a:p>
-            <a:r>
-              <a:rPr lang="en-IN" sz="1400" b="1" dirty="0"/>
-              <a:t>2. Prediction</a:t>
-            </a:r>
-          </a:p>
-        </p:txBody>
-      </p:sp>
-      <p:sp>
-        <p:nvSpPr>
-          <p:cNvPr id="66" name="TextBox 65">
-            <a:extLst>
-              <a:ext uri="{FF2B5EF4-FFF2-40B4-BE49-F238E27FC236}">
-                <a16:creationId xmlns:a16="http://schemas.microsoft.com/office/drawing/2014/main" id="{B6A54AF1-DD4B-F690-CF6F-4010EB9179D2}"/>
-              </a:ext>
-            </a:extLst>
-          </p:cNvPr>
-          <p:cNvSpPr txBox="1"/>
-          <p:nvPr/>
-        </p:nvSpPr>
-        <p:spPr>
-          <a:xfrm>
-            <a:off x="274320" y="3920463"/>
-            <a:ext cx="1419570" cy="307777"/>
-          </a:xfrm>
-          <a:prstGeom prst="rect">
-            <a:avLst/>
-          </a:prstGeom>
-          <a:noFill/>
-        </p:spPr>
-        <p:txBody>
-          <a:bodyPr wrap="square">
-            <a:spAutoFit/>
-          </a:bodyPr>
-          <a:lstStyle/>
-          <a:p>
-            <a:r>
-              <a:rPr lang="en-IN" sz="1400" b="1" dirty="0"/>
-              <a:t>1. Preprocessing</a:t>
-            </a:r>
-          </a:p>
-        </p:txBody>
-      </p:sp>
-      <p:cxnSp>
-        <p:nvCxnSpPr>
-          <p:cNvPr id="70" name="Connector: Elbow 69">
-            <a:extLst>
-              <a:ext uri="{FF2B5EF4-FFF2-40B4-BE49-F238E27FC236}">
-                <a16:creationId xmlns:a16="http://schemas.microsoft.com/office/drawing/2014/main" id="{434B6C23-0A41-29A0-C9E4-91B14C6DED89}"/>
-              </a:ext>
-            </a:extLst>
-          </p:cNvPr>
-          <p:cNvCxnSpPr>
-            <a:cxnSpLocks/>
-            <a:stCxn id="76" idx="3"/>
-            <a:endCxn id="8" idx="1"/>
-          </p:cNvCxnSpPr>
-          <p:nvPr/>
-        </p:nvCxnSpPr>
-        <p:spPr>
-          <a:xfrm>
-            <a:off x="7836406" y="3629090"/>
-            <a:ext cx="1086102" cy="2714"/>
-          </a:xfrm>
-          <a:prstGeom prst="bentConnector3">
-            <a:avLst/>
-          </a:prstGeom>
-          <a:ln>
-            <a:tailEnd type="triangle"/>
-          </a:ln>
-        </p:spPr>
-        <p:style>
-          <a:lnRef idx="1">
-            <a:schemeClr val="accent1"/>
-          </a:lnRef>
-          <a:fillRef idx="0">
-            <a:schemeClr val="accent1"/>
-          </a:fillRef>
-          <a:effectRef idx="0">
-            <a:schemeClr val="accent1"/>
-          </a:effectRef>
-          <a:fontRef idx="minor">
-            <a:schemeClr val="tx1"/>
-          </a:fontRef>
-        </p:style>
-      </p:cxnSp>
-      <p:sp>
-        <p:nvSpPr>
-          <p:cNvPr id="76" name="Rectangle 75">
-            <a:extLst>
-              <a:ext uri="{FF2B5EF4-FFF2-40B4-BE49-F238E27FC236}">
-                <a16:creationId xmlns:a16="http://schemas.microsoft.com/office/drawing/2014/main" id="{94886290-67C6-E8EB-3CF3-93A392A964D5}"/>
-              </a:ext>
-            </a:extLst>
-          </p:cNvPr>
-          <p:cNvSpPr/>
-          <p:nvPr/>
-        </p:nvSpPr>
-        <p:spPr>
-          <a:xfrm>
-            <a:off x="5627626" y="3188823"/>
-            <a:ext cx="2208780" cy="880533"/>
-          </a:xfrm>
-          <a:prstGeom prst="rect">
-            <a:avLst/>
-          </a:prstGeom>
-        </p:spPr>
-        <p:style>
-          <a:lnRef idx="2">
-            <a:schemeClr val="accent1">
-              <a:shade val="15000"/>
-            </a:schemeClr>
-          </a:lnRef>
-          <a:fillRef idx="1">
-            <a:schemeClr val="accent1"/>
-          </a:fillRef>
-          <a:effectRef idx="0">
-            <a:schemeClr val="accent1"/>
-          </a:effectRef>
-          <a:fontRef idx="minor">
-            <a:schemeClr val="lt1"/>
-          </a:fontRef>
-        </p:style>
-        <p:txBody>
-          <a:bodyPr rtlCol="0" anchor="ctr"/>
-          <a:lstStyle/>
-          <a:p>
-            <a:pPr algn="ctr"/>
-            <a:r>
-              <a:rPr lang="en-US" dirty="0"/>
-              <a:t>Trained Model</a:t>
-            </a:r>
-            <a:endParaRPr lang="en-IN" dirty="0"/>
-          </a:p>
-        </p:txBody>
-      </p:sp>
-      <p:cxnSp>
-        <p:nvCxnSpPr>
-          <p:cNvPr id="78" name="Straight Arrow Connector 77">
-            <a:extLst>
-              <a:ext uri="{FF2B5EF4-FFF2-40B4-BE49-F238E27FC236}">
-                <a16:creationId xmlns:a16="http://schemas.microsoft.com/office/drawing/2014/main" id="{8608CF60-3F15-6C98-6F2B-8F15F98123CC}"/>
-              </a:ext>
-            </a:extLst>
-          </p:cNvPr>
-          <p:cNvCxnSpPr>
-            <a:stCxn id="20" idx="0"/>
-            <a:endCxn id="76" idx="2"/>
-          </p:cNvCxnSpPr>
-          <p:nvPr/>
-        </p:nvCxnSpPr>
-        <p:spPr>
-          <a:xfrm flipV="1">
-            <a:off x="6732016" y="4069356"/>
-            <a:ext cx="0" cy="458282"/>
-          </a:xfrm>
-          <a:prstGeom prst="straightConnector1">
-            <a:avLst/>
-          </a:prstGeom>
-          <a:ln>
-            <a:tailEnd type="triangle"/>
-          </a:ln>
-        </p:spPr>
-        <p:style>
-          <a:lnRef idx="1">
-            <a:schemeClr val="accent1"/>
-          </a:lnRef>
-          <a:fillRef idx="0">
-            <a:schemeClr val="accent1"/>
-          </a:fillRef>
-          <a:effectRef idx="0">
-            <a:schemeClr val="accent1"/>
-          </a:effectRef>
-          <a:fontRef idx="minor">
-            <a:schemeClr val="tx1"/>
-          </a:fontRef>
-        </p:style>
-      </p:cxnSp>
-      <p:cxnSp>
-        <p:nvCxnSpPr>
-          <p:cNvPr id="80" name="Straight Arrow Connector 79">
-            <a:extLst>
-              <a:ext uri="{FF2B5EF4-FFF2-40B4-BE49-F238E27FC236}">
-                <a16:creationId xmlns:a16="http://schemas.microsoft.com/office/drawing/2014/main" id="{A5582C81-D90E-6CB8-1F7B-C0CFC3A16A85}"/>
-              </a:ext>
-            </a:extLst>
-          </p:cNvPr>
-          <p:cNvCxnSpPr>
-            <a:stCxn id="21" idx="2"/>
-            <a:endCxn id="76" idx="0"/>
-          </p:cNvCxnSpPr>
-          <p:nvPr/>
-        </p:nvCxnSpPr>
-        <p:spPr>
-          <a:xfrm>
-            <a:off x="6732016" y="2730541"/>
-            <a:ext cx="0" cy="458282"/>
-          </a:xfrm>
-          <a:prstGeom prst="straightConnector1">
-            <a:avLst/>
-          </a:prstGeom>
-          <a:ln>
-            <a:tailEnd type="triangle"/>
-          </a:ln>
-        </p:spPr>
-        <p:style>
-          <a:lnRef idx="1">
-            <a:schemeClr val="accent1"/>
-          </a:lnRef>
-          <a:fillRef idx="0">
-            <a:schemeClr val="accent1"/>
-          </a:fillRef>
-          <a:effectRef idx="0">
-            <a:schemeClr val="accent1"/>
-          </a:effectRef>
-          <a:fontRef idx="minor">
-            <a:schemeClr val="tx1"/>
-          </a:fontRef>
-        </p:style>
-      </p:cxnSp>
-    </p:spTree>
-    <p:extLst>
-      <p:ext uri="{BB962C8B-B14F-4D97-AF65-F5344CB8AC3E}">
-        <p14:creationId xmlns:p14="http://schemas.microsoft.com/office/powerpoint/2010/main" val="2349814023"/>
-      </p:ext>
-    </p:extLst>
-  </p:cSld>
-  <p:clrMapOvr>
-    <a:masterClrMapping/>
-  </p:clrMapOvr>
-</p:sld>
-</file>
-
-<file path=ppt/slides/slide11.xml><?xml version="1.0" encoding="utf-8"?>
-<p:sld xmlns:a="http://schemas.openxmlformats.org/drawingml/2006/main" xmlns:r="http://schemas.openxmlformats.org/officeDocument/2006/relationships" xmlns:p="http://schemas.openxmlformats.org/presentationml/2006/main">
-  <p:cSld>
-    <p:spTree>
-      <p:nvGrpSpPr>
-        <p:cNvPr id="1" name="">
-          <a:extLst>
-            <a:ext uri="{FF2B5EF4-FFF2-40B4-BE49-F238E27FC236}">
-              <a16:creationId xmlns:a16="http://schemas.microsoft.com/office/drawing/2014/main" id="{2C6301E1-B3A6-E34B-9273-93B379473878}"/>
-            </a:ext>
-          </a:extLst>
-        </p:cNvPr>
-        <p:cNvGrpSpPr/>
-        <p:nvPr/>
-      </p:nvGrpSpPr>
-      <p:grpSpPr>
-        <a:xfrm>
-          <a:off x="0" y="0"/>
-          <a:ext cx="0" cy="0"/>
-          <a:chOff x="0" y="0"/>
-          <a:chExt cx="0" cy="0"/>
-        </a:xfrm>
-      </p:grpSpPr>
-      <p:sp>
-        <p:nvSpPr>
-          <p:cNvPr id="2" name="Rectangle 1">
-            <a:extLst>
-              <a:ext uri="{FF2B5EF4-FFF2-40B4-BE49-F238E27FC236}">
-                <a16:creationId xmlns:a16="http://schemas.microsoft.com/office/drawing/2014/main" id="{1E191334-8C02-6614-28FE-6D40E9B4D873}"/>
-              </a:ext>
-            </a:extLst>
-          </p:cNvPr>
-          <p:cNvSpPr/>
-          <p:nvPr/>
-        </p:nvSpPr>
-        <p:spPr>
-          <a:xfrm>
-            <a:off x="562320" y="551192"/>
-            <a:ext cx="3661580" cy="584775"/>
-          </a:xfrm>
-          <a:prstGeom prst="rect">
-            <a:avLst/>
-          </a:prstGeom>
-        </p:spPr>
-        <p:txBody>
-          <a:bodyPr wrap="none">
-            <a:spAutoFit/>
-          </a:bodyPr>
-          <a:lstStyle/>
-          <a:p>
-            <a:r>
-              <a:rPr lang="en-US" sz="3200" b="1" dirty="0">
-                <a:solidFill>
-                  <a:srgbClr val="FF0000"/>
-                </a:solidFill>
-                <a:latin typeface="Times New Roman" panose="02020603050405020304" pitchFamily="18" charset="0"/>
-                <a:cs typeface="Times New Roman" panose="02020603050405020304" pitchFamily="18" charset="0"/>
-              </a:rPr>
-              <a:t>Module Description</a:t>
-            </a:r>
-            <a:endParaRPr lang="en-US" sz="3200" dirty="0">
-              <a:solidFill>
-                <a:srgbClr val="FF0000"/>
-              </a:solidFill>
-              <a:latin typeface="Times New Roman" panose="02020603050405020304" pitchFamily="18" charset="0"/>
-              <a:cs typeface="Times New Roman" panose="02020603050405020304" pitchFamily="18" charset="0"/>
-            </a:endParaRPr>
-          </a:p>
-        </p:txBody>
-      </p:sp>
-      <p:pic>
-        <p:nvPicPr>
-          <p:cNvPr id="4" name="Picture 3">
-            <a:extLst>
-              <a:ext uri="{FF2B5EF4-FFF2-40B4-BE49-F238E27FC236}">
-                <a16:creationId xmlns:a16="http://schemas.microsoft.com/office/drawing/2014/main" id="{0AAC52ED-0186-1878-423F-8250E58E860F}"/>
-              </a:ext>
-            </a:extLst>
-          </p:cNvPr>
-          <p:cNvPicPr>
-            <a:picLocks noChangeAspect="1"/>
-          </p:cNvPicPr>
-          <p:nvPr/>
-        </p:nvPicPr>
-        <p:blipFill>
-          <a:blip r:embed="rId2"/>
-          <a:stretch>
-            <a:fillRect/>
-          </a:stretch>
-        </p:blipFill>
-        <p:spPr>
-          <a:xfrm>
-            <a:off x="2159284" y="1834673"/>
-            <a:ext cx="7670235" cy="3451606"/>
-          </a:xfrm>
-          <a:prstGeom prst="rect">
-            <a:avLst/>
-          </a:prstGeom>
-        </p:spPr>
-      </p:pic>
-      <p:sp>
-        <p:nvSpPr>
-          <p:cNvPr id="3" name="Rectangle 2">
-            <a:extLst>
-              <a:ext uri="{FF2B5EF4-FFF2-40B4-BE49-F238E27FC236}">
-                <a16:creationId xmlns:a16="http://schemas.microsoft.com/office/drawing/2014/main" id="{FD839B40-D14C-29AA-249D-4DAEE7B5CAFC}"/>
-              </a:ext>
-            </a:extLst>
-          </p:cNvPr>
-          <p:cNvSpPr/>
-          <p:nvPr/>
-        </p:nvSpPr>
-        <p:spPr>
-          <a:xfrm>
-            <a:off x="968720" y="1223710"/>
-            <a:ext cx="3510769" cy="523220"/>
-          </a:xfrm>
-          <a:prstGeom prst="rect">
-            <a:avLst/>
-          </a:prstGeom>
-        </p:spPr>
-        <p:txBody>
-          <a:bodyPr wrap="none">
-            <a:spAutoFit/>
-          </a:bodyPr>
-          <a:lstStyle/>
-          <a:p>
-            <a:r>
-              <a:rPr lang="en-US" sz="2800" b="1" dirty="0">
-                <a:solidFill>
-                  <a:srgbClr val="FF0000"/>
-                </a:solidFill>
-                <a:latin typeface="Times New Roman" panose="02020603050405020304" pitchFamily="18" charset="0"/>
-                <a:cs typeface="Times New Roman" panose="02020603050405020304" pitchFamily="18" charset="0"/>
-              </a:rPr>
-              <a:t>1. Data Preprocessing</a:t>
-            </a:r>
-            <a:endParaRPr lang="en-US" sz="2800" dirty="0">
-              <a:solidFill>
-                <a:srgbClr val="FF0000"/>
-              </a:solidFill>
-              <a:latin typeface="Times New Roman" panose="02020603050405020304" pitchFamily="18" charset="0"/>
-              <a:cs typeface="Times New Roman" panose="02020603050405020304" pitchFamily="18" charset="0"/>
-            </a:endParaRPr>
-          </a:p>
-        </p:txBody>
-      </p:sp>
-      <p:sp>
-        <p:nvSpPr>
-          <p:cNvPr id="8" name="TextBox 7">
-            <a:extLst>
-              <a:ext uri="{FF2B5EF4-FFF2-40B4-BE49-F238E27FC236}">
-                <a16:creationId xmlns:a16="http://schemas.microsoft.com/office/drawing/2014/main" id="{96AB0517-6024-5E36-0A37-924935F3F490}"/>
-              </a:ext>
-            </a:extLst>
-          </p:cNvPr>
-          <p:cNvSpPr txBox="1"/>
-          <p:nvPr/>
-        </p:nvSpPr>
-        <p:spPr>
-          <a:xfrm>
-            <a:off x="968719" y="5518942"/>
-            <a:ext cx="10021013" cy="646331"/>
-          </a:xfrm>
-          <a:prstGeom prst="rect">
-            <a:avLst/>
-          </a:prstGeom>
-          <a:noFill/>
-        </p:spPr>
-        <p:txBody>
-          <a:bodyPr wrap="square">
-            <a:spAutoFit/>
-          </a:bodyPr>
-          <a:lstStyle/>
-          <a:p>
-            <a:r>
-              <a:rPr lang="en-US" dirty="0">
-                <a:latin typeface="Times New Roman" panose="02020603050405020304" pitchFamily="18" charset="0"/>
-                <a:cs typeface="Times New Roman" panose="02020603050405020304" pitchFamily="18" charset="0"/>
-              </a:rPr>
-              <a:t>The script preprocesses CSV files by cleaning and filtering data based on city names and valid price values. The processed data is then saved to an output directory for further analysis.</a:t>
-            </a:r>
-            <a:endParaRPr lang="en-IN" dirty="0">
-              <a:latin typeface="Times New Roman" panose="02020603050405020304" pitchFamily="18" charset="0"/>
-              <a:cs typeface="Times New Roman" panose="02020603050405020304" pitchFamily="18" charset="0"/>
-            </a:endParaRPr>
-          </a:p>
-        </p:txBody>
-      </p:sp>
-    </p:spTree>
-    <p:extLst>
-      <p:ext uri="{BB962C8B-B14F-4D97-AF65-F5344CB8AC3E}">
-        <p14:creationId xmlns:p14="http://schemas.microsoft.com/office/powerpoint/2010/main" val="1856950982"/>
-      </p:ext>
-    </p:extLst>
-  </p:cSld>
-  <p:clrMapOvr>
-    <a:masterClrMapping/>
-  </p:clrMapOvr>
-</p:sld>
-</file>
-
-<file path=ppt/slides/slide12.xml><?xml version="1.0" encoding="utf-8"?>
-<p:sld xmlns:a="http://schemas.openxmlformats.org/drawingml/2006/main" xmlns:r="http://schemas.openxmlformats.org/officeDocument/2006/relationships" xmlns:p="http://schemas.openxmlformats.org/presentationml/2006/main">
-  <p:cSld>
-    <p:spTree>
-      <p:nvGrpSpPr>
-        <p:cNvPr id="1" name="">
-          <a:extLst>
-            <a:ext uri="{FF2B5EF4-FFF2-40B4-BE49-F238E27FC236}">
-              <a16:creationId xmlns:a16="http://schemas.microsoft.com/office/drawing/2014/main" id="{E174EC82-C7AF-D477-979D-59C8040F9851}"/>
-            </a:ext>
-          </a:extLst>
-        </p:cNvPr>
-        <p:cNvGrpSpPr/>
-        <p:nvPr/>
-      </p:nvGrpSpPr>
-      <p:grpSpPr>
-        <a:xfrm>
-          <a:off x="0" y="0"/>
-          <a:ext cx="0" cy="0"/>
-          <a:chOff x="0" y="0"/>
-          <a:chExt cx="0" cy="0"/>
-        </a:xfrm>
-      </p:grpSpPr>
-      <p:sp>
-        <p:nvSpPr>
-          <p:cNvPr id="2" name="Rectangle 1">
-            <a:extLst>
-              <a:ext uri="{FF2B5EF4-FFF2-40B4-BE49-F238E27FC236}">
-                <a16:creationId xmlns:a16="http://schemas.microsoft.com/office/drawing/2014/main" id="{B5097473-84D4-218B-9FC6-48EF62198A94}"/>
-              </a:ext>
-            </a:extLst>
-          </p:cNvPr>
-          <p:cNvSpPr/>
-          <p:nvPr/>
-        </p:nvSpPr>
-        <p:spPr>
-          <a:xfrm>
-            <a:off x="562320" y="551192"/>
-            <a:ext cx="3661580" cy="584775"/>
-          </a:xfrm>
-          <a:prstGeom prst="rect">
-            <a:avLst/>
-          </a:prstGeom>
-        </p:spPr>
-        <p:txBody>
-          <a:bodyPr wrap="none">
-            <a:spAutoFit/>
-          </a:bodyPr>
-          <a:lstStyle/>
-          <a:p>
-            <a:r>
-              <a:rPr lang="en-US" sz="3200" b="1" dirty="0">
-                <a:solidFill>
-                  <a:srgbClr val="FF0000"/>
-                </a:solidFill>
-                <a:latin typeface="Times New Roman" panose="02020603050405020304" pitchFamily="18" charset="0"/>
-                <a:cs typeface="Times New Roman" panose="02020603050405020304" pitchFamily="18" charset="0"/>
-              </a:rPr>
-              <a:t>Module Description</a:t>
-            </a:r>
-            <a:endParaRPr lang="en-US" sz="3200" dirty="0">
-              <a:solidFill>
-                <a:srgbClr val="FF0000"/>
-              </a:solidFill>
-              <a:latin typeface="Times New Roman" panose="02020603050405020304" pitchFamily="18" charset="0"/>
-              <a:cs typeface="Times New Roman" panose="02020603050405020304" pitchFamily="18" charset="0"/>
-            </a:endParaRPr>
-          </a:p>
-        </p:txBody>
-      </p:sp>
-      <p:pic>
-        <p:nvPicPr>
-          <p:cNvPr id="8" name="Picture 7">
-            <a:extLst>
-              <a:ext uri="{FF2B5EF4-FFF2-40B4-BE49-F238E27FC236}">
-                <a16:creationId xmlns:a16="http://schemas.microsoft.com/office/drawing/2014/main" id="{C9F4AC3F-CA1B-AEF9-2330-235CE1FDEF3B}"/>
-              </a:ext>
-            </a:extLst>
-          </p:cNvPr>
-          <p:cNvPicPr>
-            <a:picLocks noChangeAspect="1"/>
-          </p:cNvPicPr>
-          <p:nvPr/>
-        </p:nvPicPr>
-        <p:blipFill>
-          <a:blip r:embed="rId2"/>
-          <a:stretch>
-            <a:fillRect/>
-          </a:stretch>
-        </p:blipFill>
-        <p:spPr>
-          <a:xfrm>
-            <a:off x="2579798" y="1834699"/>
-            <a:ext cx="7032404" cy="3581102"/>
-          </a:xfrm>
-          <a:prstGeom prst="rect">
-            <a:avLst/>
-          </a:prstGeom>
-        </p:spPr>
-      </p:pic>
-      <p:sp>
-        <p:nvSpPr>
-          <p:cNvPr id="3" name="Rectangle 2">
-            <a:extLst>
-              <a:ext uri="{FF2B5EF4-FFF2-40B4-BE49-F238E27FC236}">
-                <a16:creationId xmlns:a16="http://schemas.microsoft.com/office/drawing/2014/main" id="{71B5A1D3-2780-B8BA-51E7-2972906EF0A7}"/>
-              </a:ext>
-            </a:extLst>
-          </p:cNvPr>
-          <p:cNvSpPr/>
-          <p:nvPr/>
-        </p:nvSpPr>
-        <p:spPr>
-          <a:xfrm>
-            <a:off x="972667" y="1223723"/>
-            <a:ext cx="2927404" cy="523220"/>
-          </a:xfrm>
-          <a:prstGeom prst="rect">
-            <a:avLst/>
-          </a:prstGeom>
-        </p:spPr>
-        <p:txBody>
-          <a:bodyPr wrap="none">
-            <a:spAutoFit/>
-          </a:bodyPr>
-          <a:lstStyle/>
-          <a:p>
-            <a:r>
-              <a:rPr lang="en-US" sz="2800" b="1" dirty="0">
-                <a:solidFill>
-                  <a:srgbClr val="FF0000"/>
-                </a:solidFill>
-                <a:latin typeface="Times New Roman" panose="02020603050405020304" pitchFamily="18" charset="0"/>
-                <a:cs typeface="Times New Roman" panose="02020603050405020304" pitchFamily="18" charset="0"/>
-              </a:rPr>
-              <a:t>2. Model Building</a:t>
-            </a:r>
-          </a:p>
-        </p:txBody>
-      </p:sp>
-      <p:sp>
-        <p:nvSpPr>
-          <p:cNvPr id="6" name="TextBox 5">
-            <a:extLst>
-              <a:ext uri="{FF2B5EF4-FFF2-40B4-BE49-F238E27FC236}">
-                <a16:creationId xmlns:a16="http://schemas.microsoft.com/office/drawing/2014/main" id="{D748DF08-50D9-91FD-DD59-756852EC7E86}"/>
-              </a:ext>
-            </a:extLst>
-          </p:cNvPr>
-          <p:cNvSpPr txBox="1"/>
-          <p:nvPr/>
-        </p:nvSpPr>
-        <p:spPr>
-          <a:xfrm>
-            <a:off x="972667" y="5520490"/>
-            <a:ext cx="10617200" cy="646331"/>
-          </a:xfrm>
-          <a:prstGeom prst="rect">
-            <a:avLst/>
-          </a:prstGeom>
-          <a:noFill/>
-        </p:spPr>
-        <p:txBody>
-          <a:bodyPr wrap="square">
-            <a:spAutoFit/>
-          </a:bodyPr>
-          <a:lstStyle/>
-          <a:p>
-            <a:r>
-              <a:rPr lang="en-US" dirty="0">
-                <a:latin typeface="Times New Roman" panose="02020603050405020304" pitchFamily="18" charset="0"/>
-                <a:cs typeface="Times New Roman" panose="02020603050405020304" pitchFamily="18" charset="0"/>
-              </a:rPr>
-              <a:t>The script loads a dataset, splits it into training and testing sets, and applies the ARIMA model for price forecasting. It trains the model using historical price data and predicts future values.</a:t>
-            </a:r>
-            <a:endParaRPr lang="en-IN" dirty="0">
-              <a:latin typeface="Times New Roman" panose="02020603050405020304" pitchFamily="18" charset="0"/>
-              <a:cs typeface="Times New Roman" panose="02020603050405020304" pitchFamily="18" charset="0"/>
-            </a:endParaRPr>
-          </a:p>
-        </p:txBody>
-      </p:sp>
-    </p:spTree>
-    <p:extLst>
-      <p:ext uri="{BB962C8B-B14F-4D97-AF65-F5344CB8AC3E}">
-        <p14:creationId xmlns:p14="http://schemas.microsoft.com/office/powerpoint/2010/main" val="1710514119"/>
-      </p:ext>
-    </p:extLst>
-  </p:cSld>
-  <p:clrMapOvr>
-    <a:masterClrMapping/>
-  </p:clrMapOvr>
-</p:sld>
-</file>
-
-<file path=ppt/slides/slide13.xml><?xml version="1.0" encoding="utf-8"?>
-<p:sld xmlns:a="http://schemas.openxmlformats.org/drawingml/2006/main" xmlns:r="http://schemas.openxmlformats.org/officeDocument/2006/relationships" xmlns:p="http://schemas.openxmlformats.org/presentationml/2006/main">
-  <p:cSld>
-    <p:spTree>
-      <p:nvGrpSpPr>
-        <p:cNvPr id="1" name="">
-          <a:extLst>
-            <a:ext uri="{FF2B5EF4-FFF2-40B4-BE49-F238E27FC236}">
-              <a16:creationId xmlns:a16="http://schemas.microsoft.com/office/drawing/2014/main" id="{BD8CDC13-7B8B-4BBB-540F-EF9B9E8CB2FD}"/>
-            </a:ext>
-          </a:extLst>
-        </p:cNvPr>
-        <p:cNvGrpSpPr/>
-        <p:nvPr/>
-      </p:nvGrpSpPr>
-      <p:grpSpPr>
-        <a:xfrm>
-          <a:off x="0" y="0"/>
-          <a:ext cx="0" cy="0"/>
-          <a:chOff x="0" y="0"/>
-          <a:chExt cx="0" cy="0"/>
-        </a:xfrm>
-      </p:grpSpPr>
-      <p:sp>
-        <p:nvSpPr>
-          <p:cNvPr id="2" name="Rectangle 1">
-            <a:extLst>
-              <a:ext uri="{FF2B5EF4-FFF2-40B4-BE49-F238E27FC236}">
-                <a16:creationId xmlns:a16="http://schemas.microsoft.com/office/drawing/2014/main" id="{0B9ED7CD-8C95-F128-393D-0D447C8EDFF4}"/>
-              </a:ext>
-            </a:extLst>
-          </p:cNvPr>
-          <p:cNvSpPr/>
-          <p:nvPr/>
-        </p:nvSpPr>
-        <p:spPr>
-          <a:xfrm>
-            <a:off x="562320" y="551192"/>
-            <a:ext cx="3661580" cy="584775"/>
-          </a:xfrm>
-          <a:prstGeom prst="rect">
-            <a:avLst/>
-          </a:prstGeom>
-        </p:spPr>
-        <p:txBody>
-          <a:bodyPr wrap="none">
-            <a:spAutoFit/>
-          </a:bodyPr>
-          <a:lstStyle/>
-          <a:p>
-            <a:r>
-              <a:rPr lang="en-US" sz="3200" b="1" dirty="0">
-                <a:solidFill>
-                  <a:srgbClr val="FF0000"/>
-                </a:solidFill>
-                <a:latin typeface="Times New Roman" panose="02020603050405020304" pitchFamily="18" charset="0"/>
-                <a:cs typeface="Times New Roman" panose="02020603050405020304" pitchFamily="18" charset="0"/>
-              </a:rPr>
-              <a:t>Module Description</a:t>
-            </a:r>
-            <a:endParaRPr lang="en-US" sz="3200" dirty="0">
-              <a:solidFill>
-                <a:srgbClr val="FF0000"/>
-              </a:solidFill>
-              <a:latin typeface="Times New Roman" panose="02020603050405020304" pitchFamily="18" charset="0"/>
-              <a:cs typeface="Times New Roman" panose="02020603050405020304" pitchFamily="18" charset="0"/>
-            </a:endParaRPr>
-          </a:p>
-        </p:txBody>
-      </p:sp>
-      <p:sp>
-        <p:nvSpPr>
-          <p:cNvPr id="4" name="Rectangle 3">
-            <a:extLst>
-              <a:ext uri="{FF2B5EF4-FFF2-40B4-BE49-F238E27FC236}">
-                <a16:creationId xmlns:a16="http://schemas.microsoft.com/office/drawing/2014/main" id="{129E5CFD-0749-3046-4148-DB2285C9A690}"/>
-              </a:ext>
-            </a:extLst>
-          </p:cNvPr>
-          <p:cNvSpPr/>
-          <p:nvPr/>
-        </p:nvSpPr>
-        <p:spPr>
-          <a:xfrm>
-            <a:off x="579256" y="1228524"/>
-            <a:ext cx="2124877" cy="584775"/>
-          </a:xfrm>
-          <a:prstGeom prst="rect">
-            <a:avLst/>
-          </a:prstGeom>
-        </p:spPr>
-        <p:txBody>
-          <a:bodyPr wrap="none">
-            <a:spAutoFit/>
-          </a:bodyPr>
-          <a:lstStyle/>
-          <a:p>
-            <a:r>
-              <a:rPr lang="en-US" sz="3200" b="1" dirty="0">
-                <a:solidFill>
-                  <a:srgbClr val="FF0000"/>
-                </a:solidFill>
-                <a:latin typeface="Times New Roman" panose="02020603050405020304" pitchFamily="18" charset="0"/>
-                <a:cs typeface="Times New Roman" panose="02020603050405020304" pitchFamily="18" charset="0"/>
-              </a:rPr>
-              <a:t>3.Frontend</a:t>
-            </a:r>
-            <a:endParaRPr lang="en-US" sz="3200" dirty="0">
-              <a:solidFill>
-                <a:srgbClr val="FF0000"/>
-              </a:solidFill>
-              <a:latin typeface="Times New Roman" panose="02020603050405020304" pitchFamily="18" charset="0"/>
-              <a:cs typeface="Times New Roman" panose="02020603050405020304" pitchFamily="18" charset="0"/>
-            </a:endParaRPr>
-          </a:p>
-        </p:txBody>
-      </p:sp>
-      <p:pic>
-        <p:nvPicPr>
-          <p:cNvPr id="5" name="Picture 4">
-            <a:extLst>
-              <a:ext uri="{FF2B5EF4-FFF2-40B4-BE49-F238E27FC236}">
-                <a16:creationId xmlns:a16="http://schemas.microsoft.com/office/drawing/2014/main" id="{8F825620-ADD8-60DD-8A8F-30D18A41772A}"/>
-              </a:ext>
-            </a:extLst>
-          </p:cNvPr>
-          <p:cNvPicPr>
-            <a:picLocks noChangeAspect="1"/>
-          </p:cNvPicPr>
-          <p:nvPr/>
-        </p:nvPicPr>
-        <p:blipFill>
-          <a:blip r:embed="rId2"/>
-          <a:stretch>
-            <a:fillRect/>
-          </a:stretch>
-        </p:blipFill>
-        <p:spPr>
-          <a:xfrm>
-            <a:off x="3076666" y="1813299"/>
-            <a:ext cx="6355200" cy="4033284"/>
-          </a:xfrm>
-          <a:prstGeom prst="rect">
-            <a:avLst/>
-          </a:prstGeom>
-        </p:spPr>
-      </p:pic>
-    </p:spTree>
-    <p:extLst>
-      <p:ext uri="{BB962C8B-B14F-4D97-AF65-F5344CB8AC3E}">
-        <p14:creationId xmlns:p14="http://schemas.microsoft.com/office/powerpoint/2010/main" val="2566186882"/>
-      </p:ext>
-    </p:extLst>
-  </p:cSld>
-  <p:clrMapOvr>
-    <a:masterClrMapping/>
-  </p:clrMapOvr>
-</p:sld>
-</file>
-
-<file path=ppt/slides/slide14.xml><?xml version="1.0" encoding="utf-8"?>
-<p:sld xmlns:a="http://schemas.openxmlformats.org/drawingml/2006/main" xmlns:r="http://schemas.openxmlformats.org/officeDocument/2006/relationships" xmlns:p="http://schemas.openxmlformats.org/presentationml/2006/main">
-  <p:cSld>
-    <p:spTree>
-      <p:nvGrpSpPr>
-        <p:cNvPr id="1" name="">
-          <a:extLst>
-            <a:ext uri="{FF2B5EF4-FFF2-40B4-BE49-F238E27FC236}">
-              <a16:creationId xmlns:a16="http://schemas.microsoft.com/office/drawing/2014/main" id="{D4DFE632-9DED-2528-CF33-B8A6B5BB8A06}"/>
-            </a:ext>
-          </a:extLst>
-        </p:cNvPr>
-        <p:cNvGrpSpPr/>
-        <p:nvPr/>
-      </p:nvGrpSpPr>
-      <p:grpSpPr>
-        <a:xfrm>
-          <a:off x="0" y="0"/>
-          <a:ext cx="0" cy="0"/>
-          <a:chOff x="0" y="0"/>
-          <a:chExt cx="0" cy="0"/>
-        </a:xfrm>
-      </p:grpSpPr>
-      <p:sp>
-        <p:nvSpPr>
-          <p:cNvPr id="2" name="Rectangle 1">
-            <a:extLst>
-              <a:ext uri="{FF2B5EF4-FFF2-40B4-BE49-F238E27FC236}">
-                <a16:creationId xmlns:a16="http://schemas.microsoft.com/office/drawing/2014/main" id="{4A154916-86C3-9590-2D9F-84BE9DD70245}"/>
-              </a:ext>
-            </a:extLst>
-          </p:cNvPr>
-          <p:cNvSpPr/>
-          <p:nvPr/>
-        </p:nvSpPr>
-        <p:spPr>
-          <a:xfrm>
-            <a:off x="562320" y="551192"/>
-            <a:ext cx="3661580" cy="584775"/>
-          </a:xfrm>
-          <a:prstGeom prst="rect">
-            <a:avLst/>
-          </a:prstGeom>
-        </p:spPr>
-        <p:txBody>
-          <a:bodyPr wrap="none">
-            <a:spAutoFit/>
-          </a:bodyPr>
-          <a:lstStyle/>
-          <a:p>
-            <a:r>
-              <a:rPr lang="en-US" sz="3200" b="1" dirty="0">
-                <a:solidFill>
-                  <a:srgbClr val="FF0000"/>
-                </a:solidFill>
-                <a:latin typeface="Times New Roman" panose="02020603050405020304" pitchFamily="18" charset="0"/>
-                <a:cs typeface="Times New Roman" panose="02020603050405020304" pitchFamily="18" charset="0"/>
-              </a:rPr>
-              <a:t>Module Description</a:t>
-            </a:r>
-            <a:endParaRPr lang="en-US" sz="3200" dirty="0">
-              <a:solidFill>
-                <a:srgbClr val="FF0000"/>
-              </a:solidFill>
-              <a:latin typeface="Times New Roman" panose="02020603050405020304" pitchFamily="18" charset="0"/>
-              <a:cs typeface="Times New Roman" panose="02020603050405020304" pitchFamily="18" charset="0"/>
-            </a:endParaRPr>
-          </a:p>
-        </p:txBody>
-      </p:sp>
-      <p:sp>
-        <p:nvSpPr>
-          <p:cNvPr id="4" name="Rectangle 3">
-            <a:extLst>
-              <a:ext uri="{FF2B5EF4-FFF2-40B4-BE49-F238E27FC236}">
-                <a16:creationId xmlns:a16="http://schemas.microsoft.com/office/drawing/2014/main" id="{F5661E48-3E18-8F8C-F6E3-96AE9A5DD107}"/>
-              </a:ext>
-            </a:extLst>
-          </p:cNvPr>
-          <p:cNvSpPr/>
-          <p:nvPr/>
-        </p:nvSpPr>
-        <p:spPr>
-          <a:xfrm>
-            <a:off x="579256" y="1228524"/>
-            <a:ext cx="2124877" cy="584775"/>
-          </a:xfrm>
-          <a:prstGeom prst="rect">
-            <a:avLst/>
-          </a:prstGeom>
-        </p:spPr>
-        <p:txBody>
-          <a:bodyPr wrap="none">
-            <a:spAutoFit/>
-          </a:bodyPr>
-          <a:lstStyle/>
-          <a:p>
-            <a:r>
-              <a:rPr lang="en-US" sz="3200" b="1" dirty="0">
-                <a:solidFill>
-                  <a:srgbClr val="FF0000"/>
-                </a:solidFill>
-                <a:latin typeface="Times New Roman" panose="02020603050405020304" pitchFamily="18" charset="0"/>
-                <a:cs typeface="Times New Roman" panose="02020603050405020304" pitchFamily="18" charset="0"/>
-              </a:rPr>
-              <a:t>3.Frontend</a:t>
-            </a:r>
-            <a:endParaRPr lang="en-US" sz="3200" dirty="0">
-              <a:solidFill>
-                <a:srgbClr val="FF0000"/>
-              </a:solidFill>
-              <a:latin typeface="Times New Roman" panose="02020603050405020304" pitchFamily="18" charset="0"/>
-              <a:cs typeface="Times New Roman" panose="02020603050405020304" pitchFamily="18" charset="0"/>
-            </a:endParaRPr>
-          </a:p>
-        </p:txBody>
-      </p:sp>
-      <p:pic>
-        <p:nvPicPr>
-          <p:cNvPr id="3" name="Picture 2">
-            <a:extLst>
-              <a:ext uri="{FF2B5EF4-FFF2-40B4-BE49-F238E27FC236}">
-                <a16:creationId xmlns:a16="http://schemas.microsoft.com/office/drawing/2014/main" id="{88A7DEB1-5FE7-BD58-64DC-138469424373}"/>
-              </a:ext>
-            </a:extLst>
-          </p:cNvPr>
-          <p:cNvPicPr>
-            <a:picLocks noChangeAspect="1"/>
-          </p:cNvPicPr>
-          <p:nvPr/>
-        </p:nvPicPr>
-        <p:blipFill>
-          <a:blip r:embed="rId2"/>
-          <a:stretch>
-            <a:fillRect/>
-          </a:stretch>
-        </p:blipFill>
-        <p:spPr>
-          <a:xfrm>
-            <a:off x="646987" y="2033432"/>
-            <a:ext cx="6668213" cy="3988605"/>
-          </a:xfrm>
-          <a:prstGeom prst="rect">
-            <a:avLst/>
-          </a:prstGeom>
-        </p:spPr>
-      </p:pic>
-      <p:sp>
-        <p:nvSpPr>
-          <p:cNvPr id="6" name="Rectangle 5">
-            <a:extLst>
-              <a:ext uri="{FF2B5EF4-FFF2-40B4-BE49-F238E27FC236}">
-                <a16:creationId xmlns:a16="http://schemas.microsoft.com/office/drawing/2014/main" id="{44C0177C-3700-CA44-0075-A971F797E795}"/>
-              </a:ext>
-            </a:extLst>
-          </p:cNvPr>
-          <p:cNvSpPr/>
-          <p:nvPr/>
-        </p:nvSpPr>
-        <p:spPr>
-          <a:xfrm>
-            <a:off x="7315200" y="5067930"/>
-            <a:ext cx="4571349" cy="954107"/>
-          </a:xfrm>
-          <a:prstGeom prst="rect">
-            <a:avLst/>
-          </a:prstGeom>
-        </p:spPr>
-        <p:txBody>
-          <a:bodyPr wrap="square">
-            <a:spAutoFit/>
-          </a:bodyPr>
-          <a:lstStyle/>
-          <a:p>
-            <a:r>
-              <a:rPr lang="en-US" sz="2800" dirty="0">
-                <a:latin typeface="Times New Roman" panose="02020603050405020304" pitchFamily="18" charset="0"/>
-                <a:cs typeface="Times New Roman" panose="02020603050405020304" pitchFamily="18" charset="0"/>
-              </a:rPr>
-              <a:t>Login Page using for user email and password</a:t>
-            </a:r>
-          </a:p>
-        </p:txBody>
-      </p:sp>
-    </p:spTree>
-    <p:extLst>
-      <p:ext uri="{BB962C8B-B14F-4D97-AF65-F5344CB8AC3E}">
-        <p14:creationId xmlns:p14="http://schemas.microsoft.com/office/powerpoint/2010/main" val="3768928918"/>
-      </p:ext>
-    </p:extLst>
-  </p:cSld>
-  <p:clrMapOvr>
-    <a:masterClrMapping/>
-  </p:clrMapOvr>
-</p:sld>
-</file>
-
-<file path=ppt/slides/slide15.xml><?xml version="1.0" encoding="utf-8"?>
-<p:sld xmlns:a="http://schemas.openxmlformats.org/drawingml/2006/main" xmlns:r="http://schemas.openxmlformats.org/officeDocument/2006/relationships" xmlns:p="http://schemas.openxmlformats.org/presentationml/2006/main">
-  <p:cSld>
-    <p:spTree>
-      <p:nvGrpSpPr>
-        <p:cNvPr id="1" name="">
-          <a:extLst>
-            <a:ext uri="{FF2B5EF4-FFF2-40B4-BE49-F238E27FC236}">
-              <a16:creationId xmlns:a16="http://schemas.microsoft.com/office/drawing/2014/main" id="{DD8B911D-08CB-2BA5-7DF6-F72FE26A71E8}"/>
-            </a:ext>
-          </a:extLst>
-        </p:cNvPr>
-        <p:cNvGrpSpPr/>
-        <p:nvPr/>
-      </p:nvGrpSpPr>
-      <p:grpSpPr>
-        <a:xfrm>
-          <a:off x="0" y="0"/>
-          <a:ext cx="0" cy="0"/>
-          <a:chOff x="0" y="0"/>
-          <a:chExt cx="0" cy="0"/>
-        </a:xfrm>
-      </p:grpSpPr>
-      <p:sp>
-        <p:nvSpPr>
-          <p:cNvPr id="2" name="Rectangle 1">
-            <a:extLst>
-              <a:ext uri="{FF2B5EF4-FFF2-40B4-BE49-F238E27FC236}">
-                <a16:creationId xmlns:a16="http://schemas.microsoft.com/office/drawing/2014/main" id="{16138B30-67D0-1B4E-2876-BE87491C3A05}"/>
-              </a:ext>
-            </a:extLst>
-          </p:cNvPr>
-          <p:cNvSpPr/>
-          <p:nvPr/>
-        </p:nvSpPr>
-        <p:spPr>
-          <a:xfrm>
-            <a:off x="562320" y="551192"/>
-            <a:ext cx="1459054" cy="584775"/>
-          </a:xfrm>
-          <a:prstGeom prst="rect">
-            <a:avLst/>
-          </a:prstGeom>
-        </p:spPr>
-        <p:txBody>
-          <a:bodyPr wrap="none">
-            <a:spAutoFit/>
-          </a:bodyPr>
-          <a:lstStyle/>
-          <a:p>
-            <a:r>
-              <a:rPr lang="en-US" sz="3200" b="1" dirty="0">
-                <a:solidFill>
-                  <a:srgbClr val="FF0000"/>
-                </a:solidFill>
-                <a:latin typeface="Times New Roman" panose="02020603050405020304" pitchFamily="18" charset="0"/>
-                <a:cs typeface="Times New Roman" panose="02020603050405020304" pitchFamily="18" charset="0"/>
-              </a:rPr>
-              <a:t>Output</a:t>
-            </a:r>
-            <a:endParaRPr lang="en-US" sz="3200" dirty="0">
-              <a:solidFill>
-                <a:srgbClr val="FF0000"/>
-              </a:solidFill>
-              <a:latin typeface="Times New Roman" panose="02020603050405020304" pitchFamily="18" charset="0"/>
-              <a:cs typeface="Times New Roman" panose="02020603050405020304" pitchFamily="18" charset="0"/>
-            </a:endParaRPr>
-          </a:p>
-        </p:txBody>
-      </p:sp>
-      <p:pic>
-        <p:nvPicPr>
-          <p:cNvPr id="3" name="Picture 2">
-            <a:extLst>
-              <a:ext uri="{FF2B5EF4-FFF2-40B4-BE49-F238E27FC236}">
-                <a16:creationId xmlns:a16="http://schemas.microsoft.com/office/drawing/2014/main" id="{76E80618-CB38-4E4A-E10A-E247795A4C30}"/>
-              </a:ext>
-            </a:extLst>
-          </p:cNvPr>
-          <p:cNvPicPr>
-            <a:picLocks noChangeAspect="1"/>
-          </p:cNvPicPr>
-          <p:nvPr/>
-        </p:nvPicPr>
-        <p:blipFill>
-          <a:blip r:embed="rId2"/>
-          <a:stretch>
-            <a:fillRect/>
-          </a:stretch>
-        </p:blipFill>
-        <p:spPr>
-          <a:xfrm>
-            <a:off x="2870200" y="1008803"/>
-            <a:ext cx="6451600" cy="4257549"/>
-          </a:xfrm>
-          <a:prstGeom prst="rect">
-            <a:avLst/>
-          </a:prstGeom>
-        </p:spPr>
-      </p:pic>
-      <p:sp>
-        <p:nvSpPr>
-          <p:cNvPr id="7" name="TextBox 6">
-            <a:extLst>
-              <a:ext uri="{FF2B5EF4-FFF2-40B4-BE49-F238E27FC236}">
-                <a16:creationId xmlns:a16="http://schemas.microsoft.com/office/drawing/2014/main" id="{B6112B02-A2C7-908A-D603-65F28EB4B85B}"/>
-              </a:ext>
-            </a:extLst>
-          </p:cNvPr>
-          <p:cNvSpPr txBox="1"/>
-          <p:nvPr/>
-        </p:nvSpPr>
-        <p:spPr>
-          <a:xfrm>
-            <a:off x="2523067" y="5537200"/>
-            <a:ext cx="7789333" cy="369332"/>
-          </a:xfrm>
-          <a:prstGeom prst="rect">
-            <a:avLst/>
-          </a:prstGeom>
-          <a:noFill/>
-        </p:spPr>
-        <p:txBody>
-          <a:bodyPr wrap="square">
-            <a:spAutoFit/>
-          </a:bodyPr>
-          <a:lstStyle/>
-          <a:p>
-            <a:r>
-              <a:rPr lang="en-US" sz="1800" dirty="0">
-                <a:latin typeface="Times New Roman" panose="02020603050405020304" pitchFamily="18" charset="0"/>
-                <a:cs typeface="Times New Roman" panose="02020603050405020304" pitchFamily="18" charset="0"/>
-              </a:rPr>
-              <a:t>Thus, select crop ,region to predict price of  selected crop in selected region </a:t>
-            </a:r>
-          </a:p>
-        </p:txBody>
-      </p:sp>
-    </p:spTree>
-    <p:extLst>
-      <p:ext uri="{BB962C8B-B14F-4D97-AF65-F5344CB8AC3E}">
-        <p14:creationId xmlns:p14="http://schemas.microsoft.com/office/powerpoint/2010/main" val="3903537735"/>
-      </p:ext>
-    </p:extLst>
-  </p:cSld>
-  <p:clrMapOvr>
-    <a:masterClrMapping/>
-  </p:clrMapOvr>
-</p:sld>
-</file>
-
-<file path=ppt/slides/slide16.xml><?xml version="1.0" encoding="utf-8"?>
-<p:sld xmlns:a="http://schemas.openxmlformats.org/drawingml/2006/main" xmlns:r="http://schemas.openxmlformats.org/officeDocument/2006/relationships" xmlns:p="http://schemas.openxmlformats.org/presentationml/2006/main">
-  <p:cSld>
-    <p:spTree>
-      <p:nvGrpSpPr>
         <p:cNvPr id="1" name=""/>
         <p:cNvGrpSpPr/>
         <p:nvPr/>
@@ -7105,7 +5244,7 @@
             <a:fld id="{FFF20539-7144-4945-B20A-62B30D853D34}" type="slidenum">
               <a:rPr lang="en-IN" smtClean="0"/>
               <a:pPr/>
-              <a:t>16</a:t>
+              <a:t>10</a:t>
             </a:fld>
             <a:endParaRPr lang="en-IN" dirty="0"/>
           </a:p>
@@ -7126,7 +5265,7 @@
           <p:nvPr>
             <p:extLst>
               <p:ext uri="{D42A27DB-BD31-4B8C-83A1-F6EECF244321}">
-                <p14:modId xmlns:p14="http://schemas.microsoft.com/office/powerpoint/2010/main" val="3355187215"/>
+                <p14:modId xmlns:p14="http://schemas.microsoft.com/office/powerpoint/2010/main" val="3594898653"/>
               </p:ext>
             </p:extLst>
           </p:nvPr>
@@ -7548,7 +5687,7 @@
                           <a:latin typeface="Times New Roman" panose="02020603050405020304" pitchFamily="18" charset="0"/>
                           <a:cs typeface="Times New Roman" panose="02020603050405020304" pitchFamily="18" charset="0"/>
                         </a:rPr>
-                        <a:t>Scikit-learn, Statsmodels (for ARIMA)</a:t>
+                        <a:t>Scikit-learn</a:t>
                       </a:r>
                       <a:endParaRPr lang="en-IN" dirty="0">
                         <a:solidFill>
@@ -7599,7 +5738,7 @@
 </p:sld>
 </file>
 
-<file path=ppt/slides/slide17.xml><?xml version="1.0" encoding="utf-8"?>
+<file path=ppt/slides/slide11.xml><?xml version="1.0" encoding="utf-8"?>
 <p:sld xmlns:a="http://schemas.openxmlformats.org/drawingml/2006/main" xmlns:r="http://schemas.openxmlformats.org/officeDocument/2006/relationships" xmlns:p="http://schemas.openxmlformats.org/presentationml/2006/main">
   <p:cSld>
     <p:spTree>
@@ -8204,1498 +6343,7 @@
 </p:sld>
 </file>
 
-<file path=ppt/slides/slide18.xml><?xml version="1.0" encoding="utf-8"?>
-<p:sld xmlns:a="http://schemas.openxmlformats.org/drawingml/2006/main" xmlns:r="http://schemas.openxmlformats.org/officeDocument/2006/relationships" xmlns:p="http://schemas.openxmlformats.org/presentationml/2006/main">
-  <p:cSld>
-    <p:spTree>
-      <p:nvGrpSpPr>
-        <p:cNvPr id="1" name="">
-          <a:extLst>
-            <a:ext uri="{FF2B5EF4-FFF2-40B4-BE49-F238E27FC236}">
-              <a16:creationId xmlns:a16="http://schemas.microsoft.com/office/drawing/2014/main" id="{6B8BB980-F89D-D551-1B69-C4D15A46B874}"/>
-            </a:ext>
-          </a:extLst>
-        </p:cNvPr>
-        <p:cNvGrpSpPr/>
-        <p:nvPr/>
-      </p:nvGrpSpPr>
-      <p:grpSpPr>
-        <a:xfrm>
-          <a:off x="0" y="0"/>
-          <a:ext cx="0" cy="0"/>
-          <a:chOff x="0" y="0"/>
-          <a:chExt cx="0" cy="0"/>
-        </a:xfrm>
-      </p:grpSpPr>
-      <p:sp>
-        <p:nvSpPr>
-          <p:cNvPr id="6" name="object 2">
-            <a:extLst>
-              <a:ext uri="{FF2B5EF4-FFF2-40B4-BE49-F238E27FC236}">
-                <a16:creationId xmlns:a16="http://schemas.microsoft.com/office/drawing/2014/main" id="{79600CB5-0342-E5C2-5AC2-8260C43A1CC8}"/>
-              </a:ext>
-            </a:extLst>
-          </p:cNvPr>
-          <p:cNvSpPr txBox="1">
-            <a:spLocks noGrp="1"/>
-          </p:cNvSpPr>
-          <p:nvPr>
-            <p:ph type="title"/>
-          </p:nvPr>
-        </p:nvSpPr>
-        <p:spPr>
-          <a:xfrm>
-            <a:off x="993444" y="661769"/>
-            <a:ext cx="4377690" cy="568104"/>
-          </a:xfrm>
-          <a:prstGeom prst="rect">
-            <a:avLst/>
-          </a:prstGeom>
-        </p:spPr>
-        <p:txBody>
-          <a:bodyPr vert="horz" wrap="square" lIns="0" tIns="13970" rIns="0" bIns="0" rtlCol="0">
-            <a:spAutoFit/>
-          </a:bodyPr>
-          <a:lstStyle/>
-          <a:p>
-            <a:pPr marL="12700">
-              <a:lnSpc>
-                <a:spcPct val="100000"/>
-              </a:lnSpc>
-              <a:spcBef>
-                <a:spcPts val="110"/>
-              </a:spcBef>
-            </a:pPr>
-            <a:r>
-              <a:rPr lang="en-IN" sz="3600" b="1" spc="-20" dirty="0">
-                <a:solidFill>
-                  <a:srgbClr val="FF0000"/>
-                </a:solidFill>
-                <a:latin typeface="Times New Roman" panose="02020603050405020304" pitchFamily="18" charset="0"/>
-                <a:cs typeface="Times New Roman" panose="02020603050405020304" pitchFamily="18" charset="0"/>
-              </a:rPr>
-              <a:t>Course Completion</a:t>
-            </a:r>
-            <a:endParaRPr sz="3600" b="1" spc="-20" dirty="0">
-              <a:solidFill>
-                <a:srgbClr val="FF0000"/>
-              </a:solidFill>
-              <a:latin typeface="Times New Roman" panose="02020603050405020304" pitchFamily="18" charset="0"/>
-              <a:cs typeface="Times New Roman" panose="02020603050405020304" pitchFamily="18" charset="0"/>
-            </a:endParaRPr>
-          </a:p>
-        </p:txBody>
-      </p:sp>
-      <p:graphicFrame>
-        <p:nvGraphicFramePr>
-          <p:cNvPr id="3" name="Table 2">
-            <a:extLst>
-              <a:ext uri="{FF2B5EF4-FFF2-40B4-BE49-F238E27FC236}">
-                <a16:creationId xmlns:a16="http://schemas.microsoft.com/office/drawing/2014/main" id="{012FE8EC-9DEE-2872-6DE0-7E2CE7D5B16F}"/>
-              </a:ext>
-            </a:extLst>
-          </p:cNvPr>
-          <p:cNvGraphicFramePr>
-            <a:graphicFrameLocks noGrp="1"/>
-          </p:cNvGraphicFramePr>
-          <p:nvPr/>
-        </p:nvGraphicFramePr>
-        <p:xfrm>
-          <a:off x="1397000" y="1776424"/>
-          <a:ext cx="10426700" cy="3305151"/>
-        </p:xfrm>
-        <a:graphic>
-          <a:graphicData uri="http://schemas.openxmlformats.org/drawingml/2006/table">
-            <a:tbl>
-              <a:tblPr/>
-              <a:tblGrid>
-                <a:gridCol w="1892300">
-                  <a:extLst>
-                    <a:ext uri="{9D8B030D-6E8A-4147-A177-3AD203B41FA5}">
-                      <a16:colId xmlns:a16="http://schemas.microsoft.com/office/drawing/2014/main" val="667182811"/>
-                    </a:ext>
-                  </a:extLst>
-                </a:gridCol>
-                <a:gridCol w="8534400">
-                  <a:extLst>
-                    <a:ext uri="{9D8B030D-6E8A-4147-A177-3AD203B41FA5}">
-                      <a16:colId xmlns:a16="http://schemas.microsoft.com/office/drawing/2014/main" val="4096597055"/>
-                    </a:ext>
-                  </a:extLst>
-                </a:gridCol>
-              </a:tblGrid>
-              <a:tr h="430677">
-                <a:tc>
-                  <a:txBody>
-                    <a:bodyPr/>
-                    <a:lstStyle/>
-                    <a:p>
-                      <a:endParaRPr lang="en-IN" sz="2400" dirty="0">
-                        <a:latin typeface="Times New Roman" panose="02020603050405020304" pitchFamily="18" charset="0"/>
-                        <a:cs typeface="Times New Roman" panose="02020603050405020304" pitchFamily="18" charset="0"/>
-                      </a:endParaRPr>
-                    </a:p>
-                  </a:txBody>
-                  <a:tcPr anchor="ctr">
-                    <a:lnL>
-                      <a:noFill/>
-                    </a:lnL>
-                    <a:lnR>
-                      <a:noFill/>
-                    </a:lnR>
-                    <a:lnT>
-                      <a:noFill/>
-                    </a:lnT>
-                    <a:lnB>
-                      <a:noFill/>
-                    </a:lnB>
-                    <a:noFill/>
-                  </a:tcPr>
-                </a:tc>
-                <a:tc>
-                  <a:txBody>
-                    <a:bodyPr/>
-                    <a:lstStyle/>
-                    <a:p>
-                      <a:endParaRPr lang="en-IN" sz="2400" dirty="0">
-                        <a:latin typeface="Times New Roman" panose="02020603050405020304" pitchFamily="18" charset="0"/>
-                        <a:cs typeface="Times New Roman" panose="02020603050405020304" pitchFamily="18" charset="0"/>
-                      </a:endParaRPr>
-                    </a:p>
-                  </a:txBody>
-                  <a:tcPr anchor="ctr">
-                    <a:lnL>
-                      <a:noFill/>
-                    </a:lnL>
-                    <a:lnR>
-                      <a:noFill/>
-                    </a:lnR>
-                    <a:lnT>
-                      <a:noFill/>
-                    </a:lnT>
-                    <a:lnB>
-                      <a:noFill/>
-                    </a:lnB>
-                    <a:noFill/>
-                  </a:tcPr>
-                </a:tc>
-                <a:extLst>
-                  <a:ext uri="{0D108BD9-81ED-4DB2-BD59-A6C34878D82A}">
-                    <a16:rowId xmlns:a16="http://schemas.microsoft.com/office/drawing/2014/main" val="283183980"/>
-                  </a:ext>
-                </a:extLst>
-              </a:tr>
-              <a:tr h="610723">
-                <a:tc>
-                  <a:txBody>
-                    <a:bodyPr/>
-                    <a:lstStyle/>
-                    <a:p>
-                      <a:endParaRPr lang="en-IN" sz="2400" dirty="0">
-                        <a:latin typeface="Times New Roman" panose="02020603050405020304" pitchFamily="18" charset="0"/>
-                        <a:cs typeface="Times New Roman" panose="02020603050405020304" pitchFamily="18" charset="0"/>
-                      </a:endParaRPr>
-                    </a:p>
-                  </a:txBody>
-                  <a:tcPr anchor="ctr">
-                    <a:lnL>
-                      <a:noFill/>
-                    </a:lnL>
-                    <a:lnR>
-                      <a:noFill/>
-                    </a:lnR>
-                    <a:lnT>
-                      <a:noFill/>
-                    </a:lnT>
-                    <a:lnB>
-                      <a:noFill/>
-                    </a:lnB>
-                    <a:noFill/>
-                  </a:tcPr>
-                </a:tc>
-                <a:tc>
-                  <a:txBody>
-                    <a:bodyPr/>
-                    <a:lstStyle/>
-                    <a:p>
-                      <a:endParaRPr lang="en-US" sz="2400">
-                        <a:latin typeface="Times New Roman" panose="02020603050405020304" pitchFamily="18" charset="0"/>
-                        <a:cs typeface="Times New Roman" panose="02020603050405020304" pitchFamily="18" charset="0"/>
-                      </a:endParaRPr>
-                    </a:p>
-                  </a:txBody>
-                  <a:tcPr anchor="ctr">
-                    <a:lnL>
-                      <a:noFill/>
-                    </a:lnL>
-                    <a:lnR>
-                      <a:noFill/>
-                    </a:lnR>
-                    <a:lnT>
-                      <a:noFill/>
-                    </a:lnT>
-                    <a:lnB>
-                      <a:noFill/>
-                    </a:lnB>
-                    <a:noFill/>
-                  </a:tcPr>
-                </a:tc>
-                <a:extLst>
-                  <a:ext uri="{0D108BD9-81ED-4DB2-BD59-A6C34878D82A}">
-                    <a16:rowId xmlns:a16="http://schemas.microsoft.com/office/drawing/2014/main" val="1356944431"/>
-                  </a:ext>
-                </a:extLst>
-              </a:tr>
-              <a:tr h="787618">
-                <a:tc>
-                  <a:txBody>
-                    <a:bodyPr/>
-                    <a:lstStyle/>
-                    <a:p>
-                      <a:endParaRPr lang="en-IN" sz="2400" dirty="0">
-                        <a:latin typeface="Times New Roman" panose="02020603050405020304" pitchFamily="18" charset="0"/>
-                        <a:cs typeface="Times New Roman" panose="02020603050405020304" pitchFamily="18" charset="0"/>
-                      </a:endParaRPr>
-                    </a:p>
-                  </a:txBody>
-                  <a:tcPr anchor="ctr">
-                    <a:lnL>
-                      <a:noFill/>
-                    </a:lnL>
-                    <a:lnR>
-                      <a:noFill/>
-                    </a:lnR>
-                    <a:lnT>
-                      <a:noFill/>
-                    </a:lnT>
-                    <a:lnB>
-                      <a:noFill/>
-                    </a:lnB>
-                    <a:noFill/>
-                  </a:tcPr>
-                </a:tc>
-                <a:tc>
-                  <a:txBody>
-                    <a:bodyPr/>
-                    <a:lstStyle/>
-                    <a:p>
-                      <a:endParaRPr lang="en-US" sz="2400" dirty="0">
-                        <a:latin typeface="Times New Roman" panose="02020603050405020304" pitchFamily="18" charset="0"/>
-                        <a:cs typeface="Times New Roman" panose="02020603050405020304" pitchFamily="18" charset="0"/>
-                      </a:endParaRPr>
-                    </a:p>
-                  </a:txBody>
-                  <a:tcPr anchor="ctr">
-                    <a:lnL>
-                      <a:noFill/>
-                    </a:lnL>
-                    <a:lnR>
-                      <a:noFill/>
-                    </a:lnR>
-                    <a:lnT>
-                      <a:noFill/>
-                    </a:lnT>
-                    <a:lnB>
-                      <a:noFill/>
-                    </a:lnB>
-                    <a:noFill/>
-                  </a:tcPr>
-                </a:tc>
-                <a:extLst>
-                  <a:ext uri="{0D108BD9-81ED-4DB2-BD59-A6C34878D82A}">
-                    <a16:rowId xmlns:a16="http://schemas.microsoft.com/office/drawing/2014/main" val="2968275124"/>
-                  </a:ext>
-                </a:extLst>
-              </a:tr>
-              <a:tr h="724805">
-                <a:tc>
-                  <a:txBody>
-                    <a:bodyPr/>
-                    <a:lstStyle/>
-                    <a:p>
-                      <a:endParaRPr lang="en-IN" sz="2400" dirty="0">
-                        <a:latin typeface="Times New Roman" panose="02020603050405020304" pitchFamily="18" charset="0"/>
-                        <a:cs typeface="Times New Roman" panose="02020603050405020304" pitchFamily="18" charset="0"/>
-                      </a:endParaRPr>
-                    </a:p>
-                  </a:txBody>
-                  <a:tcPr anchor="ctr">
-                    <a:lnL>
-                      <a:noFill/>
-                    </a:lnL>
-                    <a:lnR>
-                      <a:noFill/>
-                    </a:lnR>
-                    <a:lnT>
-                      <a:noFill/>
-                    </a:lnT>
-                    <a:lnB>
-                      <a:noFill/>
-                    </a:lnB>
-                    <a:noFill/>
-                  </a:tcPr>
-                </a:tc>
-                <a:tc>
-                  <a:txBody>
-                    <a:bodyPr/>
-                    <a:lstStyle/>
-                    <a:p>
-                      <a:endParaRPr lang="en-US" sz="2400" dirty="0">
-                        <a:latin typeface="Times New Roman" panose="02020603050405020304" pitchFamily="18" charset="0"/>
-                        <a:cs typeface="Times New Roman" panose="02020603050405020304" pitchFamily="18" charset="0"/>
-                      </a:endParaRPr>
-                    </a:p>
-                  </a:txBody>
-                  <a:tcPr anchor="ctr">
-                    <a:lnL>
-                      <a:noFill/>
-                    </a:lnL>
-                    <a:lnR>
-                      <a:noFill/>
-                    </a:lnR>
-                    <a:lnT>
-                      <a:noFill/>
-                    </a:lnT>
-                    <a:lnB>
-                      <a:noFill/>
-                    </a:lnB>
-                    <a:noFill/>
-                  </a:tcPr>
-                </a:tc>
-                <a:extLst>
-                  <a:ext uri="{0D108BD9-81ED-4DB2-BD59-A6C34878D82A}">
-                    <a16:rowId xmlns:a16="http://schemas.microsoft.com/office/drawing/2014/main" val="3275155457"/>
-                  </a:ext>
-                </a:extLst>
-              </a:tr>
-              <a:tr h="724805">
-                <a:tc>
-                  <a:txBody>
-                    <a:bodyPr/>
-                    <a:lstStyle/>
-                    <a:p>
-                      <a:endParaRPr lang="en-IN" sz="2400" dirty="0">
-                        <a:latin typeface="Times New Roman" panose="02020603050405020304" pitchFamily="18" charset="0"/>
-                        <a:cs typeface="Times New Roman" panose="02020603050405020304" pitchFamily="18" charset="0"/>
-                      </a:endParaRPr>
-                    </a:p>
-                  </a:txBody>
-                  <a:tcPr anchor="ctr">
-                    <a:lnL>
-                      <a:noFill/>
-                    </a:lnL>
-                    <a:lnR>
-                      <a:noFill/>
-                    </a:lnR>
-                    <a:lnT>
-                      <a:noFill/>
-                    </a:lnT>
-                    <a:lnB>
-                      <a:noFill/>
-                    </a:lnB>
-                    <a:noFill/>
-                  </a:tcPr>
-                </a:tc>
-                <a:tc>
-                  <a:txBody>
-                    <a:bodyPr/>
-                    <a:lstStyle/>
-                    <a:p>
-                      <a:endParaRPr lang="en-US" sz="2400" dirty="0">
-                        <a:latin typeface="Times New Roman" panose="02020603050405020304" pitchFamily="18" charset="0"/>
-                        <a:cs typeface="Times New Roman" panose="02020603050405020304" pitchFamily="18" charset="0"/>
-                      </a:endParaRPr>
-                    </a:p>
-                  </a:txBody>
-                  <a:tcPr anchor="ctr">
-                    <a:lnL>
-                      <a:noFill/>
-                    </a:lnL>
-                    <a:lnR>
-                      <a:noFill/>
-                    </a:lnR>
-                    <a:lnT>
-                      <a:noFill/>
-                    </a:lnT>
-                    <a:lnB>
-                      <a:noFill/>
-                    </a:lnB>
-                    <a:noFill/>
-                  </a:tcPr>
-                </a:tc>
-                <a:extLst>
-                  <a:ext uri="{0D108BD9-81ED-4DB2-BD59-A6C34878D82A}">
-                    <a16:rowId xmlns:a16="http://schemas.microsoft.com/office/drawing/2014/main" val="929637464"/>
-                  </a:ext>
-                </a:extLst>
-              </a:tr>
-            </a:tbl>
-          </a:graphicData>
-        </a:graphic>
-      </p:graphicFrame>
-      <p:graphicFrame>
-        <p:nvGraphicFramePr>
-          <p:cNvPr id="2" name="Table 1">
-            <a:extLst>
-              <a:ext uri="{FF2B5EF4-FFF2-40B4-BE49-F238E27FC236}">
-                <a16:creationId xmlns:a16="http://schemas.microsoft.com/office/drawing/2014/main" id="{A29A18C7-39AF-40B3-5BAD-6AFB7B2CBF51}"/>
-              </a:ext>
-            </a:extLst>
-          </p:cNvPr>
-          <p:cNvGraphicFramePr>
-            <a:graphicFrameLocks noGrp="1"/>
-          </p:cNvGraphicFramePr>
-          <p:nvPr>
-            <p:extLst>
-              <p:ext uri="{D42A27DB-BD31-4B8C-83A1-F6EECF244321}">
-                <p14:modId xmlns:p14="http://schemas.microsoft.com/office/powerpoint/2010/main" val="3223666725"/>
-              </p:ext>
-            </p:extLst>
-          </p:nvPr>
-        </p:nvGraphicFramePr>
-        <p:xfrm>
-          <a:off x="1405813" y="1982236"/>
-          <a:ext cx="9389187" cy="3452436"/>
-        </p:xfrm>
-        <a:graphic>
-          <a:graphicData uri="http://schemas.openxmlformats.org/drawingml/2006/table">
-            <a:tbl>
-              <a:tblPr firstRow="1" bandRow="1">
-                <a:tableStyleId>{7DF18680-E054-41AD-8BC1-D1AEF772440D}</a:tableStyleId>
-              </a:tblPr>
-              <a:tblGrid>
-                <a:gridCol w="2346885">
-                  <a:extLst>
-                    <a:ext uri="{9D8B030D-6E8A-4147-A177-3AD203B41FA5}">
-                      <a16:colId xmlns:a16="http://schemas.microsoft.com/office/drawing/2014/main" val="390952812"/>
-                    </a:ext>
-                  </a:extLst>
-                </a:gridCol>
-                <a:gridCol w="3194751">
-                  <a:extLst>
-                    <a:ext uri="{9D8B030D-6E8A-4147-A177-3AD203B41FA5}">
-                      <a16:colId xmlns:a16="http://schemas.microsoft.com/office/drawing/2014/main" val="2699788972"/>
-                    </a:ext>
-                  </a:extLst>
-                </a:gridCol>
-                <a:gridCol w="1948503">
-                  <a:extLst>
-                    <a:ext uri="{9D8B030D-6E8A-4147-A177-3AD203B41FA5}">
-                      <a16:colId xmlns:a16="http://schemas.microsoft.com/office/drawing/2014/main" val="3070996017"/>
-                    </a:ext>
-                  </a:extLst>
-                </a:gridCol>
-                <a:gridCol w="1899048">
-                  <a:extLst>
-                    <a:ext uri="{9D8B030D-6E8A-4147-A177-3AD203B41FA5}">
-                      <a16:colId xmlns:a16="http://schemas.microsoft.com/office/drawing/2014/main" val="3558648283"/>
-                    </a:ext>
-                  </a:extLst>
-                </a:gridCol>
-              </a:tblGrid>
-              <a:tr h="419883">
-                <a:tc>
-                  <a:txBody>
-                    <a:bodyPr/>
-                    <a:lstStyle/>
-                    <a:p>
-                      <a:r>
-                        <a:rPr lang="en-IN" sz="2000" dirty="0">
-                          <a:latin typeface="Times New Roman" panose="02020603050405020304" pitchFamily="18" charset="0"/>
-                          <a:cs typeface="Times New Roman" panose="02020603050405020304" pitchFamily="18" charset="0"/>
-                        </a:rPr>
-                        <a:t> Student Name </a:t>
-                      </a:r>
-                    </a:p>
-                  </a:txBody>
-                  <a:tcPr/>
-                </a:tc>
-                <a:tc>
-                  <a:txBody>
-                    <a:bodyPr/>
-                    <a:lstStyle/>
-                    <a:p>
-                      <a:r>
-                        <a:rPr lang="en-IN" sz="2000" dirty="0">
-                          <a:latin typeface="Times New Roman" panose="02020603050405020304" pitchFamily="18" charset="0"/>
-                          <a:cs typeface="Times New Roman" panose="02020603050405020304" pitchFamily="18" charset="0"/>
-                        </a:rPr>
-                        <a:t>Course Title</a:t>
-                      </a:r>
-                    </a:p>
-                  </a:txBody>
-                  <a:tcPr/>
-                </a:tc>
-                <a:tc>
-                  <a:txBody>
-                    <a:bodyPr/>
-                    <a:lstStyle/>
-                    <a:p>
-                      <a:r>
-                        <a:rPr lang="en-IN" sz="2000" dirty="0" err="1">
-                          <a:latin typeface="Times New Roman" panose="02020603050405020304" pitchFamily="18" charset="0"/>
-                          <a:cs typeface="Times New Roman" panose="02020603050405020304" pitchFamily="18" charset="0"/>
-                        </a:rPr>
-                        <a:t>Plateform</a:t>
-                      </a:r>
-                      <a:endParaRPr lang="en-IN" sz="2000" dirty="0">
-                        <a:latin typeface="Times New Roman" panose="02020603050405020304" pitchFamily="18" charset="0"/>
-                        <a:cs typeface="Times New Roman" panose="02020603050405020304" pitchFamily="18" charset="0"/>
-                      </a:endParaRPr>
-                    </a:p>
-                  </a:txBody>
-                  <a:tcPr/>
-                </a:tc>
-                <a:tc>
-                  <a:txBody>
-                    <a:bodyPr/>
-                    <a:lstStyle/>
-                    <a:p>
-                      <a:r>
-                        <a:rPr lang="en-IN" sz="2000" dirty="0">
-                          <a:latin typeface="Times New Roman" panose="02020603050405020304" pitchFamily="18" charset="0"/>
-                          <a:cs typeface="Times New Roman" panose="02020603050405020304" pitchFamily="18" charset="0"/>
-                        </a:rPr>
-                        <a:t>Status </a:t>
-                      </a:r>
-                    </a:p>
-                  </a:txBody>
-                  <a:tcPr/>
-                </a:tc>
-                <a:extLst>
-                  <a:ext uri="{0D108BD9-81ED-4DB2-BD59-A6C34878D82A}">
-                    <a16:rowId xmlns:a16="http://schemas.microsoft.com/office/drawing/2014/main" val="2654899856"/>
-                  </a:ext>
-                </a:extLst>
-              </a:tr>
-              <a:tr h="918671">
-                <a:tc>
-                  <a:txBody>
-                    <a:bodyPr/>
-                    <a:lstStyle/>
-                    <a:p>
-                      <a:r>
-                        <a:rPr lang="en-IN" sz="2000" dirty="0">
-                          <a:latin typeface="Times New Roman" panose="02020603050405020304" pitchFamily="18" charset="0"/>
-                          <a:cs typeface="Times New Roman" panose="02020603050405020304" pitchFamily="18" charset="0"/>
-                        </a:rPr>
-                        <a:t>Sharanya T</a:t>
-                      </a:r>
-                    </a:p>
-                  </a:txBody>
-                  <a:tcPr/>
-                </a:tc>
-                <a:tc>
-                  <a:txBody>
-                    <a:bodyPr/>
-                    <a:lstStyle/>
-                    <a:p>
-                      <a:r>
-                        <a:rPr lang="en-IN" sz="2000" dirty="0">
-                          <a:latin typeface="Times New Roman" panose="02020603050405020304" pitchFamily="18" charset="0"/>
-                          <a:cs typeface="Times New Roman" panose="02020603050405020304" pitchFamily="18" charset="0"/>
-                        </a:rPr>
-                        <a:t>Machine Learning &amp; AI</a:t>
-                      </a:r>
-                    </a:p>
-                  </a:txBody>
-                  <a:tcPr/>
-                </a:tc>
-                <a:tc>
-                  <a:txBody>
-                    <a:bodyPr/>
-                    <a:lstStyle/>
-                    <a:p>
-                      <a:r>
-                        <a:rPr lang="en-IN" sz="2000" dirty="0" err="1">
-                          <a:latin typeface="Times New Roman" panose="02020603050405020304" pitchFamily="18" charset="0"/>
-                          <a:cs typeface="Times New Roman" panose="02020603050405020304" pitchFamily="18" charset="0"/>
-                        </a:rPr>
-                        <a:t>PrepInsta</a:t>
-                      </a:r>
-                      <a:r>
-                        <a:rPr lang="en-IN" sz="2000" dirty="0">
-                          <a:latin typeface="Times New Roman" panose="02020603050405020304" pitchFamily="18" charset="0"/>
-                          <a:cs typeface="Times New Roman" panose="02020603050405020304" pitchFamily="18" charset="0"/>
-                        </a:rPr>
-                        <a:t> Prime</a:t>
-                      </a:r>
-                    </a:p>
-                  </a:txBody>
-                  <a:tcPr/>
-                </a:tc>
-                <a:tc>
-                  <a:txBody>
-                    <a:bodyPr/>
-                    <a:lstStyle/>
-                    <a:p>
-                      <a:r>
-                        <a:rPr lang="en-IN" sz="2000" dirty="0">
-                          <a:latin typeface="Times New Roman" panose="02020603050405020304" pitchFamily="18" charset="0"/>
-                          <a:cs typeface="Times New Roman" panose="02020603050405020304" pitchFamily="18" charset="0"/>
-                        </a:rPr>
-                        <a:t>100% completed</a:t>
-                      </a:r>
-                    </a:p>
-                  </a:txBody>
-                  <a:tcPr/>
-                </a:tc>
-                <a:extLst>
-                  <a:ext uri="{0D108BD9-81ED-4DB2-BD59-A6C34878D82A}">
-                    <a16:rowId xmlns:a16="http://schemas.microsoft.com/office/drawing/2014/main" val="1216402435"/>
-                  </a:ext>
-                </a:extLst>
-              </a:tr>
-              <a:tr h="912543">
-                <a:tc>
-                  <a:txBody>
-                    <a:bodyPr/>
-                    <a:lstStyle/>
-                    <a:p>
-                      <a:r>
-                        <a:rPr lang="en-IN" sz="2000" dirty="0">
-                          <a:latin typeface="Times New Roman" panose="02020603050405020304" pitchFamily="18" charset="0"/>
-                          <a:cs typeface="Times New Roman" panose="02020603050405020304" pitchFamily="18" charset="0"/>
-                        </a:rPr>
-                        <a:t>Santhosh S</a:t>
-                      </a:r>
-                    </a:p>
-                  </a:txBody>
-                  <a:tcPr/>
-                </a:tc>
-                <a:tc>
-                  <a:txBody>
-                    <a:bodyPr/>
-                    <a:lstStyle/>
-                    <a:p>
-                      <a:pPr marL="0" marR="0" lvl="0" indent="0" algn="l" defTabSz="914400" rtl="0" eaLnBrk="1" fontAlgn="auto" latinLnBrk="0" hangingPunct="1">
-                        <a:lnSpc>
-                          <a:spcPct val="100000"/>
-                        </a:lnSpc>
-                        <a:spcBef>
-                          <a:spcPts val="0"/>
-                        </a:spcBef>
-                        <a:spcAft>
-                          <a:spcPts val="0"/>
-                        </a:spcAft>
-                        <a:buClrTx/>
-                        <a:buSzTx/>
-                        <a:buFontTx/>
-                        <a:buNone/>
-                        <a:tabLst/>
-                        <a:defRPr/>
-                      </a:pPr>
-                      <a:r>
-                        <a:rPr lang="en-IN" sz="2000" dirty="0">
-                          <a:latin typeface="Times New Roman" panose="02020603050405020304" pitchFamily="18" charset="0"/>
-                          <a:cs typeface="Times New Roman" panose="02020603050405020304" pitchFamily="18" charset="0"/>
-                        </a:rPr>
-                        <a:t>Machine Learning &amp; AI</a:t>
-                      </a:r>
-                    </a:p>
-                    <a:p>
-                      <a:endParaRPr lang="en-IN" sz="2000" dirty="0">
-                        <a:latin typeface="Times New Roman" panose="02020603050405020304" pitchFamily="18" charset="0"/>
-                        <a:cs typeface="Times New Roman" panose="02020603050405020304" pitchFamily="18" charset="0"/>
-                      </a:endParaRPr>
-                    </a:p>
-                  </a:txBody>
-                  <a:tcPr/>
-                </a:tc>
-                <a:tc>
-                  <a:txBody>
-                    <a:bodyPr/>
-                    <a:lstStyle/>
-                    <a:p>
-                      <a:pPr marL="0" marR="0" lvl="0" indent="0" algn="l" defTabSz="914400" rtl="0" eaLnBrk="1" fontAlgn="auto" latinLnBrk="0" hangingPunct="1">
-                        <a:lnSpc>
-                          <a:spcPct val="100000"/>
-                        </a:lnSpc>
-                        <a:spcBef>
-                          <a:spcPts val="0"/>
-                        </a:spcBef>
-                        <a:spcAft>
-                          <a:spcPts val="0"/>
-                        </a:spcAft>
-                        <a:buClrTx/>
-                        <a:buSzTx/>
-                        <a:buFontTx/>
-                        <a:buNone/>
-                        <a:tabLst/>
-                        <a:defRPr/>
-                      </a:pPr>
-                      <a:r>
-                        <a:rPr lang="en-IN" sz="2000" dirty="0" err="1">
-                          <a:latin typeface="Times New Roman" panose="02020603050405020304" pitchFamily="18" charset="0"/>
-                          <a:cs typeface="Times New Roman" panose="02020603050405020304" pitchFamily="18" charset="0"/>
-                        </a:rPr>
-                        <a:t>PrepInsta</a:t>
-                      </a:r>
-                      <a:r>
-                        <a:rPr lang="en-IN" sz="2000" dirty="0">
-                          <a:latin typeface="Times New Roman" panose="02020603050405020304" pitchFamily="18" charset="0"/>
-                          <a:cs typeface="Times New Roman" panose="02020603050405020304" pitchFamily="18" charset="0"/>
-                        </a:rPr>
-                        <a:t> Prime</a:t>
-                      </a:r>
-                    </a:p>
-                    <a:p>
-                      <a:endParaRPr lang="en-IN" sz="2000" dirty="0">
-                        <a:latin typeface="Times New Roman" panose="02020603050405020304" pitchFamily="18" charset="0"/>
-                        <a:cs typeface="Times New Roman" panose="02020603050405020304" pitchFamily="18" charset="0"/>
-                      </a:endParaRPr>
-                    </a:p>
-                  </a:txBody>
-                  <a:tcPr/>
-                </a:tc>
-                <a:tc>
-                  <a:txBody>
-                    <a:bodyPr/>
-                    <a:lstStyle/>
-                    <a:p>
-                      <a:pPr marL="0" marR="0" lvl="0" indent="0" algn="l" defTabSz="914400" rtl="0" eaLnBrk="1" fontAlgn="auto" latinLnBrk="0" hangingPunct="1">
-                        <a:lnSpc>
-                          <a:spcPct val="100000"/>
-                        </a:lnSpc>
-                        <a:spcBef>
-                          <a:spcPts val="0"/>
-                        </a:spcBef>
-                        <a:spcAft>
-                          <a:spcPts val="0"/>
-                        </a:spcAft>
-                        <a:buClrTx/>
-                        <a:buSzTx/>
-                        <a:buFontTx/>
-                        <a:buNone/>
-                        <a:tabLst/>
-                        <a:defRPr/>
-                      </a:pPr>
-                      <a:r>
-                        <a:rPr lang="en-IN" sz="2000" dirty="0">
-                          <a:latin typeface="Times New Roman" panose="02020603050405020304" pitchFamily="18" charset="0"/>
-                          <a:cs typeface="Times New Roman" panose="02020603050405020304" pitchFamily="18" charset="0"/>
-                        </a:rPr>
-                        <a:t>100% completed</a:t>
-                      </a:r>
-                    </a:p>
-                    <a:p>
-                      <a:endParaRPr lang="en-IN" sz="2000" dirty="0">
-                        <a:latin typeface="Times New Roman" panose="02020603050405020304" pitchFamily="18" charset="0"/>
-                        <a:cs typeface="Times New Roman" panose="02020603050405020304" pitchFamily="18" charset="0"/>
-                      </a:endParaRPr>
-                    </a:p>
-                  </a:txBody>
-                  <a:tcPr/>
-                </a:tc>
-                <a:extLst>
-                  <a:ext uri="{0D108BD9-81ED-4DB2-BD59-A6C34878D82A}">
-                    <a16:rowId xmlns:a16="http://schemas.microsoft.com/office/drawing/2014/main" val="1542107166"/>
-                  </a:ext>
-                </a:extLst>
-              </a:tr>
-              <a:tr h="1201339">
-                <a:tc>
-                  <a:txBody>
-                    <a:bodyPr/>
-                    <a:lstStyle/>
-                    <a:p>
-                      <a:r>
-                        <a:rPr lang="en-IN" sz="2000" dirty="0">
-                          <a:latin typeface="Times New Roman" panose="02020603050405020304" pitchFamily="18" charset="0"/>
-                          <a:cs typeface="Times New Roman" panose="02020603050405020304" pitchFamily="18" charset="0"/>
-                        </a:rPr>
-                        <a:t>Aashif Shadin K N</a:t>
-                      </a:r>
-                    </a:p>
-                  </a:txBody>
-                  <a:tcPr/>
-                </a:tc>
-                <a:tc>
-                  <a:txBody>
-                    <a:bodyPr/>
-                    <a:lstStyle/>
-                    <a:p>
-                      <a:pPr marL="0" marR="0" lvl="0" indent="0" algn="l" defTabSz="914400" rtl="0" eaLnBrk="1" fontAlgn="auto" latinLnBrk="0" hangingPunct="1">
-                        <a:lnSpc>
-                          <a:spcPct val="100000"/>
-                        </a:lnSpc>
-                        <a:spcBef>
-                          <a:spcPts val="0"/>
-                        </a:spcBef>
-                        <a:spcAft>
-                          <a:spcPts val="0"/>
-                        </a:spcAft>
-                        <a:buClrTx/>
-                        <a:buSzTx/>
-                        <a:buFontTx/>
-                        <a:buNone/>
-                        <a:tabLst/>
-                        <a:defRPr/>
-                      </a:pPr>
-                      <a:r>
-                        <a:rPr lang="en-IN" sz="2000" dirty="0">
-                          <a:latin typeface="Times New Roman" panose="02020603050405020304" pitchFamily="18" charset="0"/>
-                          <a:cs typeface="Times New Roman" panose="02020603050405020304" pitchFamily="18" charset="0"/>
-                        </a:rPr>
-                        <a:t>Machine Learning &amp; AI</a:t>
-                      </a:r>
-                    </a:p>
-                  </a:txBody>
-                  <a:tcPr/>
-                </a:tc>
-                <a:tc>
-                  <a:txBody>
-                    <a:bodyPr/>
-                    <a:lstStyle/>
-                    <a:p>
-                      <a:pPr marL="0" marR="0" lvl="0" indent="0" algn="l" defTabSz="914400" rtl="0" eaLnBrk="1" fontAlgn="auto" latinLnBrk="0" hangingPunct="1">
-                        <a:lnSpc>
-                          <a:spcPct val="100000"/>
-                        </a:lnSpc>
-                        <a:spcBef>
-                          <a:spcPts val="0"/>
-                        </a:spcBef>
-                        <a:spcAft>
-                          <a:spcPts val="0"/>
-                        </a:spcAft>
-                        <a:buClrTx/>
-                        <a:buSzTx/>
-                        <a:buFontTx/>
-                        <a:buNone/>
-                        <a:tabLst/>
-                        <a:defRPr/>
-                      </a:pPr>
-                      <a:r>
-                        <a:rPr lang="en-IN" sz="2000" dirty="0" err="1">
-                          <a:latin typeface="Times New Roman" panose="02020603050405020304" pitchFamily="18" charset="0"/>
-                          <a:cs typeface="Times New Roman" panose="02020603050405020304" pitchFamily="18" charset="0"/>
-                        </a:rPr>
-                        <a:t>PrepInsta</a:t>
-                      </a:r>
-                      <a:r>
-                        <a:rPr lang="en-IN" sz="2000" dirty="0">
-                          <a:latin typeface="Times New Roman" panose="02020603050405020304" pitchFamily="18" charset="0"/>
-                          <a:cs typeface="Times New Roman" panose="02020603050405020304" pitchFamily="18" charset="0"/>
-                        </a:rPr>
-                        <a:t> Prime</a:t>
-                      </a:r>
-                    </a:p>
-                  </a:txBody>
-                  <a:tcPr/>
-                </a:tc>
-                <a:tc>
-                  <a:txBody>
-                    <a:bodyPr/>
-                    <a:lstStyle/>
-                    <a:p>
-                      <a:pPr marL="0" marR="0" lvl="0" indent="0" algn="l" defTabSz="914400" rtl="0" eaLnBrk="1" fontAlgn="auto" latinLnBrk="0" hangingPunct="1">
-                        <a:lnSpc>
-                          <a:spcPct val="100000"/>
-                        </a:lnSpc>
-                        <a:spcBef>
-                          <a:spcPts val="0"/>
-                        </a:spcBef>
-                        <a:spcAft>
-                          <a:spcPts val="0"/>
-                        </a:spcAft>
-                        <a:buClrTx/>
-                        <a:buSzTx/>
-                        <a:buFontTx/>
-                        <a:buNone/>
-                        <a:tabLst/>
-                        <a:defRPr/>
-                      </a:pPr>
-                      <a:r>
-                        <a:rPr lang="en-IN" sz="2000" dirty="0">
-                          <a:latin typeface="Times New Roman" panose="02020603050405020304" pitchFamily="18" charset="0"/>
-                          <a:cs typeface="Times New Roman" panose="02020603050405020304" pitchFamily="18" charset="0"/>
-                        </a:rPr>
-                        <a:t>100% completed</a:t>
-                      </a:r>
-                    </a:p>
-                  </a:txBody>
-                  <a:tcPr/>
-                </a:tc>
-                <a:extLst>
-                  <a:ext uri="{0D108BD9-81ED-4DB2-BD59-A6C34878D82A}">
-                    <a16:rowId xmlns:a16="http://schemas.microsoft.com/office/drawing/2014/main" val="840343608"/>
-                  </a:ext>
-                </a:extLst>
-              </a:tr>
-            </a:tbl>
-          </a:graphicData>
-        </a:graphic>
-      </p:graphicFrame>
-    </p:spTree>
-    <p:extLst>
-      <p:ext uri="{BB962C8B-B14F-4D97-AF65-F5344CB8AC3E}">
-        <p14:creationId xmlns:p14="http://schemas.microsoft.com/office/powerpoint/2010/main" val="4051836999"/>
-      </p:ext>
-    </p:extLst>
-  </p:cSld>
-  <p:clrMapOvr>
-    <a:masterClrMapping/>
-  </p:clrMapOvr>
-</p:sld>
-</file>
-
-<file path=ppt/slides/slide19.xml><?xml version="1.0" encoding="utf-8"?>
-<p:sld xmlns:a="http://schemas.openxmlformats.org/drawingml/2006/main" xmlns:r="http://schemas.openxmlformats.org/officeDocument/2006/relationships" xmlns:p="http://schemas.openxmlformats.org/presentationml/2006/main">
-  <p:cSld>
-    <p:spTree>
-      <p:nvGrpSpPr>
-        <p:cNvPr id="1" name="">
-          <a:extLst>
-            <a:ext uri="{FF2B5EF4-FFF2-40B4-BE49-F238E27FC236}">
-              <a16:creationId xmlns:a16="http://schemas.microsoft.com/office/drawing/2014/main" id="{4855C8A0-8996-A751-62EE-5A7111EFA35C}"/>
-            </a:ext>
-          </a:extLst>
-        </p:cNvPr>
-        <p:cNvGrpSpPr/>
-        <p:nvPr/>
-      </p:nvGrpSpPr>
-      <p:grpSpPr>
-        <a:xfrm>
-          <a:off x="0" y="0"/>
-          <a:ext cx="0" cy="0"/>
-          <a:chOff x="0" y="0"/>
-          <a:chExt cx="0" cy="0"/>
-        </a:xfrm>
-      </p:grpSpPr>
-      <p:sp>
-        <p:nvSpPr>
-          <p:cNvPr id="6" name="object 2">
-            <a:extLst>
-              <a:ext uri="{FF2B5EF4-FFF2-40B4-BE49-F238E27FC236}">
-                <a16:creationId xmlns:a16="http://schemas.microsoft.com/office/drawing/2014/main" id="{E2661D7C-CFA6-B046-9865-2BA0AC91318D}"/>
-              </a:ext>
-            </a:extLst>
-          </p:cNvPr>
-          <p:cNvSpPr txBox="1">
-            <a:spLocks noGrp="1"/>
-          </p:cNvSpPr>
-          <p:nvPr>
-            <p:ph type="title"/>
-          </p:nvPr>
-        </p:nvSpPr>
-        <p:spPr>
-          <a:xfrm>
-            <a:off x="993444" y="661769"/>
-            <a:ext cx="4377690" cy="568104"/>
-          </a:xfrm>
-          <a:prstGeom prst="rect">
-            <a:avLst/>
-          </a:prstGeom>
-        </p:spPr>
-        <p:txBody>
-          <a:bodyPr vert="horz" wrap="square" lIns="0" tIns="13970" rIns="0" bIns="0" rtlCol="0">
-            <a:spAutoFit/>
-          </a:bodyPr>
-          <a:lstStyle/>
-          <a:p>
-            <a:pPr marL="12700">
-              <a:lnSpc>
-                <a:spcPct val="100000"/>
-              </a:lnSpc>
-              <a:spcBef>
-                <a:spcPts val="110"/>
-              </a:spcBef>
-            </a:pPr>
-            <a:r>
-              <a:rPr lang="en-IN" sz="3600" b="1" spc="-20" dirty="0">
-                <a:solidFill>
-                  <a:srgbClr val="FF0000"/>
-                </a:solidFill>
-                <a:latin typeface="Times New Roman" panose="02020603050405020304" pitchFamily="18" charset="0"/>
-                <a:cs typeface="Times New Roman" panose="02020603050405020304" pitchFamily="18" charset="0"/>
-              </a:rPr>
-              <a:t>Certificate</a:t>
-            </a:r>
-            <a:endParaRPr sz="3600" b="1" spc="-20" dirty="0">
-              <a:solidFill>
-                <a:srgbClr val="FF0000"/>
-              </a:solidFill>
-              <a:latin typeface="Times New Roman" panose="02020603050405020304" pitchFamily="18" charset="0"/>
-              <a:cs typeface="Times New Roman" panose="02020603050405020304" pitchFamily="18" charset="0"/>
-            </a:endParaRPr>
-          </a:p>
-        </p:txBody>
-      </p:sp>
-      <p:pic>
-        <p:nvPicPr>
-          <p:cNvPr id="4" name="Picture 3">
-            <a:extLst>
-              <a:ext uri="{FF2B5EF4-FFF2-40B4-BE49-F238E27FC236}">
-                <a16:creationId xmlns:a16="http://schemas.microsoft.com/office/drawing/2014/main" id="{40DE263B-46A6-F10D-C068-1C6F770C34DA}"/>
-              </a:ext>
-            </a:extLst>
-          </p:cNvPr>
-          <p:cNvPicPr>
-            <a:picLocks noChangeAspect="1"/>
-          </p:cNvPicPr>
-          <p:nvPr/>
-        </p:nvPicPr>
-        <p:blipFill>
-          <a:blip r:embed="rId2"/>
-          <a:stretch>
-            <a:fillRect/>
-          </a:stretch>
-        </p:blipFill>
-        <p:spPr>
-          <a:xfrm>
-            <a:off x="1785620" y="1359113"/>
-            <a:ext cx="8620760" cy="4817110"/>
-          </a:xfrm>
-          <a:prstGeom prst="rect">
-            <a:avLst/>
-          </a:prstGeom>
-        </p:spPr>
-      </p:pic>
-    </p:spTree>
-    <p:extLst>
-      <p:ext uri="{BB962C8B-B14F-4D97-AF65-F5344CB8AC3E}">
-        <p14:creationId xmlns:p14="http://schemas.microsoft.com/office/powerpoint/2010/main" val="3345908460"/>
-      </p:ext>
-    </p:extLst>
-  </p:cSld>
-  <p:clrMapOvr>
-    <a:masterClrMapping/>
-  </p:clrMapOvr>
-</p:sld>
-</file>
-
-<file path=ppt/slides/slide2.xml><?xml version="1.0" encoding="utf-8"?>
-<p:sld xmlns:a="http://schemas.openxmlformats.org/drawingml/2006/main" xmlns:r="http://schemas.openxmlformats.org/officeDocument/2006/relationships" xmlns:p="http://schemas.openxmlformats.org/presentationml/2006/main">
-  <p:cSld>
-    <p:spTree>
-      <p:nvGrpSpPr>
-        <p:cNvPr id="1" name=""/>
-        <p:cNvGrpSpPr/>
-        <p:nvPr/>
-      </p:nvGrpSpPr>
-      <p:grpSpPr>
-        <a:xfrm>
-          <a:off x="0" y="0"/>
-          <a:ext cx="0" cy="0"/>
-          <a:chOff x="0" y="0"/>
-          <a:chExt cx="0" cy="0"/>
-        </a:xfrm>
-      </p:grpSpPr>
-      <p:sp>
-        <p:nvSpPr>
-          <p:cNvPr id="2" name="Footer Placeholder 1">
-            <a:extLst>
-              <a:ext uri="{FF2B5EF4-FFF2-40B4-BE49-F238E27FC236}">
-                <a16:creationId xmlns:a16="http://schemas.microsoft.com/office/drawing/2014/main" id="{D2E8AB2D-9CB4-7AB9-52A5-A55D0D761644}"/>
-              </a:ext>
-            </a:extLst>
-          </p:cNvPr>
-          <p:cNvSpPr>
-            <a:spLocks noGrp="1"/>
-          </p:cNvSpPr>
-          <p:nvPr>
-            <p:ph type="ftr" sz="quarter" idx="11"/>
-          </p:nvPr>
-        </p:nvSpPr>
-        <p:spPr/>
-        <p:txBody>
-          <a:bodyPr/>
-          <a:lstStyle/>
-          <a:p>
-            <a:r>
-              <a:rPr lang="en-IN"/>
-              <a:t>Brain Tumor Detection</a:t>
-            </a:r>
-            <a:endParaRPr lang="en-IN" dirty="0"/>
-          </a:p>
-        </p:txBody>
-      </p:sp>
-      <p:sp>
-        <p:nvSpPr>
-          <p:cNvPr id="3" name="Slide Number Placeholder 2">
-            <a:extLst>
-              <a:ext uri="{FF2B5EF4-FFF2-40B4-BE49-F238E27FC236}">
-                <a16:creationId xmlns:a16="http://schemas.microsoft.com/office/drawing/2014/main" id="{E4202109-2ACC-95D3-ADFD-EBE1DF5015AE}"/>
-              </a:ext>
-            </a:extLst>
-          </p:cNvPr>
-          <p:cNvSpPr>
-            <a:spLocks noGrp="1"/>
-          </p:cNvSpPr>
-          <p:nvPr>
-            <p:ph type="sldNum" sz="quarter" idx="12"/>
-          </p:nvPr>
-        </p:nvSpPr>
-        <p:spPr/>
-        <p:txBody>
-          <a:bodyPr/>
-          <a:lstStyle/>
-          <a:p>
-            <a:fld id="{FFF20539-7144-4945-B20A-62B30D853D34}" type="slidenum">
-              <a:rPr lang="en-IN" smtClean="0"/>
-              <a:pPr/>
-              <a:t>2</a:t>
-            </a:fld>
-            <a:endParaRPr lang="en-IN" dirty="0"/>
-          </a:p>
-        </p:txBody>
-      </p:sp>
-      <p:sp>
-        <p:nvSpPr>
-          <p:cNvPr id="5" name="TextBox 4">
-            <a:extLst>
-              <a:ext uri="{FF2B5EF4-FFF2-40B4-BE49-F238E27FC236}">
-                <a16:creationId xmlns:a16="http://schemas.microsoft.com/office/drawing/2014/main" id="{2F420F2C-DB9D-2787-6AEB-201D857EC2DB}"/>
-              </a:ext>
-            </a:extLst>
-          </p:cNvPr>
-          <p:cNvSpPr txBox="1"/>
-          <p:nvPr/>
-        </p:nvSpPr>
-        <p:spPr>
-          <a:xfrm>
-            <a:off x="1959673" y="2932325"/>
-            <a:ext cx="8272653" cy="1077218"/>
-          </a:xfrm>
-          <a:prstGeom prst="rect">
-            <a:avLst/>
-          </a:prstGeom>
-          <a:noFill/>
-        </p:spPr>
-        <p:txBody>
-          <a:bodyPr wrap="square">
-            <a:spAutoFit/>
-          </a:bodyPr>
-          <a:lstStyle/>
-          <a:p>
-            <a:pPr algn="ctr">
-              <a:defRPr/>
-            </a:pPr>
-            <a:r>
-              <a:rPr lang="en-US" sz="3200" dirty="0">
-                <a:latin typeface="Times New Roman" pitchFamily="18" charset="0"/>
-                <a:cs typeface="Times New Roman" pitchFamily="18" charset="0"/>
-              </a:rPr>
-              <a:t>AI Based Model for Predicting Agri-horticultural Commodities</a:t>
-            </a:r>
-          </a:p>
-        </p:txBody>
-      </p:sp>
-      <p:sp>
-        <p:nvSpPr>
-          <p:cNvPr id="7" name="TextBox 6">
-            <a:extLst>
-              <a:ext uri="{FF2B5EF4-FFF2-40B4-BE49-F238E27FC236}">
-                <a16:creationId xmlns:a16="http://schemas.microsoft.com/office/drawing/2014/main" id="{C36AC4C3-A7A5-9A77-A792-B4799CB90802}"/>
-              </a:ext>
-            </a:extLst>
-          </p:cNvPr>
-          <p:cNvSpPr txBox="1"/>
-          <p:nvPr/>
-        </p:nvSpPr>
-        <p:spPr>
-          <a:xfrm>
-            <a:off x="3048762" y="2204151"/>
-            <a:ext cx="6094476" cy="523220"/>
-          </a:xfrm>
-          <a:prstGeom prst="rect">
-            <a:avLst/>
-          </a:prstGeom>
-          <a:noFill/>
-        </p:spPr>
-        <p:txBody>
-          <a:bodyPr wrap="square">
-            <a:spAutoFit/>
-          </a:bodyPr>
-          <a:lstStyle/>
-          <a:p>
-            <a:pPr algn="ctr">
-              <a:defRPr/>
-            </a:pPr>
-            <a:r>
-              <a:rPr lang="en-IN" sz="2800" dirty="0">
-                <a:solidFill>
-                  <a:srgbClr val="FF0000"/>
-                </a:solidFill>
-                <a:latin typeface="Times New Roman" pitchFamily="18" charset="0"/>
-                <a:cs typeface="Times New Roman" pitchFamily="18" charset="0"/>
-              </a:rPr>
-              <a:t>Title</a:t>
-            </a:r>
-            <a:endParaRPr lang="en-US" sz="2800" dirty="0">
-              <a:solidFill>
-                <a:srgbClr val="FF0000"/>
-              </a:solidFill>
-              <a:latin typeface="Times New Roman" pitchFamily="18" charset="0"/>
-              <a:cs typeface="Times New Roman" pitchFamily="18" charset="0"/>
-            </a:endParaRPr>
-          </a:p>
-        </p:txBody>
-      </p:sp>
-    </p:spTree>
-    <p:extLst>
-      <p:ext uri="{BB962C8B-B14F-4D97-AF65-F5344CB8AC3E}">
-        <p14:creationId xmlns:p14="http://schemas.microsoft.com/office/powerpoint/2010/main" val="3677345257"/>
-      </p:ext>
-    </p:extLst>
-  </p:cSld>
-  <p:clrMapOvr>
-    <a:masterClrMapping/>
-  </p:clrMapOvr>
-</p:sld>
-</file>
-
-<file path=ppt/slides/slide20.xml><?xml version="1.0" encoding="utf-8"?>
-<p:sld xmlns:a="http://schemas.openxmlformats.org/drawingml/2006/main" xmlns:r="http://schemas.openxmlformats.org/officeDocument/2006/relationships" xmlns:p="http://schemas.openxmlformats.org/presentationml/2006/main">
-  <p:cSld>
-    <p:spTree>
-      <p:nvGrpSpPr>
-        <p:cNvPr id="1" name="">
-          <a:extLst>
-            <a:ext uri="{FF2B5EF4-FFF2-40B4-BE49-F238E27FC236}">
-              <a16:creationId xmlns:a16="http://schemas.microsoft.com/office/drawing/2014/main" id="{BF100A8C-6302-EB20-6AB4-0B52CB492617}"/>
-            </a:ext>
-          </a:extLst>
-        </p:cNvPr>
-        <p:cNvGrpSpPr/>
-        <p:nvPr/>
-      </p:nvGrpSpPr>
-      <p:grpSpPr>
-        <a:xfrm>
-          <a:off x="0" y="0"/>
-          <a:ext cx="0" cy="0"/>
-          <a:chOff x="0" y="0"/>
-          <a:chExt cx="0" cy="0"/>
-        </a:xfrm>
-      </p:grpSpPr>
-      <p:sp>
-        <p:nvSpPr>
-          <p:cNvPr id="6" name="object 2">
-            <a:extLst>
-              <a:ext uri="{FF2B5EF4-FFF2-40B4-BE49-F238E27FC236}">
-                <a16:creationId xmlns:a16="http://schemas.microsoft.com/office/drawing/2014/main" id="{975B401A-5F67-0F59-526C-75F1C202A09B}"/>
-              </a:ext>
-            </a:extLst>
-          </p:cNvPr>
-          <p:cNvSpPr txBox="1">
-            <a:spLocks noGrp="1"/>
-          </p:cNvSpPr>
-          <p:nvPr>
-            <p:ph type="title"/>
-          </p:nvPr>
-        </p:nvSpPr>
-        <p:spPr>
-          <a:xfrm>
-            <a:off x="993444" y="661769"/>
-            <a:ext cx="4377690" cy="568104"/>
-          </a:xfrm>
-          <a:prstGeom prst="rect">
-            <a:avLst/>
-          </a:prstGeom>
-        </p:spPr>
-        <p:txBody>
-          <a:bodyPr vert="horz" wrap="square" lIns="0" tIns="13970" rIns="0" bIns="0" rtlCol="0">
-            <a:spAutoFit/>
-          </a:bodyPr>
-          <a:lstStyle/>
-          <a:p>
-            <a:pPr marL="12700">
-              <a:lnSpc>
-                <a:spcPct val="100000"/>
-              </a:lnSpc>
-              <a:spcBef>
-                <a:spcPts val="110"/>
-              </a:spcBef>
-            </a:pPr>
-            <a:r>
-              <a:rPr lang="en-IN" sz="3600" b="1" spc="-20" dirty="0">
-                <a:solidFill>
-                  <a:srgbClr val="FF0000"/>
-                </a:solidFill>
-                <a:latin typeface="Times New Roman" panose="02020603050405020304" pitchFamily="18" charset="0"/>
-                <a:cs typeface="Times New Roman" panose="02020603050405020304" pitchFamily="18" charset="0"/>
-              </a:rPr>
-              <a:t>Certificate</a:t>
-            </a:r>
-            <a:endParaRPr sz="3600" b="1" spc="-20" dirty="0">
-              <a:solidFill>
-                <a:srgbClr val="FF0000"/>
-              </a:solidFill>
-              <a:latin typeface="Times New Roman" panose="02020603050405020304" pitchFamily="18" charset="0"/>
-              <a:cs typeface="Times New Roman" panose="02020603050405020304" pitchFamily="18" charset="0"/>
-            </a:endParaRPr>
-          </a:p>
-        </p:txBody>
-      </p:sp>
-      <p:pic>
-        <p:nvPicPr>
-          <p:cNvPr id="4" name="Picture 3">
-            <a:extLst>
-              <a:ext uri="{FF2B5EF4-FFF2-40B4-BE49-F238E27FC236}">
-                <a16:creationId xmlns:a16="http://schemas.microsoft.com/office/drawing/2014/main" id="{BC8AB46D-B570-425B-F856-DCD879D6F299}"/>
-              </a:ext>
-            </a:extLst>
-          </p:cNvPr>
-          <p:cNvPicPr>
-            <a:picLocks noChangeAspect="1"/>
-          </p:cNvPicPr>
-          <p:nvPr/>
-        </p:nvPicPr>
-        <p:blipFill>
-          <a:blip r:embed="rId2"/>
-          <a:stretch>
-            <a:fillRect/>
-          </a:stretch>
-        </p:blipFill>
-        <p:spPr>
-          <a:xfrm>
-            <a:off x="1745297" y="1313068"/>
-            <a:ext cx="8701405" cy="4909185"/>
-          </a:xfrm>
-          <a:prstGeom prst="rect">
-            <a:avLst/>
-          </a:prstGeom>
-        </p:spPr>
-      </p:pic>
-    </p:spTree>
-    <p:extLst>
-      <p:ext uri="{BB962C8B-B14F-4D97-AF65-F5344CB8AC3E}">
-        <p14:creationId xmlns:p14="http://schemas.microsoft.com/office/powerpoint/2010/main" val="1402221580"/>
-      </p:ext>
-    </p:extLst>
-  </p:cSld>
-  <p:clrMapOvr>
-    <a:masterClrMapping/>
-  </p:clrMapOvr>
-</p:sld>
-</file>
-
-<file path=ppt/slides/slide21.xml><?xml version="1.0" encoding="utf-8"?>
-<p:sld xmlns:a="http://schemas.openxmlformats.org/drawingml/2006/main" xmlns:r="http://schemas.openxmlformats.org/officeDocument/2006/relationships" xmlns:p="http://schemas.openxmlformats.org/presentationml/2006/main">
-  <p:cSld>
-    <p:spTree>
-      <p:nvGrpSpPr>
-        <p:cNvPr id="1" name="">
-          <a:extLst>
-            <a:ext uri="{FF2B5EF4-FFF2-40B4-BE49-F238E27FC236}">
-              <a16:creationId xmlns:a16="http://schemas.microsoft.com/office/drawing/2014/main" id="{6E0385BB-E2AE-473E-6862-8C75DF4742D6}"/>
-            </a:ext>
-          </a:extLst>
-        </p:cNvPr>
-        <p:cNvGrpSpPr/>
-        <p:nvPr/>
-      </p:nvGrpSpPr>
-      <p:grpSpPr>
-        <a:xfrm>
-          <a:off x="0" y="0"/>
-          <a:ext cx="0" cy="0"/>
-          <a:chOff x="0" y="0"/>
-          <a:chExt cx="0" cy="0"/>
-        </a:xfrm>
-      </p:grpSpPr>
-      <p:sp>
-        <p:nvSpPr>
-          <p:cNvPr id="6" name="object 2">
-            <a:extLst>
-              <a:ext uri="{FF2B5EF4-FFF2-40B4-BE49-F238E27FC236}">
-                <a16:creationId xmlns:a16="http://schemas.microsoft.com/office/drawing/2014/main" id="{73F83898-2645-4026-0EB4-A7BAF630B2BA}"/>
-              </a:ext>
-            </a:extLst>
-          </p:cNvPr>
-          <p:cNvSpPr txBox="1">
-            <a:spLocks noGrp="1"/>
-          </p:cNvSpPr>
-          <p:nvPr>
-            <p:ph type="title"/>
-          </p:nvPr>
-        </p:nvSpPr>
-        <p:spPr>
-          <a:xfrm>
-            <a:off x="993444" y="661769"/>
-            <a:ext cx="4377690" cy="568104"/>
-          </a:xfrm>
-          <a:prstGeom prst="rect">
-            <a:avLst/>
-          </a:prstGeom>
-        </p:spPr>
-        <p:txBody>
-          <a:bodyPr vert="horz" wrap="square" lIns="0" tIns="13970" rIns="0" bIns="0" rtlCol="0">
-            <a:spAutoFit/>
-          </a:bodyPr>
-          <a:lstStyle/>
-          <a:p>
-            <a:pPr marL="12700">
-              <a:lnSpc>
-                <a:spcPct val="100000"/>
-              </a:lnSpc>
-              <a:spcBef>
-                <a:spcPts val="110"/>
-              </a:spcBef>
-            </a:pPr>
-            <a:r>
-              <a:rPr lang="en-IN" sz="3600" b="1" spc="-20" dirty="0">
-                <a:solidFill>
-                  <a:srgbClr val="FF0000"/>
-                </a:solidFill>
-                <a:latin typeface="Times New Roman" panose="02020603050405020304" pitchFamily="18" charset="0"/>
-                <a:cs typeface="Times New Roman" panose="02020603050405020304" pitchFamily="18" charset="0"/>
-              </a:rPr>
-              <a:t>Certificate</a:t>
-            </a:r>
-            <a:endParaRPr sz="3600" b="1" spc="-20" dirty="0">
-              <a:solidFill>
-                <a:srgbClr val="FF0000"/>
-              </a:solidFill>
-              <a:latin typeface="Times New Roman" panose="02020603050405020304" pitchFamily="18" charset="0"/>
-              <a:cs typeface="Times New Roman" panose="02020603050405020304" pitchFamily="18" charset="0"/>
-            </a:endParaRPr>
-          </a:p>
-        </p:txBody>
-      </p:sp>
-      <p:pic>
-        <p:nvPicPr>
-          <p:cNvPr id="3" name="Picture 2">
-            <a:extLst>
-              <a:ext uri="{FF2B5EF4-FFF2-40B4-BE49-F238E27FC236}">
-                <a16:creationId xmlns:a16="http://schemas.microsoft.com/office/drawing/2014/main" id="{1B67E790-1E99-FA56-7D56-C7EB8C72704D}"/>
-              </a:ext>
-            </a:extLst>
-          </p:cNvPr>
-          <p:cNvPicPr>
-            <a:picLocks noChangeAspect="1"/>
-          </p:cNvPicPr>
-          <p:nvPr/>
-        </p:nvPicPr>
-        <p:blipFill>
-          <a:blip r:embed="rId2"/>
-          <a:stretch>
-            <a:fillRect/>
-          </a:stretch>
-        </p:blipFill>
-        <p:spPr>
-          <a:xfrm>
-            <a:off x="1802130" y="1334975"/>
-            <a:ext cx="8587740" cy="4865370"/>
-          </a:xfrm>
-          <a:prstGeom prst="rect">
-            <a:avLst/>
-          </a:prstGeom>
-        </p:spPr>
-      </p:pic>
-    </p:spTree>
-    <p:extLst>
-      <p:ext uri="{BB962C8B-B14F-4D97-AF65-F5344CB8AC3E}">
-        <p14:creationId xmlns:p14="http://schemas.microsoft.com/office/powerpoint/2010/main" val="2590652145"/>
-      </p:ext>
-    </p:extLst>
-  </p:cSld>
-  <p:clrMapOvr>
-    <a:masterClrMapping/>
-  </p:clrMapOvr>
-</p:sld>
-</file>
-
-<file path=ppt/slides/slide22.xml><?xml version="1.0" encoding="utf-8"?>
+<file path=ppt/slides/slide12.xml><?xml version="1.0" encoding="utf-8"?>
 <p:sld xmlns:a="http://schemas.openxmlformats.org/drawingml/2006/main" xmlns:r="http://schemas.openxmlformats.org/officeDocument/2006/relationships" xmlns:p="http://schemas.openxmlformats.org/presentationml/2006/main">
   <p:cSld>
     <p:spTree>
@@ -9772,6 +6420,187 @@
 </p:sld>
 </file>
 
+<file path=ppt/slides/slide2.xml><?xml version="1.0" encoding="utf-8"?>
+<p:sld xmlns:a="http://schemas.openxmlformats.org/drawingml/2006/main" xmlns:r="http://schemas.openxmlformats.org/officeDocument/2006/relationships" xmlns:p="http://schemas.openxmlformats.org/presentationml/2006/main">
+  <p:cSld>
+    <p:spTree>
+      <p:nvGrpSpPr>
+        <p:cNvPr id="1" name=""/>
+        <p:cNvGrpSpPr/>
+        <p:nvPr/>
+      </p:nvGrpSpPr>
+      <p:grpSpPr>
+        <a:xfrm>
+          <a:off x="0" y="0"/>
+          <a:ext cx="0" cy="0"/>
+          <a:chOff x="0" y="0"/>
+          <a:chExt cx="0" cy="0"/>
+        </a:xfrm>
+      </p:grpSpPr>
+      <p:sp>
+        <p:nvSpPr>
+          <p:cNvPr id="2" name="Footer Placeholder 1">
+            <a:extLst>
+              <a:ext uri="{FF2B5EF4-FFF2-40B4-BE49-F238E27FC236}">
+                <a16:creationId xmlns:a16="http://schemas.microsoft.com/office/drawing/2014/main" id="{D2E8AB2D-9CB4-7AB9-52A5-A55D0D761644}"/>
+              </a:ext>
+            </a:extLst>
+          </p:cNvPr>
+          <p:cNvSpPr>
+            <a:spLocks noGrp="1"/>
+          </p:cNvSpPr>
+          <p:nvPr>
+            <p:ph type="ftr" sz="quarter" idx="11"/>
+          </p:nvPr>
+        </p:nvSpPr>
+        <p:spPr/>
+        <p:txBody>
+          <a:bodyPr/>
+          <a:lstStyle/>
+          <a:p>
+            <a:r>
+              <a:rPr lang="en-IN"/>
+              <a:t>Brain Tumor Detection</a:t>
+            </a:r>
+            <a:endParaRPr lang="en-IN" dirty="0"/>
+          </a:p>
+        </p:txBody>
+      </p:sp>
+      <p:sp>
+        <p:nvSpPr>
+          <p:cNvPr id="3" name="Slide Number Placeholder 2">
+            <a:extLst>
+              <a:ext uri="{FF2B5EF4-FFF2-40B4-BE49-F238E27FC236}">
+                <a16:creationId xmlns:a16="http://schemas.microsoft.com/office/drawing/2014/main" id="{E4202109-2ACC-95D3-ADFD-EBE1DF5015AE}"/>
+              </a:ext>
+            </a:extLst>
+          </p:cNvPr>
+          <p:cNvSpPr>
+            <a:spLocks noGrp="1"/>
+          </p:cNvSpPr>
+          <p:nvPr>
+            <p:ph type="sldNum" sz="quarter" idx="12"/>
+          </p:nvPr>
+        </p:nvSpPr>
+        <p:spPr/>
+        <p:txBody>
+          <a:bodyPr/>
+          <a:lstStyle/>
+          <a:p>
+            <a:fld id="{FFF20539-7144-4945-B20A-62B30D853D34}" type="slidenum">
+              <a:rPr lang="en-IN" smtClean="0"/>
+              <a:pPr/>
+              <a:t>2</a:t>
+            </a:fld>
+            <a:endParaRPr lang="en-IN" dirty="0"/>
+          </a:p>
+        </p:txBody>
+      </p:sp>
+      <p:sp>
+        <p:nvSpPr>
+          <p:cNvPr id="5" name="TextBox 4">
+            <a:extLst>
+              <a:ext uri="{FF2B5EF4-FFF2-40B4-BE49-F238E27FC236}">
+                <a16:creationId xmlns:a16="http://schemas.microsoft.com/office/drawing/2014/main" id="{2F420F2C-DB9D-2787-6AEB-201D857EC2DB}"/>
+              </a:ext>
+            </a:extLst>
+          </p:cNvPr>
+          <p:cNvSpPr txBox="1"/>
+          <p:nvPr/>
+        </p:nvSpPr>
+        <p:spPr>
+          <a:xfrm>
+            <a:off x="1959673" y="2932325"/>
+            <a:ext cx="8272653" cy="1077218"/>
+          </a:xfrm>
+          <a:prstGeom prst="rect">
+            <a:avLst/>
+          </a:prstGeom>
+          <a:noFill/>
+        </p:spPr>
+        <p:txBody>
+          <a:bodyPr wrap="square">
+            <a:spAutoFit/>
+          </a:bodyPr>
+          <a:lstStyle/>
+          <a:p>
+            <a:pPr algn="ctr">
+              <a:defRPr/>
+            </a:pPr>
+            <a:r>
+              <a:rPr lang="en-US" sz="3200" dirty="0">
+                <a:latin typeface="Times New Roman" pitchFamily="18" charset="0"/>
+                <a:cs typeface="Times New Roman" pitchFamily="18" charset="0"/>
+              </a:rPr>
+              <a:t>AI Based Coding Support System for Differently-Abled People</a:t>
+            </a:r>
+          </a:p>
+        </p:txBody>
+      </p:sp>
+      <p:sp>
+        <p:nvSpPr>
+          <p:cNvPr id="7" name="TextBox 6">
+            <a:extLst>
+              <a:ext uri="{FF2B5EF4-FFF2-40B4-BE49-F238E27FC236}">
+                <a16:creationId xmlns:a16="http://schemas.microsoft.com/office/drawing/2014/main" id="{C36AC4C3-A7A5-9A77-A792-B4799CB90802}"/>
+              </a:ext>
+            </a:extLst>
+          </p:cNvPr>
+          <p:cNvSpPr txBox="1"/>
+          <p:nvPr/>
+        </p:nvSpPr>
+        <p:spPr>
+          <a:xfrm>
+            <a:off x="3048762" y="2204151"/>
+            <a:ext cx="6094476" cy="523220"/>
+          </a:xfrm>
+          <a:prstGeom prst="rect">
+            <a:avLst/>
+          </a:prstGeom>
+          <a:noFill/>
+        </p:spPr>
+        <p:txBody>
+          <a:bodyPr wrap="square">
+            <a:spAutoFit/>
+          </a:bodyPr>
+          <a:lstStyle/>
+          <a:p>
+            <a:pPr algn="ctr">
+              <a:defRPr/>
+            </a:pPr>
+            <a:r>
+              <a:rPr lang="en-IN" sz="2800" dirty="0">
+                <a:solidFill>
+                  <a:srgbClr val="FF0000"/>
+                </a:solidFill>
+                <a:latin typeface="Times New Roman" pitchFamily="18" charset="0"/>
+                <a:cs typeface="Times New Roman" pitchFamily="18" charset="0"/>
+              </a:rPr>
+              <a:t>Title</a:t>
+            </a:r>
+            <a:endParaRPr lang="en-US" sz="2800" dirty="0">
+              <a:solidFill>
+                <a:srgbClr val="FF0000"/>
+              </a:solidFill>
+              <a:latin typeface="Times New Roman" pitchFamily="18" charset="0"/>
+              <a:cs typeface="Times New Roman" pitchFamily="18" charset="0"/>
+            </a:endParaRPr>
+          </a:p>
+        </p:txBody>
+      </p:sp>
+    </p:spTree>
+    <p:extLst>
+      <p:ext uri="{BB962C8B-B14F-4D97-AF65-F5344CB8AC3E}">
+        <p14:creationId xmlns:p14="http://schemas.microsoft.com/office/powerpoint/2010/main" val="3677345257"/>
+      </p:ext>
+    </p:extLst>
+  </p:cSld>
+  <p:clrMapOvr>
+    <a:masterClrMapping/>
+  </p:clrMapOvr>
+</p:sld>
+</file>
+
 <file path=ppt/slides/slide3.xml><?xml version="1.0" encoding="utf-8"?>
 <p:sld xmlns:a="http://schemas.openxmlformats.org/drawingml/2006/main" xmlns:r="http://schemas.openxmlformats.org/officeDocument/2006/relationships" xmlns:p="http://schemas.openxmlformats.org/presentationml/2006/main">
   <p:cSld>
@@ -9875,8 +6704,8 @@
         </p:nvSpPr>
         <p:spPr>
           <a:xfrm>
-            <a:off x="1102156" y="1184186"/>
-            <a:ext cx="6455868" cy="4817794"/>
+            <a:off x="1271489" y="1291492"/>
+            <a:ext cx="6455868" cy="4275016"/>
           </a:xfrm>
           <a:prstGeom prst="rect">
             <a:avLst/>
@@ -9904,51 +6733,27 @@
               </a:tabLst>
             </a:pPr>
             <a:r>
-              <a:rPr lang="en-US" sz="2000" dirty="0">
-                <a:latin typeface="Times New Roman" pitchFamily="18" charset="0"/>
-                <a:cs typeface="Times New Roman" pitchFamily="18" charset="0"/>
-              </a:rPr>
-              <a:t>Introduction</a:t>
-            </a:r>
-          </a:p>
-          <a:p>
-            <a:pPr marL="356870" indent="-344805">
-              <a:lnSpc>
-                <a:spcPct val="150000"/>
-              </a:lnSpc>
-              <a:spcBef>
-                <a:spcPts val="700"/>
-              </a:spcBef>
-              <a:buSzPct val="45000"/>
-              <a:buFont typeface="Segoe UI Symbol"/>
-              <a:buChar char="⚫"/>
-              <a:tabLst>
-                <a:tab pos="356870" algn="l"/>
-                <a:tab pos="357505" algn="l"/>
-              </a:tabLst>
-            </a:pPr>
-            <a:r>
-              <a:rPr sz="2000" dirty="0">
+              <a:rPr sz="2800" dirty="0">
                 <a:latin typeface="Times New Roman" pitchFamily="18" charset="0"/>
                 <a:cs typeface="Times New Roman" pitchFamily="18" charset="0"/>
               </a:rPr>
               <a:t>Problem</a:t>
             </a:r>
             <a:r>
-              <a:rPr sz="2000" spc="-65" dirty="0">
+              <a:rPr sz="2800" spc="-65" dirty="0">
                 <a:latin typeface="Times New Roman" pitchFamily="18" charset="0"/>
                 <a:cs typeface="Times New Roman" pitchFamily="18" charset="0"/>
               </a:rPr>
               <a:t> </a:t>
             </a:r>
             <a:r>
-              <a:rPr sz="2000" spc="-10" dirty="0">
+              <a:rPr sz="2800" spc="-10" dirty="0">
                 <a:latin typeface="Times New Roman" pitchFamily="18" charset="0"/>
                 <a:cs typeface="Times New Roman" pitchFamily="18" charset="0"/>
               </a:rPr>
               <a:t>Statement</a:t>
             </a:r>
-            <a:endParaRPr sz="2000" dirty="0">
+            <a:endParaRPr sz="2800" dirty="0">
               <a:latin typeface="Times New Roman" pitchFamily="18" charset="0"/>
               <a:cs typeface="Times New Roman" pitchFamily="18" charset="0"/>
             </a:endParaRPr>
@@ -9970,55 +6775,83 @@
               </a:tabLst>
             </a:pPr>
             <a:r>
-              <a:rPr sz="2000" dirty="0">
+              <a:rPr sz="2800" dirty="0">
                 <a:latin typeface="Times New Roman" pitchFamily="18" charset="0"/>
                 <a:cs typeface="Times New Roman" pitchFamily="18" charset="0"/>
               </a:rPr>
               <a:t>Literature</a:t>
             </a:r>
             <a:r>
-              <a:rPr sz="2000" spc="-70" dirty="0">
+              <a:rPr sz="2800" spc="-70" dirty="0">
                 <a:latin typeface="Times New Roman" pitchFamily="18" charset="0"/>
                 <a:cs typeface="Times New Roman" pitchFamily="18" charset="0"/>
               </a:rPr>
               <a:t> </a:t>
             </a:r>
             <a:r>
-              <a:rPr sz="2000" dirty="0">
+              <a:rPr sz="2800" dirty="0">
                 <a:latin typeface="Times New Roman" pitchFamily="18" charset="0"/>
                 <a:cs typeface="Times New Roman" pitchFamily="18" charset="0"/>
               </a:rPr>
               <a:t>Identified</a:t>
             </a:r>
             <a:r>
-              <a:rPr sz="2000" spc="-70" dirty="0">
+              <a:rPr sz="2800" spc="-70" dirty="0">
                 <a:latin typeface="Times New Roman" pitchFamily="18" charset="0"/>
                 <a:cs typeface="Times New Roman" pitchFamily="18" charset="0"/>
               </a:rPr>
               <a:t> </a:t>
             </a:r>
             <a:r>
-              <a:rPr sz="2000" dirty="0">
+              <a:rPr sz="2800" dirty="0">
                 <a:latin typeface="Times New Roman" pitchFamily="18" charset="0"/>
                 <a:cs typeface="Times New Roman" pitchFamily="18" charset="0"/>
               </a:rPr>
               <a:t>and</a:t>
             </a:r>
             <a:r>
-              <a:rPr sz="2000" spc="-65" dirty="0">
+              <a:rPr sz="2800" spc="-65" dirty="0">
                 <a:latin typeface="Times New Roman" pitchFamily="18" charset="0"/>
                 <a:cs typeface="Times New Roman" pitchFamily="18" charset="0"/>
               </a:rPr>
               <a:t> </a:t>
             </a:r>
             <a:r>
-              <a:rPr sz="2000" spc="-10" dirty="0">
+              <a:rPr sz="2800" spc="-10" dirty="0">
                 <a:latin typeface="Times New Roman" pitchFamily="18" charset="0"/>
                 <a:cs typeface="Times New Roman" pitchFamily="18" charset="0"/>
               </a:rPr>
               <a:t>Findings</a:t>
             </a:r>
-            <a:endParaRPr sz="2000" dirty="0">
+            <a:endParaRPr lang="en-IN" sz="2800" spc="-10" dirty="0">
+              <a:latin typeface="Times New Roman" pitchFamily="18" charset="0"/>
+              <a:cs typeface="Times New Roman" pitchFamily="18" charset="0"/>
+            </a:endParaRPr>
+          </a:p>
+          <a:p>
+            <a:pPr marL="356870" indent="-344805">
+              <a:lnSpc>
+                <a:spcPct val="150000"/>
+              </a:lnSpc>
+              <a:spcBef>
+                <a:spcPts val="605"/>
+              </a:spcBef>
+              <a:buSzPct val="45000"/>
+              <a:buFont typeface="Segoe UI Symbol"/>
+              <a:buChar char="⚫"/>
+              <a:tabLst>
+                <a:tab pos="356870" algn="l"/>
+                <a:tab pos="357505" algn="l"/>
+              </a:tabLst>
+            </a:pPr>
+            <a:r>
+              <a:rPr lang="en-IN" sz="2800" spc="-10" dirty="0">
+                <a:latin typeface="Times New Roman" pitchFamily="18" charset="0"/>
+                <a:cs typeface="Times New Roman" pitchFamily="18" charset="0"/>
+              </a:rPr>
+              <a:t>Objective</a:t>
+            </a:r>
+            <a:endParaRPr sz="2800" dirty="0">
               <a:latin typeface="Times New Roman" pitchFamily="18" charset="0"/>
               <a:cs typeface="Times New Roman" pitchFamily="18" charset="0"/>
             </a:endParaRPr>
@@ -10040,13 +6873,27 @@
               </a:tabLst>
             </a:pPr>
             <a:r>
-              <a:rPr lang="en-IN" sz="2000" spc="-10" dirty="0">
+              <a:rPr sz="2800" dirty="0">
                 <a:latin typeface="Times New Roman" pitchFamily="18" charset="0"/>
                 <a:cs typeface="Times New Roman" pitchFamily="18" charset="0"/>
               </a:rPr>
-              <a:t>Algorithm used</a:t>
-            </a:r>
-            <a:endParaRPr sz="2000" dirty="0">
+              <a:t>Software</a:t>
+            </a:r>
+            <a:r>
+              <a:rPr sz="2800" spc="-50" dirty="0">
+                <a:latin typeface="Times New Roman" pitchFamily="18" charset="0"/>
+                <a:cs typeface="Times New Roman" pitchFamily="18" charset="0"/>
+              </a:rPr>
+              <a:t> </a:t>
+            </a:r>
+            <a:r>
+              <a:rPr sz="2800" spc="-10" dirty="0">
+                <a:latin typeface="Times New Roman" pitchFamily="18" charset="0"/>
+                <a:cs typeface="Times New Roman" pitchFamily="18" charset="0"/>
+              </a:rPr>
+              <a:t>Requirements</a:t>
+            </a:r>
+            <a:endParaRPr sz="2800" dirty="0">
               <a:latin typeface="Times New Roman" pitchFamily="18" charset="0"/>
               <a:cs typeface="Times New Roman" pitchFamily="18" charset="0"/>
             </a:endParaRPr>
@@ -10068,12 +6915,16 @@
               </a:tabLst>
             </a:pPr>
             <a:r>
-              <a:rPr lang="en-US" sz="2000" dirty="0">
+              <a:rPr sz="2800" spc="-10" dirty="0">
                 <a:latin typeface="Times New Roman" pitchFamily="18" charset="0"/>
                 <a:cs typeface="Times New Roman" pitchFamily="18" charset="0"/>
               </a:rPr>
-              <a:t>Proposed Flow Chart</a:t>
-            </a:r>
+              <a:t>References</a:t>
+            </a:r>
+            <a:endParaRPr lang="en-IN" sz="2800" spc="-10" dirty="0">
+              <a:latin typeface="Times New Roman" pitchFamily="18" charset="0"/>
+              <a:cs typeface="Times New Roman" pitchFamily="18" charset="0"/>
+            </a:endParaRPr>
           </a:p>
           <a:p>
             <a:pPr marL="356870" indent="-344805">
@@ -10092,107 +6943,13 @@
               </a:tabLst>
             </a:pPr>
             <a:r>
-              <a:rPr lang="en-US" sz="2000" dirty="0">
-                <a:latin typeface="Times New Roman" pitchFamily="18" charset="0"/>
-                <a:cs typeface="Times New Roman" pitchFamily="18" charset="0"/>
-              </a:rPr>
-              <a:t>Module Description</a:t>
-            </a:r>
-          </a:p>
-          <a:p>
-            <a:pPr marL="356870" indent="-344805">
-              <a:lnSpc>
-                <a:spcPct val="150000"/>
-              </a:lnSpc>
-              <a:spcBef>
-                <a:spcPts val="600"/>
-              </a:spcBef>
-              <a:buSzPct val="45000"/>
-              <a:buFont typeface="Segoe UI Symbol"/>
-              <a:buChar char="⚫"/>
-              <a:tabLst>
-                <a:tab pos="356870" algn="l"/>
-                <a:tab pos="357505" algn="l"/>
-              </a:tabLst>
-            </a:pPr>
-            <a:r>
-              <a:rPr sz="2000" dirty="0">
-                <a:latin typeface="Times New Roman" pitchFamily="18" charset="0"/>
-                <a:cs typeface="Times New Roman" pitchFamily="18" charset="0"/>
-              </a:rPr>
-              <a:t>Software</a:t>
-            </a:r>
-            <a:r>
-              <a:rPr sz="2000" spc="-50" dirty="0">
-                <a:latin typeface="Times New Roman" pitchFamily="18" charset="0"/>
-                <a:cs typeface="Times New Roman" pitchFamily="18" charset="0"/>
-              </a:rPr>
-              <a:t> </a:t>
-            </a:r>
-            <a:r>
-              <a:rPr sz="2000" spc="-10" dirty="0">
-                <a:latin typeface="Times New Roman" pitchFamily="18" charset="0"/>
-                <a:cs typeface="Times New Roman" pitchFamily="18" charset="0"/>
-              </a:rPr>
-              <a:t>Requirements</a:t>
-            </a:r>
-            <a:endParaRPr sz="2000" dirty="0">
-              <a:latin typeface="Times New Roman" pitchFamily="18" charset="0"/>
-              <a:cs typeface="Times New Roman" pitchFamily="18" charset="0"/>
-            </a:endParaRPr>
-          </a:p>
-          <a:p>
-            <a:pPr marL="356870" indent="-344805">
-              <a:lnSpc>
-                <a:spcPct val="150000"/>
-              </a:lnSpc>
-              <a:spcBef>
-                <a:spcPts val="600"/>
-              </a:spcBef>
-              <a:buSzPct val="45000"/>
-              <a:buFont typeface="Segoe UI Symbol"/>
-              <a:buChar char="⚫"/>
-              <a:tabLst>
-                <a:tab pos="356870" algn="l"/>
-                <a:tab pos="357505" algn="l"/>
-              </a:tabLst>
-            </a:pPr>
-            <a:r>
-              <a:rPr sz="2000" spc="-10" dirty="0">
-                <a:latin typeface="Times New Roman" pitchFamily="18" charset="0"/>
-                <a:cs typeface="Times New Roman" pitchFamily="18" charset="0"/>
-              </a:rPr>
-              <a:t>References</a:t>
-            </a:r>
-            <a:endParaRPr lang="en-IN" sz="2000" spc="-10" dirty="0">
-              <a:latin typeface="Times New Roman" pitchFamily="18" charset="0"/>
-              <a:cs typeface="Times New Roman" pitchFamily="18" charset="0"/>
-            </a:endParaRPr>
-          </a:p>
-          <a:p>
-            <a:pPr marL="356870" indent="-344805">
-              <a:lnSpc>
-                <a:spcPct val="150000"/>
-              </a:lnSpc>
-              <a:spcBef>
-                <a:spcPts val="600"/>
-              </a:spcBef>
-              <a:buSzPct val="45000"/>
-              <a:buFont typeface="Segoe UI Symbol"/>
-              <a:buChar char="⚫"/>
-              <a:tabLst>
-                <a:tab pos="356870" algn="l"/>
-                <a:tab pos="357505" algn="l"/>
-              </a:tabLst>
-            </a:pPr>
-            <a:r>
-              <a:rPr lang="en-IN" sz="2000" spc="-10" dirty="0">
+              <a:rPr lang="en-IN" sz="2800" spc="-10" dirty="0">
                 <a:latin typeface="Times New Roman" pitchFamily="18" charset="0"/>
                 <a:cs typeface="Times New Roman" pitchFamily="18" charset="0"/>
               </a:rPr>
               <a:t>Certification</a:t>
             </a:r>
-            <a:endParaRPr sz="2000" dirty="0">
+            <a:endParaRPr sz="2800" dirty="0">
               <a:latin typeface="Times New Roman" pitchFamily="18" charset="0"/>
               <a:cs typeface="Times New Roman" pitchFamily="18" charset="0"/>
             </a:endParaRPr>
@@ -10275,8 +7032,8 @@
         </p:nvSpPr>
         <p:spPr bwMode="auto">
           <a:xfrm>
-            <a:off x="1340611" y="1748507"/>
-            <a:ext cx="9510777" cy="3360985"/>
+            <a:off x="1340611" y="2438023"/>
+            <a:ext cx="9510777" cy="1981953"/>
           </a:xfrm>
           <a:prstGeom prst="rect">
             <a:avLst/>
@@ -10324,7 +7081,7 @@
           </a:bodyPr>
           <a:lstStyle/>
           <a:p>
-            <a:pPr marL="0" marR="0" lvl="0" indent="0" algn="just" defTabSz="914400" rtl="0" eaLnBrk="0" fontAlgn="base" latinLnBrk="0" hangingPunct="0">
+            <a:pPr lvl="0" algn="just" eaLnBrk="0" fontAlgn="base" hangingPunct="0">
               <a:lnSpc>
                 <a:spcPct val="150000"/>
               </a:lnSpc>
@@ -10334,11 +7091,6 @@
               <a:spcAft>
                 <a:spcPct val="0"/>
               </a:spcAft>
-              <a:buClrTx/>
-              <a:buSzTx/>
-              <a:buFontTx/>
-              <a:buNone/>
-              <a:tabLst/>
             </a:pPr>
             <a:r>
               <a:rPr kumimoji="0" lang="en-US" altLang="en-US" sz="2400" b="0" i="0" u="none" strike="noStrike" cap="none" normalizeH="0" baseline="0" dirty="0">
@@ -10355,19 +7107,20 @@
               <a:t>	</a:t>
             </a:r>
             <a:r>
-              <a:rPr kumimoji="0" lang="en-US" altLang="en-US" sz="2000" b="0" i="0" u="none" strike="noStrike" cap="none" normalizeH="0" baseline="0" dirty="0">
-                <a:ln>
-                  <a:noFill/>
-                </a:ln>
-                <a:solidFill>
-                  <a:schemeClr val="tx1"/>
-                </a:solidFill>
-                <a:effectLst/>
-                <a:latin typeface="Times New Roman" panose="02020603050405020304" pitchFamily="18" charset="0"/>
-                <a:cs typeface="Times New Roman" panose="02020603050405020304" pitchFamily="18" charset="0"/>
-              </a:rPr>
-              <a:t>Agricultural commodity prices are highly volatile and because of this, traditional forecasting models often fail to provide accurate predictions, leading to inefficient buffer stock management and ineffective market interventions. This project leverages deep learning to develop a robust price prediction model that enhances forecasting accuracy while supporting strategic decision-making. By integrating AI-driven real-time data analysis, the solution aims to improve price stability, optimize government interventions, and reduce economic uncertainty in the agricultural sector.</a:t>
-            </a:r>
+              <a:rPr lang="en-US" sz="2000" dirty="0"/>
+              <a:t>This project aims to build a voice-based coding assistant for differently-abled individuals, particularly those who are blind or lack hand mobility. It allows them to write, compile, and understand code through verbal commands. The system reduces dependency and promotes accessibility in technical education and programming careers.</a:t>
+            </a:r>
+            <a:endParaRPr kumimoji="0" lang="en-US" altLang="en-US" sz="2000" b="0" i="0" u="none" strike="noStrike" cap="none" normalizeH="0" baseline="0" dirty="0">
+              <a:ln>
+                <a:noFill/>
+              </a:ln>
+              <a:solidFill>
+                <a:schemeClr val="tx1"/>
+              </a:solidFill>
+              <a:effectLst/>
+              <a:latin typeface="Times New Roman" panose="02020603050405020304" pitchFamily="18" charset="0"/>
+              <a:cs typeface="Times New Roman" panose="02020603050405020304" pitchFamily="18" charset="0"/>
+            </a:endParaRPr>
           </a:p>
         </p:txBody>
       </p:sp>
@@ -11048,296 +7801,6 @@
       </p:grpSpPr>
       <p:sp>
         <p:nvSpPr>
-          <p:cNvPr id="7" name="Title 6">
-            <a:extLst>
-              <a:ext uri="{FF2B5EF4-FFF2-40B4-BE49-F238E27FC236}">
-                <a16:creationId xmlns:a16="http://schemas.microsoft.com/office/drawing/2014/main" id="{7FDCC142-7C50-EA79-88BA-C8FEE5E4E0CF}"/>
-              </a:ext>
-            </a:extLst>
-          </p:cNvPr>
-          <p:cNvSpPr>
-            <a:spLocks noGrp="1"/>
-          </p:cNvSpPr>
-          <p:nvPr>
-            <p:ph type="title"/>
-          </p:nvPr>
-        </p:nvSpPr>
-        <p:spPr>
-          <a:xfrm>
-            <a:off x="596900" y="225425"/>
-            <a:ext cx="10515600" cy="1325563"/>
-          </a:xfrm>
-        </p:spPr>
-        <p:txBody>
-          <a:bodyPr>
-            <a:normAutofit/>
-          </a:bodyPr>
-          <a:lstStyle/>
-          <a:p>
-            <a:r>
-              <a:rPr lang="en-IN" sz="3200" b="1" dirty="0">
-                <a:solidFill>
-                  <a:srgbClr val="FF0000"/>
-                </a:solidFill>
-                <a:latin typeface="Times New Roman" panose="02020603050405020304" pitchFamily="18" charset="0"/>
-                <a:cs typeface="Times New Roman" panose="02020603050405020304" pitchFamily="18" charset="0"/>
-              </a:rPr>
-              <a:t>Algorithms used</a:t>
-            </a:r>
-          </a:p>
-        </p:txBody>
-      </p:sp>
-      <p:sp>
-        <p:nvSpPr>
-          <p:cNvPr id="9" name="TextBox 8">
-            <a:extLst>
-              <a:ext uri="{FF2B5EF4-FFF2-40B4-BE49-F238E27FC236}">
-                <a16:creationId xmlns:a16="http://schemas.microsoft.com/office/drawing/2014/main" id="{60155CDC-B172-4BE5-200A-058899028F32}"/>
-              </a:ext>
-            </a:extLst>
-          </p:cNvPr>
-          <p:cNvSpPr txBox="1"/>
-          <p:nvPr/>
-        </p:nvSpPr>
-        <p:spPr>
-          <a:xfrm>
-            <a:off x="469900" y="1404684"/>
-            <a:ext cx="11252200" cy="4278094"/>
-          </a:xfrm>
-          <a:prstGeom prst="rect">
-            <a:avLst/>
-          </a:prstGeom>
-          <a:noFill/>
-        </p:spPr>
-        <p:txBody>
-          <a:bodyPr wrap="square">
-            <a:spAutoFit/>
-          </a:bodyPr>
-          <a:lstStyle/>
-          <a:p>
-            <a:pPr algn="just">
-              <a:spcBef>
-                <a:spcPts val="1200"/>
-              </a:spcBef>
-              <a:spcAft>
-                <a:spcPts val="600"/>
-              </a:spcAft>
-            </a:pPr>
-            <a:r>
-              <a:rPr lang="en-US" sz="2200" b="1" dirty="0">
-                <a:solidFill>
-                  <a:srgbClr val="FF0000"/>
-                </a:solidFill>
-                <a:latin typeface="Times New Roman" panose="02020603050405020304" pitchFamily="18" charset="0"/>
-                <a:cs typeface="Times New Roman" panose="02020603050405020304" pitchFamily="18" charset="0"/>
-              </a:rPr>
-              <a:t>1. </a:t>
-            </a:r>
-            <a:r>
-              <a:rPr lang="en-US" sz="2000" b="1" dirty="0">
-                <a:solidFill>
-                  <a:srgbClr val="FF0000"/>
-                </a:solidFill>
-                <a:latin typeface="Times New Roman" panose="02020603050405020304" pitchFamily="18" charset="0"/>
-                <a:cs typeface="Times New Roman" panose="02020603050405020304" pitchFamily="18" charset="0"/>
-              </a:rPr>
-              <a:t>Data Collection &amp; Preprocessing</a:t>
-            </a:r>
-          </a:p>
-          <a:p>
-            <a:pPr marL="342900" indent="-342900" algn="just">
-              <a:spcBef>
-                <a:spcPts val="1200"/>
-              </a:spcBef>
-              <a:spcAft>
-                <a:spcPts val="600"/>
-              </a:spcAft>
-              <a:buFont typeface="Arial" panose="020B0604020202020204" pitchFamily="34" charset="0"/>
-              <a:buChar char="•"/>
-            </a:pPr>
-            <a:r>
-              <a:rPr lang="en-US" sz="2000" b="1" dirty="0">
-                <a:latin typeface="Times New Roman" panose="02020603050405020304" pitchFamily="18" charset="0"/>
-                <a:cs typeface="Times New Roman" panose="02020603050405020304" pitchFamily="18" charset="0"/>
-              </a:rPr>
-              <a:t>Open Government Databases </a:t>
-            </a:r>
-            <a:r>
-              <a:rPr lang="en-US" sz="2000" dirty="0">
-                <a:latin typeface="Times New Roman" panose="02020603050405020304" pitchFamily="18" charset="0"/>
-                <a:cs typeface="Times New Roman" panose="02020603050405020304" pitchFamily="18" charset="0"/>
-              </a:rPr>
-              <a:t>– Collect real-time details of various commodities from agmarknet.gov.in and historical agricultural commodity price data from data.gov.in .</a:t>
-            </a:r>
-          </a:p>
-          <a:p>
-            <a:pPr marL="342900" indent="-342900" algn="just">
-              <a:spcBef>
-                <a:spcPts val="1200"/>
-              </a:spcBef>
-              <a:spcAft>
-                <a:spcPts val="600"/>
-              </a:spcAft>
-              <a:buFont typeface="Arial" panose="020B0604020202020204" pitchFamily="34" charset="0"/>
-              <a:buChar char="•"/>
-            </a:pPr>
-            <a:r>
-              <a:rPr lang="en-US" sz="2000" b="1" dirty="0">
-                <a:latin typeface="Times New Roman" panose="02020603050405020304" pitchFamily="18" charset="0"/>
-                <a:cs typeface="Times New Roman" panose="02020603050405020304" pitchFamily="18" charset="0"/>
-              </a:rPr>
-              <a:t>Data Cleaning (Pandas)</a:t>
-            </a:r>
-            <a:r>
-              <a:rPr lang="en-US" sz="2000" dirty="0">
-                <a:latin typeface="Times New Roman" panose="02020603050405020304" pitchFamily="18" charset="0"/>
-                <a:cs typeface="Times New Roman" panose="02020603050405020304" pitchFamily="18" charset="0"/>
-              </a:rPr>
-              <a:t> – Handle missing values, outliers, and inconsistencies.</a:t>
-            </a:r>
-          </a:p>
-          <a:p>
-            <a:pPr marL="342900" indent="-342900" algn="just">
-              <a:spcBef>
-                <a:spcPts val="1200"/>
-              </a:spcBef>
-              <a:spcAft>
-                <a:spcPts val="600"/>
-              </a:spcAft>
-              <a:buFont typeface="Arial" panose="020B0604020202020204" pitchFamily="34" charset="0"/>
-              <a:buChar char="•"/>
-            </a:pPr>
-            <a:r>
-              <a:rPr lang="en-US" sz="2000" b="1" dirty="0">
-                <a:latin typeface="Times New Roman" panose="02020603050405020304" pitchFamily="18" charset="0"/>
-                <a:cs typeface="Times New Roman" panose="02020603050405020304" pitchFamily="18" charset="0"/>
-              </a:rPr>
-              <a:t>Feature Engineering</a:t>
-            </a:r>
-            <a:r>
-              <a:rPr lang="en-US" sz="2000" dirty="0">
-                <a:latin typeface="Times New Roman" panose="02020603050405020304" pitchFamily="18" charset="0"/>
-                <a:cs typeface="Times New Roman" panose="02020603050405020304" pitchFamily="18" charset="0"/>
-              </a:rPr>
-              <a:t> – Extract seasonality trends, inflation impact, and market signals.</a:t>
-            </a:r>
-          </a:p>
-          <a:p>
-            <a:pPr algn="just">
-              <a:lnSpc>
-                <a:spcPct val="200000"/>
-              </a:lnSpc>
-              <a:spcBef>
-                <a:spcPts val="1200"/>
-              </a:spcBef>
-              <a:spcAft>
-                <a:spcPts val="600"/>
-              </a:spcAft>
-            </a:pPr>
-            <a:r>
-              <a:rPr lang="en-US" sz="2000" b="1" dirty="0">
-                <a:solidFill>
-                  <a:srgbClr val="FF0000"/>
-                </a:solidFill>
-                <a:latin typeface="Times New Roman" panose="02020603050405020304" pitchFamily="18" charset="0"/>
-                <a:cs typeface="Times New Roman" panose="02020603050405020304" pitchFamily="18" charset="0"/>
-              </a:rPr>
-              <a:t>2. Price Prediction Models</a:t>
-            </a:r>
-          </a:p>
-          <a:p>
-            <a:pPr marL="342900" indent="-342900" algn="just">
-              <a:spcBef>
-                <a:spcPts val="1200"/>
-              </a:spcBef>
-              <a:spcAft>
-                <a:spcPts val="600"/>
-              </a:spcAft>
-              <a:buFont typeface="Arial" panose="020B0604020202020204" pitchFamily="34" charset="0"/>
-              <a:buChar char="•"/>
-            </a:pPr>
-            <a:r>
-              <a:rPr lang="en-US" sz="2000" b="1" dirty="0">
-                <a:latin typeface="Times New Roman" panose="02020603050405020304" pitchFamily="18" charset="0"/>
-                <a:cs typeface="Times New Roman" panose="02020603050405020304" pitchFamily="18" charset="0"/>
-              </a:rPr>
-              <a:t>ARIMA</a:t>
-            </a:r>
-            <a:r>
-              <a:rPr lang="en-US" sz="2000" dirty="0">
-                <a:latin typeface="Times New Roman" panose="02020603050405020304" pitchFamily="18" charset="0"/>
-                <a:cs typeface="Times New Roman" panose="02020603050405020304" pitchFamily="18" charset="0"/>
-              </a:rPr>
-              <a:t>– Traditional time series forecasting for baseline comparison.</a:t>
-            </a:r>
-          </a:p>
-          <a:p>
-            <a:pPr marL="342900" indent="-342900" algn="just">
-              <a:spcBef>
-                <a:spcPts val="1200"/>
-              </a:spcBef>
-              <a:spcAft>
-                <a:spcPts val="600"/>
-              </a:spcAft>
-              <a:buFont typeface="Arial" panose="020B0604020202020204" pitchFamily="34" charset="0"/>
-              <a:buChar char="•"/>
-            </a:pPr>
-            <a:r>
-              <a:rPr lang="en-US" sz="2000" b="1" dirty="0" err="1">
-                <a:latin typeface="Times New Roman" panose="02020603050405020304" pitchFamily="18" charset="0"/>
-                <a:cs typeface="Times New Roman" panose="02020603050405020304" pitchFamily="18" charset="0"/>
-              </a:rPr>
-              <a:t>XGBoost</a:t>
-            </a:r>
-            <a:r>
-              <a:rPr lang="en-US" sz="2000" b="1" dirty="0">
-                <a:latin typeface="Times New Roman" panose="02020603050405020304" pitchFamily="18" charset="0"/>
-                <a:cs typeface="Times New Roman" panose="02020603050405020304" pitchFamily="18" charset="0"/>
-              </a:rPr>
-              <a:t> / Random Forest</a:t>
-            </a:r>
-            <a:r>
-              <a:rPr lang="en-US" sz="2000" dirty="0">
-                <a:latin typeface="Times New Roman" panose="02020603050405020304" pitchFamily="18" charset="0"/>
-                <a:cs typeface="Times New Roman" panose="02020603050405020304" pitchFamily="18" charset="0"/>
-              </a:rPr>
-              <a:t> – Enhances predictive accuracy by combining statistical features.</a:t>
-            </a:r>
-          </a:p>
-        </p:txBody>
-      </p:sp>
-    </p:spTree>
-    <p:extLst>
-      <p:ext uri="{BB962C8B-B14F-4D97-AF65-F5344CB8AC3E}">
-        <p14:creationId xmlns:p14="http://schemas.microsoft.com/office/powerpoint/2010/main" val="2465469202"/>
-      </p:ext>
-    </p:extLst>
-  </p:cSld>
-  <p:clrMapOvr>
-    <a:masterClrMapping/>
-  </p:clrMapOvr>
-</p:sld>
-</file>
-
-<file path=ppt/slides/slide9.xml><?xml version="1.0" encoding="utf-8"?>
-<p:sld xmlns:a="http://schemas.openxmlformats.org/drawingml/2006/main" xmlns:r="http://schemas.openxmlformats.org/officeDocument/2006/relationships" xmlns:p="http://schemas.openxmlformats.org/presentationml/2006/main">
-  <p:cSld>
-    <p:spTree>
-      <p:nvGrpSpPr>
-        <p:cNvPr id="1" name=""/>
-        <p:cNvGrpSpPr/>
-        <p:nvPr/>
-      </p:nvGrpSpPr>
-      <p:grpSpPr>
-        <a:xfrm>
-          <a:off x="0" y="0"/>
-          <a:ext cx="0" cy="0"/>
-          <a:chOff x="0" y="0"/>
-          <a:chExt cx="0" cy="0"/>
-        </a:xfrm>
-      </p:grpSpPr>
-      <p:sp>
-        <p:nvSpPr>
           <p:cNvPr id="5" name="Slide Number Placeholder 4">
             <a:extLst>
               <a:ext uri="{FF2B5EF4-FFF2-40B4-BE49-F238E27FC236}">
@@ -11360,7 +7823,7 @@
             <a:fld id="{FFF20539-7144-4945-B20A-62B30D853D34}" type="slidenum">
               <a:rPr lang="en-IN" smtClean="0"/>
               <a:pPr/>
-              <a:t>9</a:t>
+              <a:t>8</a:t>
             </a:fld>
             <a:endParaRPr lang="en-IN" dirty="0"/>
           </a:p>
@@ -11455,8 +7918,8 @@
         </p:nvSpPr>
         <p:spPr>
           <a:xfrm>
-            <a:off x="1308100" y="1703035"/>
-            <a:ext cx="9568180" cy="3280835"/>
+            <a:off x="419100" y="1787702"/>
+            <a:ext cx="11353800" cy="3739935"/>
           </a:xfrm>
           <a:prstGeom prst="rect">
             <a:avLst/>
@@ -11477,20 +7940,132 @@
               </a:spcBef>
             </a:pPr>
             <a:r>
-              <a:rPr lang="en-US" sz="2400" dirty="0">
-                <a:latin typeface="Times New Roman" panose="02020603050405020304" pitchFamily="18" charset="0"/>
-                <a:cs typeface="Times New Roman" panose="02020603050405020304" pitchFamily="18" charset="0"/>
-              </a:rPr>
-              <a:t>	</a:t>
-            </a:r>
-            <a:r>
               <a:rPr lang="en-US" sz="2000" dirty="0">
                 <a:latin typeface="Times New Roman" panose="02020603050405020304" pitchFamily="18" charset="0"/>
                 <a:cs typeface="Times New Roman" panose="02020603050405020304" pitchFamily="18" charset="0"/>
               </a:rPr>
-              <a:t>This project aims to develop an AI-driven agricultural commodity price prediction system that enhances forecasting accuracy and aids in strategic market interventions. By integrating deep learning models with real-time data, the system will analyze historical trends, seasonal patterns, and external market factors to predict price fluctuations. The goal is to provide farmers, traders, and policymakers with data-driven insights for better buffer stock management, price stability, and risk mitigation, ultimately reducing economic uncertainty in the agricultural sector.</a:t>
-            </a:r>
-            <a:endParaRPr sz="2400" dirty="0">
+              <a:t>1. Develop a speech-to-code system that enables users to write and edit code using voice commands.</a:t>
+            </a:r>
+          </a:p>
+          <a:p>
+            <a:pPr marL="12700" marR="5080" algn="just">
+              <a:lnSpc>
+                <a:spcPct val="150100"/>
+              </a:lnSpc>
+              <a:spcBef>
+                <a:spcPts val="95"/>
+              </a:spcBef>
+            </a:pPr>
+            <a:r>
+              <a:rPr lang="en-US" sz="2000" dirty="0">
+                <a:latin typeface="Times New Roman" panose="02020603050405020304" pitchFamily="18" charset="0"/>
+                <a:cs typeface="Times New Roman" panose="02020603050405020304" pitchFamily="18" charset="0"/>
+              </a:rPr>
+              <a:t>2. Integrate audio-based output to convey code results and error messages through text-to-speech synthesis.</a:t>
+            </a:r>
+          </a:p>
+          <a:p>
+            <a:pPr marL="12700" marR="5080" algn="just">
+              <a:lnSpc>
+                <a:spcPct val="150100"/>
+              </a:lnSpc>
+              <a:spcBef>
+                <a:spcPts val="95"/>
+              </a:spcBef>
+            </a:pPr>
+            <a:r>
+              <a:rPr lang="en-US" sz="2000" dirty="0">
+                <a:latin typeface="Times New Roman" panose="02020603050405020304" pitchFamily="18" charset="0"/>
+                <a:cs typeface="Times New Roman" panose="02020603050405020304" pitchFamily="18" charset="0"/>
+              </a:rPr>
+              <a:t>3. Support multiple programming languages (Python, Java, HTML) in the initial release for broader usability.</a:t>
+            </a:r>
+          </a:p>
+          <a:p>
+            <a:pPr marL="12700" marR="5080" algn="just">
+              <a:lnSpc>
+                <a:spcPct val="150100"/>
+              </a:lnSpc>
+              <a:spcBef>
+                <a:spcPts val="95"/>
+              </a:spcBef>
+            </a:pPr>
+            <a:r>
+              <a:rPr lang="en-US" sz="2000" dirty="0">
+                <a:latin typeface="Times New Roman" panose="02020603050405020304" pitchFamily="18" charset="0"/>
+                <a:cs typeface="Times New Roman" panose="02020603050405020304" pitchFamily="18" charset="0"/>
+              </a:rPr>
+              <a:t>4. Implement real-time code execution and result handling from the voice interface without manual actions.</a:t>
+            </a:r>
+          </a:p>
+          <a:p>
+            <a:pPr marL="12700" marR="5080" algn="just">
+              <a:lnSpc>
+                <a:spcPct val="150100"/>
+              </a:lnSpc>
+              <a:spcBef>
+                <a:spcPts val="95"/>
+              </a:spcBef>
+            </a:pPr>
+            <a:r>
+              <a:rPr lang="en-US" sz="2000" dirty="0">
+                <a:latin typeface="Times New Roman" panose="02020603050405020304" pitchFamily="18" charset="0"/>
+                <a:cs typeface="Times New Roman" panose="02020603050405020304" pitchFamily="18" charset="0"/>
+              </a:rPr>
+              <a:t>5. Build a hands-free navigation system for compiling, saving, and reviewing code through spoken instructions.</a:t>
+            </a:r>
+          </a:p>
+          <a:p>
+            <a:pPr marL="12700" marR="5080" algn="just">
+              <a:lnSpc>
+                <a:spcPct val="150100"/>
+              </a:lnSpc>
+              <a:spcBef>
+                <a:spcPts val="95"/>
+              </a:spcBef>
+            </a:pPr>
+            <a:r>
+              <a:rPr lang="en-US" sz="2000" dirty="0">
+                <a:latin typeface="Times New Roman" panose="02020603050405020304" pitchFamily="18" charset="0"/>
+                <a:cs typeface="Times New Roman" panose="02020603050405020304" pitchFamily="18" charset="0"/>
+              </a:rPr>
+              <a:t>6. Include essential error handling mechanisms to manage voice misinterpretation and code failures effectively.</a:t>
+            </a:r>
+          </a:p>
+          <a:p>
+            <a:pPr marL="12700" marR="5080" algn="just">
+              <a:lnSpc>
+                <a:spcPct val="150100"/>
+              </a:lnSpc>
+              <a:spcBef>
+                <a:spcPts val="95"/>
+              </a:spcBef>
+            </a:pPr>
+            <a:r>
+              <a:rPr lang="en-US" sz="2000" dirty="0">
+                <a:latin typeface="Times New Roman" panose="02020603050405020304" pitchFamily="18" charset="0"/>
+                <a:cs typeface="Times New Roman" panose="02020603050405020304" pitchFamily="18" charset="0"/>
+              </a:rPr>
+              <a:t>7. Follow a modular design to allow iterative testing, feature isolation, and streamlined updates.</a:t>
+            </a:r>
+          </a:p>
+          <a:p>
+            <a:pPr marL="12700" marR="5080" algn="just">
+              <a:lnSpc>
+                <a:spcPct val="150100"/>
+              </a:lnSpc>
+              <a:spcBef>
+                <a:spcPts val="95"/>
+              </a:spcBef>
+            </a:pPr>
+            <a:r>
+              <a:rPr lang="en-US" sz="2000" dirty="0">
+                <a:latin typeface="Times New Roman" panose="02020603050405020304" pitchFamily="18" charset="0"/>
+                <a:cs typeface="Times New Roman" panose="02020603050405020304" pitchFamily="18" charset="0"/>
+              </a:rPr>
+              <a:t>8. Create a deployable solution usable on low-spec systems, with optional support for offline environments.</a:t>
+            </a:r>
+            <a:endParaRPr sz="2000" dirty="0">
               <a:latin typeface="Times New Roman" panose="02020603050405020304" pitchFamily="18" charset="0"/>
               <a:cs typeface="Times New Roman" panose="02020603050405020304" pitchFamily="18" charset="0"/>
             </a:endParaRPr>
@@ -11501,6 +8076,941 @@
     <p:extLst>
       <p:ext uri="{BB962C8B-B14F-4D97-AF65-F5344CB8AC3E}">
         <p14:creationId xmlns:p14="http://schemas.microsoft.com/office/powerpoint/2010/main" val="3664224589"/>
+      </p:ext>
+    </p:extLst>
+  </p:cSld>
+  <p:clrMapOvr>
+    <a:masterClrMapping/>
+  </p:clrMapOvr>
+</p:sld>
+</file>
+
+<file path=ppt/slides/slide9.xml><?xml version="1.0" encoding="utf-8"?>
+<p:sld xmlns:a="http://schemas.openxmlformats.org/drawingml/2006/main" xmlns:r="http://schemas.openxmlformats.org/officeDocument/2006/relationships" xmlns:p="http://schemas.openxmlformats.org/presentationml/2006/main">
+  <p:cSld>
+    <p:spTree>
+      <p:nvGrpSpPr>
+        <p:cNvPr id="1" name="">
+          <a:extLst>
+            <a:ext uri="{FF2B5EF4-FFF2-40B4-BE49-F238E27FC236}">
+              <a16:creationId xmlns:a16="http://schemas.microsoft.com/office/drawing/2014/main" id="{CBDBF2FD-F890-BF82-FB16-E4C896A6A08E}"/>
+            </a:ext>
+          </a:extLst>
+        </p:cNvPr>
+        <p:cNvGrpSpPr/>
+        <p:nvPr/>
+      </p:nvGrpSpPr>
+      <p:grpSpPr>
+        <a:xfrm>
+          <a:off x="0" y="0"/>
+          <a:ext cx="0" cy="0"/>
+          <a:chOff x="0" y="0"/>
+          <a:chExt cx="0" cy="0"/>
+        </a:xfrm>
+      </p:grpSpPr>
+      <p:sp>
+        <p:nvSpPr>
+          <p:cNvPr id="2" name="Rectangle 1">
+            <a:extLst>
+              <a:ext uri="{FF2B5EF4-FFF2-40B4-BE49-F238E27FC236}">
+                <a16:creationId xmlns:a16="http://schemas.microsoft.com/office/drawing/2014/main" id="{8BE4EE86-D90E-CEF0-581F-DD16242BAB46}"/>
+              </a:ext>
+            </a:extLst>
+          </p:cNvPr>
+          <p:cNvSpPr/>
+          <p:nvPr/>
+        </p:nvSpPr>
+        <p:spPr>
+          <a:xfrm>
+            <a:off x="562320" y="551192"/>
+            <a:ext cx="5396606" cy="584775"/>
+          </a:xfrm>
+          <a:prstGeom prst="rect">
+            <a:avLst/>
+          </a:prstGeom>
+        </p:spPr>
+        <p:txBody>
+          <a:bodyPr wrap="none">
+            <a:spAutoFit/>
+          </a:bodyPr>
+          <a:lstStyle/>
+          <a:p>
+            <a:r>
+              <a:rPr lang="en-US" sz="3200" b="1" dirty="0">
+                <a:solidFill>
+                  <a:srgbClr val="FF0000"/>
+                </a:solidFill>
+                <a:latin typeface="Times New Roman" panose="02020603050405020304" pitchFamily="18" charset="0"/>
+                <a:cs typeface="Times New Roman" panose="02020603050405020304" pitchFamily="18" charset="0"/>
+              </a:rPr>
+              <a:t>Proposed System Flow Chart </a:t>
+            </a:r>
+            <a:endParaRPr lang="en-US" sz="3200" dirty="0">
+              <a:solidFill>
+                <a:srgbClr val="FF0000"/>
+              </a:solidFill>
+              <a:latin typeface="Times New Roman" panose="02020603050405020304" pitchFamily="18" charset="0"/>
+              <a:cs typeface="Times New Roman" panose="02020603050405020304" pitchFamily="18" charset="0"/>
+            </a:endParaRPr>
+          </a:p>
+        </p:txBody>
+      </p:sp>
+      <p:sp>
+        <p:nvSpPr>
+          <p:cNvPr id="8" name="Rectangle 7">
+            <a:extLst>
+              <a:ext uri="{FF2B5EF4-FFF2-40B4-BE49-F238E27FC236}">
+                <a16:creationId xmlns:a16="http://schemas.microsoft.com/office/drawing/2014/main" id="{3AAED777-23DA-EAD9-0BF5-A51FE1A18C9F}"/>
+              </a:ext>
+            </a:extLst>
+          </p:cNvPr>
+          <p:cNvSpPr/>
+          <p:nvPr/>
+        </p:nvSpPr>
+        <p:spPr>
+          <a:xfrm>
+            <a:off x="8922508" y="3191537"/>
+            <a:ext cx="1986412" cy="880533"/>
+          </a:xfrm>
+          <a:prstGeom prst="rect">
+            <a:avLst/>
+          </a:prstGeom>
+        </p:spPr>
+        <p:style>
+          <a:lnRef idx="2">
+            <a:schemeClr val="accent1">
+              <a:shade val="15000"/>
+            </a:schemeClr>
+          </a:lnRef>
+          <a:fillRef idx="1">
+            <a:schemeClr val="accent1"/>
+          </a:fillRef>
+          <a:effectRef idx="0">
+            <a:schemeClr val="accent1"/>
+          </a:effectRef>
+          <a:fontRef idx="minor">
+            <a:schemeClr val="lt1"/>
+          </a:fontRef>
+        </p:style>
+        <p:txBody>
+          <a:bodyPr rtlCol="0" anchor="ctr"/>
+          <a:lstStyle/>
+          <a:p>
+            <a:pPr algn="ctr"/>
+            <a:r>
+              <a:rPr lang="en-US" dirty="0"/>
+              <a:t>Time Series Prediction</a:t>
+            </a:r>
+            <a:endParaRPr lang="en-IN" dirty="0"/>
+          </a:p>
+        </p:txBody>
+      </p:sp>
+      <p:sp>
+        <p:nvSpPr>
+          <p:cNvPr id="20" name="Rectangle 19">
+            <a:extLst>
+              <a:ext uri="{FF2B5EF4-FFF2-40B4-BE49-F238E27FC236}">
+                <a16:creationId xmlns:a16="http://schemas.microsoft.com/office/drawing/2014/main" id="{37208574-6D2D-2B89-9CD5-4BA80E993980}"/>
+              </a:ext>
+            </a:extLst>
+          </p:cNvPr>
+          <p:cNvSpPr/>
+          <p:nvPr/>
+        </p:nvSpPr>
+        <p:spPr>
+          <a:xfrm>
+            <a:off x="5627626" y="4527638"/>
+            <a:ext cx="2208780" cy="880533"/>
+          </a:xfrm>
+          <a:prstGeom prst="rect">
+            <a:avLst/>
+          </a:prstGeom>
+        </p:spPr>
+        <p:style>
+          <a:lnRef idx="2">
+            <a:schemeClr val="accent1">
+              <a:shade val="15000"/>
+            </a:schemeClr>
+          </a:lnRef>
+          <a:fillRef idx="1">
+            <a:schemeClr val="accent1"/>
+          </a:fillRef>
+          <a:effectRef idx="0">
+            <a:schemeClr val="accent1"/>
+          </a:effectRef>
+          <a:fontRef idx="minor">
+            <a:schemeClr val="lt1"/>
+          </a:fontRef>
+        </p:style>
+        <p:txBody>
+          <a:bodyPr rtlCol="0" anchor="ctr"/>
+          <a:lstStyle/>
+          <a:p>
+            <a:pPr algn="ctr"/>
+            <a:r>
+              <a:rPr lang="en-US" dirty="0"/>
+              <a:t>Input Parsing </a:t>
+            </a:r>
+            <a:endParaRPr lang="en-IN" dirty="0"/>
+          </a:p>
+        </p:txBody>
+      </p:sp>
+      <p:sp>
+        <p:nvSpPr>
+          <p:cNvPr id="21" name="Rectangle 20">
+            <a:extLst>
+              <a:ext uri="{FF2B5EF4-FFF2-40B4-BE49-F238E27FC236}">
+                <a16:creationId xmlns:a16="http://schemas.microsoft.com/office/drawing/2014/main" id="{8D4A7A60-C902-A3B6-B3EA-3932859FF606}"/>
+              </a:ext>
+            </a:extLst>
+          </p:cNvPr>
+          <p:cNvSpPr/>
+          <p:nvPr/>
+        </p:nvSpPr>
+        <p:spPr>
+          <a:xfrm>
+            <a:off x="5627626" y="1850008"/>
+            <a:ext cx="2208780" cy="880533"/>
+          </a:xfrm>
+          <a:prstGeom prst="rect">
+            <a:avLst/>
+          </a:prstGeom>
+        </p:spPr>
+        <p:style>
+          <a:lnRef idx="2">
+            <a:schemeClr val="accent1">
+              <a:shade val="15000"/>
+            </a:schemeClr>
+          </a:lnRef>
+          <a:fillRef idx="1">
+            <a:schemeClr val="accent1"/>
+          </a:fillRef>
+          <a:effectRef idx="0">
+            <a:schemeClr val="accent1"/>
+          </a:effectRef>
+          <a:fontRef idx="minor">
+            <a:schemeClr val="lt1"/>
+          </a:fontRef>
+        </p:style>
+        <p:txBody>
+          <a:bodyPr rtlCol="0" anchor="ctr"/>
+          <a:lstStyle/>
+          <a:p>
+            <a:pPr algn="ctr"/>
+            <a:r>
+              <a:rPr lang="en-US" dirty="0"/>
+              <a:t>Model Building</a:t>
+            </a:r>
+            <a:endParaRPr lang="en-IN" dirty="0"/>
+          </a:p>
+        </p:txBody>
+      </p:sp>
+      <p:sp>
+        <p:nvSpPr>
+          <p:cNvPr id="25" name="Rectangle 24">
+            <a:extLst>
+              <a:ext uri="{FF2B5EF4-FFF2-40B4-BE49-F238E27FC236}">
+                <a16:creationId xmlns:a16="http://schemas.microsoft.com/office/drawing/2014/main" id="{A223D244-A6F6-41AB-B1B7-D4F90FA75121}"/>
+              </a:ext>
+            </a:extLst>
+          </p:cNvPr>
+          <p:cNvSpPr/>
+          <p:nvPr/>
+        </p:nvSpPr>
+        <p:spPr>
+          <a:xfrm>
+            <a:off x="1705318" y="1425708"/>
+            <a:ext cx="2367150" cy="880533"/>
+          </a:xfrm>
+          <a:prstGeom prst="rect">
+            <a:avLst/>
+          </a:prstGeom>
+        </p:spPr>
+        <p:style>
+          <a:lnRef idx="2">
+            <a:schemeClr val="accent1">
+              <a:shade val="15000"/>
+            </a:schemeClr>
+          </a:lnRef>
+          <a:fillRef idx="1">
+            <a:schemeClr val="accent1"/>
+          </a:fillRef>
+          <a:effectRef idx="0">
+            <a:schemeClr val="accent1"/>
+          </a:effectRef>
+          <a:fontRef idx="minor">
+            <a:schemeClr val="lt1"/>
+          </a:fontRef>
+        </p:style>
+        <p:txBody>
+          <a:bodyPr rtlCol="0" anchor="ctr"/>
+          <a:lstStyle/>
+          <a:p>
+            <a:pPr algn="ctr"/>
+            <a:r>
+              <a:rPr lang="en-US" dirty="0"/>
+              <a:t>Data Integration</a:t>
+            </a:r>
+            <a:endParaRPr lang="en-IN" dirty="0"/>
+          </a:p>
+        </p:txBody>
+      </p:sp>
+      <p:sp>
+        <p:nvSpPr>
+          <p:cNvPr id="27" name="Rectangle 26">
+            <a:extLst>
+              <a:ext uri="{FF2B5EF4-FFF2-40B4-BE49-F238E27FC236}">
+                <a16:creationId xmlns:a16="http://schemas.microsoft.com/office/drawing/2014/main" id="{289ACAB9-5572-830A-A047-DF1B140E91E2}"/>
+              </a:ext>
+            </a:extLst>
+          </p:cNvPr>
+          <p:cNvSpPr/>
+          <p:nvPr/>
+        </p:nvSpPr>
+        <p:spPr>
+          <a:xfrm>
+            <a:off x="1697996" y="3837111"/>
+            <a:ext cx="2372904" cy="880533"/>
+          </a:xfrm>
+          <a:prstGeom prst="rect">
+            <a:avLst/>
+          </a:prstGeom>
+        </p:spPr>
+        <p:style>
+          <a:lnRef idx="2">
+            <a:schemeClr val="accent1">
+              <a:shade val="15000"/>
+            </a:schemeClr>
+          </a:lnRef>
+          <a:fillRef idx="1">
+            <a:schemeClr val="accent1"/>
+          </a:fillRef>
+          <a:effectRef idx="0">
+            <a:schemeClr val="accent1"/>
+          </a:effectRef>
+          <a:fontRef idx="minor">
+            <a:schemeClr val="lt1"/>
+          </a:fontRef>
+        </p:style>
+        <p:txBody>
+          <a:bodyPr rtlCol="0" anchor="ctr"/>
+          <a:lstStyle/>
+          <a:p>
+            <a:pPr algn="ctr"/>
+            <a:r>
+              <a:rPr lang="en-US" dirty="0"/>
+              <a:t>Raw Data</a:t>
+            </a:r>
+            <a:endParaRPr lang="en-IN" dirty="0"/>
+          </a:p>
+        </p:txBody>
+      </p:sp>
+      <p:sp>
+        <p:nvSpPr>
+          <p:cNvPr id="31" name="Rectangle 30">
+            <a:extLst>
+              <a:ext uri="{FF2B5EF4-FFF2-40B4-BE49-F238E27FC236}">
+                <a16:creationId xmlns:a16="http://schemas.microsoft.com/office/drawing/2014/main" id="{740D25C0-A59E-FAF9-CA5D-863814C0E2B7}"/>
+              </a:ext>
+            </a:extLst>
+          </p:cNvPr>
+          <p:cNvSpPr/>
+          <p:nvPr/>
+        </p:nvSpPr>
+        <p:spPr>
+          <a:xfrm>
+            <a:off x="1705320" y="2642621"/>
+            <a:ext cx="2367150" cy="880533"/>
+          </a:xfrm>
+          <a:prstGeom prst="rect">
+            <a:avLst/>
+          </a:prstGeom>
+        </p:spPr>
+        <p:style>
+          <a:lnRef idx="2">
+            <a:schemeClr val="accent1">
+              <a:shade val="15000"/>
+            </a:schemeClr>
+          </a:lnRef>
+          <a:fillRef idx="1">
+            <a:schemeClr val="accent1"/>
+          </a:fillRef>
+          <a:effectRef idx="0">
+            <a:schemeClr val="accent1"/>
+          </a:effectRef>
+          <a:fontRef idx="minor">
+            <a:schemeClr val="lt1"/>
+          </a:fontRef>
+        </p:style>
+        <p:txBody>
+          <a:bodyPr rtlCol="0" anchor="ctr"/>
+          <a:lstStyle/>
+          <a:p>
+            <a:pPr algn="ctr"/>
+            <a:r>
+              <a:rPr lang="en-US" dirty="0"/>
+              <a:t>Data Preprocessing</a:t>
+            </a:r>
+            <a:endParaRPr lang="en-IN" dirty="0"/>
+          </a:p>
+        </p:txBody>
+      </p:sp>
+      <p:cxnSp>
+        <p:nvCxnSpPr>
+          <p:cNvPr id="35" name="Straight Arrow Connector 34">
+            <a:extLst>
+              <a:ext uri="{FF2B5EF4-FFF2-40B4-BE49-F238E27FC236}">
+                <a16:creationId xmlns:a16="http://schemas.microsoft.com/office/drawing/2014/main" id="{5091A7A1-C0FF-4C9B-6491-E8B4BFA257EC}"/>
+              </a:ext>
+            </a:extLst>
+          </p:cNvPr>
+          <p:cNvCxnSpPr>
+            <a:cxnSpLocks/>
+            <a:stCxn id="27" idx="2"/>
+            <a:endCxn id="31" idx="0"/>
+          </p:cNvCxnSpPr>
+          <p:nvPr/>
+        </p:nvCxnSpPr>
+        <p:spPr>
+          <a:xfrm flipV="1">
+            <a:off x="2884448" y="2642621"/>
+            <a:ext cx="4447" cy="2075023"/>
+          </a:xfrm>
+          <a:prstGeom prst="straightConnector1">
+            <a:avLst/>
+          </a:prstGeom>
+          <a:ln>
+            <a:tailEnd type="triangle"/>
+          </a:ln>
+        </p:spPr>
+        <p:style>
+          <a:lnRef idx="1">
+            <a:schemeClr val="accent1"/>
+          </a:lnRef>
+          <a:fillRef idx="0">
+            <a:schemeClr val="accent1"/>
+          </a:fillRef>
+          <a:effectRef idx="0">
+            <a:schemeClr val="accent1"/>
+          </a:effectRef>
+          <a:fontRef idx="minor">
+            <a:schemeClr val="tx1"/>
+          </a:fontRef>
+        </p:style>
+      </p:cxnSp>
+      <p:cxnSp>
+        <p:nvCxnSpPr>
+          <p:cNvPr id="39" name="Straight Arrow Connector 38">
+            <a:extLst>
+              <a:ext uri="{FF2B5EF4-FFF2-40B4-BE49-F238E27FC236}">
+                <a16:creationId xmlns:a16="http://schemas.microsoft.com/office/drawing/2014/main" id="{EFC138DC-C887-5F4D-D5C0-374276530435}"/>
+              </a:ext>
+            </a:extLst>
+          </p:cNvPr>
+          <p:cNvCxnSpPr>
+            <a:cxnSpLocks/>
+            <a:stCxn id="31" idx="2"/>
+            <a:endCxn id="25" idx="0"/>
+          </p:cNvCxnSpPr>
+          <p:nvPr/>
+        </p:nvCxnSpPr>
+        <p:spPr>
+          <a:xfrm flipH="1" flipV="1">
+            <a:off x="2888893" y="1425708"/>
+            <a:ext cx="2" cy="2097446"/>
+          </a:xfrm>
+          <a:prstGeom prst="straightConnector1">
+            <a:avLst/>
+          </a:prstGeom>
+          <a:ln>
+            <a:tailEnd type="triangle"/>
+          </a:ln>
+        </p:spPr>
+        <p:style>
+          <a:lnRef idx="1">
+            <a:schemeClr val="accent1"/>
+          </a:lnRef>
+          <a:fillRef idx="0">
+            <a:schemeClr val="accent1"/>
+          </a:fillRef>
+          <a:effectRef idx="0">
+            <a:schemeClr val="accent1"/>
+          </a:effectRef>
+          <a:fontRef idx="minor">
+            <a:schemeClr val="tx1"/>
+          </a:fontRef>
+        </p:style>
+      </p:cxnSp>
+      <p:cxnSp>
+        <p:nvCxnSpPr>
+          <p:cNvPr id="43" name="Connector: Elbow 42">
+            <a:extLst>
+              <a:ext uri="{FF2B5EF4-FFF2-40B4-BE49-F238E27FC236}">
+                <a16:creationId xmlns:a16="http://schemas.microsoft.com/office/drawing/2014/main" id="{C590BC35-9DAF-027C-DA73-FCA7A0FA2F43}"/>
+              </a:ext>
+            </a:extLst>
+          </p:cNvPr>
+          <p:cNvCxnSpPr>
+            <a:cxnSpLocks/>
+            <a:stCxn id="25" idx="3"/>
+            <a:endCxn id="21" idx="1"/>
+          </p:cNvCxnSpPr>
+          <p:nvPr/>
+        </p:nvCxnSpPr>
+        <p:spPr>
+          <a:xfrm>
+            <a:off x="4072468" y="1865975"/>
+            <a:ext cx="1555158" cy="424300"/>
+          </a:xfrm>
+          <a:prstGeom prst="bentConnector3">
+            <a:avLst/>
+          </a:prstGeom>
+          <a:ln>
+            <a:tailEnd type="triangle"/>
+          </a:ln>
+        </p:spPr>
+        <p:style>
+          <a:lnRef idx="1">
+            <a:schemeClr val="accent1"/>
+          </a:lnRef>
+          <a:fillRef idx="0">
+            <a:schemeClr val="accent1"/>
+          </a:fillRef>
+          <a:effectRef idx="0">
+            <a:schemeClr val="accent1"/>
+          </a:effectRef>
+          <a:fontRef idx="minor">
+            <a:schemeClr val="tx1"/>
+          </a:fontRef>
+        </p:style>
+      </p:cxnSp>
+      <p:sp>
+        <p:nvSpPr>
+          <p:cNvPr id="47" name="Rectangle 46">
+            <a:extLst>
+              <a:ext uri="{FF2B5EF4-FFF2-40B4-BE49-F238E27FC236}">
+                <a16:creationId xmlns:a16="http://schemas.microsoft.com/office/drawing/2014/main" id="{F3274E6C-1D50-AD13-9004-775031624A76}"/>
+              </a:ext>
+            </a:extLst>
+          </p:cNvPr>
+          <p:cNvSpPr/>
+          <p:nvPr/>
+        </p:nvSpPr>
+        <p:spPr>
+          <a:xfrm>
+            <a:off x="1705318" y="5029808"/>
+            <a:ext cx="2367150" cy="880533"/>
+          </a:xfrm>
+          <a:prstGeom prst="rect">
+            <a:avLst/>
+          </a:prstGeom>
+        </p:spPr>
+        <p:style>
+          <a:lnRef idx="2">
+            <a:schemeClr val="accent1">
+              <a:shade val="15000"/>
+            </a:schemeClr>
+          </a:lnRef>
+          <a:fillRef idx="1">
+            <a:schemeClr val="accent1"/>
+          </a:fillRef>
+          <a:effectRef idx="0">
+            <a:schemeClr val="accent1"/>
+          </a:effectRef>
+          <a:fontRef idx="minor">
+            <a:schemeClr val="lt1"/>
+          </a:fontRef>
+        </p:style>
+        <p:txBody>
+          <a:bodyPr rtlCol="0" anchor="ctr"/>
+          <a:lstStyle/>
+          <a:p>
+            <a:pPr algn="ctr"/>
+            <a:r>
+              <a:rPr lang="en-US" dirty="0"/>
+              <a:t>Unseen Data</a:t>
+            </a:r>
+            <a:endParaRPr lang="en-IN" dirty="0"/>
+          </a:p>
+        </p:txBody>
+      </p:sp>
+      <p:cxnSp>
+        <p:nvCxnSpPr>
+          <p:cNvPr id="49" name="Connector: Elbow 48">
+            <a:extLst>
+              <a:ext uri="{FF2B5EF4-FFF2-40B4-BE49-F238E27FC236}">
+                <a16:creationId xmlns:a16="http://schemas.microsoft.com/office/drawing/2014/main" id="{4BA43B74-0965-1BD1-04F0-C26D57392D9B}"/>
+              </a:ext>
+            </a:extLst>
+          </p:cNvPr>
+          <p:cNvCxnSpPr>
+            <a:cxnSpLocks/>
+            <a:stCxn id="47" idx="3"/>
+            <a:endCxn id="20" idx="1"/>
+          </p:cNvCxnSpPr>
+          <p:nvPr/>
+        </p:nvCxnSpPr>
+        <p:spPr>
+          <a:xfrm flipV="1">
+            <a:off x="4072468" y="4967905"/>
+            <a:ext cx="1555158" cy="502170"/>
+          </a:xfrm>
+          <a:prstGeom prst="bentConnector3">
+            <a:avLst/>
+          </a:prstGeom>
+          <a:ln>
+            <a:tailEnd type="triangle"/>
+          </a:ln>
+        </p:spPr>
+        <p:style>
+          <a:lnRef idx="1">
+            <a:schemeClr val="accent1"/>
+          </a:lnRef>
+          <a:fillRef idx="0">
+            <a:schemeClr val="accent1"/>
+          </a:fillRef>
+          <a:effectRef idx="0">
+            <a:schemeClr val="accent1"/>
+          </a:effectRef>
+          <a:fontRef idx="minor">
+            <a:schemeClr val="tx1"/>
+          </a:fontRef>
+        </p:style>
+      </p:cxnSp>
+      <p:cxnSp>
+        <p:nvCxnSpPr>
+          <p:cNvPr id="61" name="Straight Arrow Connector 60">
+            <a:extLst>
+              <a:ext uri="{FF2B5EF4-FFF2-40B4-BE49-F238E27FC236}">
+                <a16:creationId xmlns:a16="http://schemas.microsoft.com/office/drawing/2014/main" id="{49EF0B3B-AEF8-E972-1683-E28E846151AC}"/>
+              </a:ext>
+            </a:extLst>
+          </p:cNvPr>
+          <p:cNvCxnSpPr>
+            <a:cxnSpLocks/>
+            <a:endCxn id="47" idx="1"/>
+          </p:cNvCxnSpPr>
+          <p:nvPr/>
+        </p:nvCxnSpPr>
+        <p:spPr>
+          <a:xfrm>
+            <a:off x="429768" y="5470074"/>
+            <a:ext cx="1275550" cy="1"/>
+          </a:xfrm>
+          <a:prstGeom prst="straightConnector1">
+            <a:avLst/>
+          </a:prstGeom>
+          <a:ln>
+            <a:tailEnd type="triangle"/>
+          </a:ln>
+        </p:spPr>
+        <p:style>
+          <a:lnRef idx="1">
+            <a:schemeClr val="accent1"/>
+          </a:lnRef>
+          <a:fillRef idx="0">
+            <a:schemeClr val="accent1"/>
+          </a:fillRef>
+          <a:effectRef idx="0">
+            <a:schemeClr val="accent1"/>
+          </a:effectRef>
+          <a:fontRef idx="minor">
+            <a:schemeClr val="tx1"/>
+          </a:fontRef>
+        </p:style>
+      </p:cxnSp>
+      <p:cxnSp>
+        <p:nvCxnSpPr>
+          <p:cNvPr id="63" name="Straight Arrow Connector 62">
+            <a:extLst>
+              <a:ext uri="{FF2B5EF4-FFF2-40B4-BE49-F238E27FC236}">
+                <a16:creationId xmlns:a16="http://schemas.microsoft.com/office/drawing/2014/main" id="{AE22B313-567B-9425-7757-BB35E332E367}"/>
+              </a:ext>
+            </a:extLst>
+          </p:cNvPr>
+          <p:cNvCxnSpPr>
+            <a:cxnSpLocks/>
+          </p:cNvCxnSpPr>
+          <p:nvPr/>
+        </p:nvCxnSpPr>
+        <p:spPr>
+          <a:xfrm>
+            <a:off x="429768" y="4278307"/>
+            <a:ext cx="1275550" cy="0"/>
+          </a:xfrm>
+          <a:prstGeom prst="straightConnector1">
+            <a:avLst/>
+          </a:prstGeom>
+          <a:ln>
+            <a:tailEnd type="triangle"/>
+          </a:ln>
+        </p:spPr>
+        <p:style>
+          <a:lnRef idx="1">
+            <a:schemeClr val="accent1"/>
+          </a:lnRef>
+          <a:fillRef idx="0">
+            <a:schemeClr val="accent1"/>
+          </a:fillRef>
+          <a:effectRef idx="0">
+            <a:schemeClr val="accent1"/>
+          </a:effectRef>
+          <a:fontRef idx="minor">
+            <a:schemeClr val="tx1"/>
+          </a:fontRef>
+        </p:style>
+      </p:cxnSp>
+      <p:sp>
+        <p:nvSpPr>
+          <p:cNvPr id="65" name="TextBox 64">
+            <a:extLst>
+              <a:ext uri="{FF2B5EF4-FFF2-40B4-BE49-F238E27FC236}">
+                <a16:creationId xmlns:a16="http://schemas.microsoft.com/office/drawing/2014/main" id="{7773022A-1722-9DF4-439C-27CA0A266E86}"/>
+              </a:ext>
+            </a:extLst>
+          </p:cNvPr>
+          <p:cNvSpPr txBox="1"/>
+          <p:nvPr/>
+        </p:nvSpPr>
+        <p:spPr>
+          <a:xfrm>
+            <a:off x="274320" y="5118950"/>
+            <a:ext cx="1322432" cy="313273"/>
+          </a:xfrm>
+          <a:prstGeom prst="rect">
+            <a:avLst/>
+          </a:prstGeom>
+          <a:noFill/>
+        </p:spPr>
+        <p:txBody>
+          <a:bodyPr wrap="square">
+            <a:spAutoFit/>
+          </a:bodyPr>
+          <a:lstStyle/>
+          <a:p>
+            <a:r>
+              <a:rPr lang="en-IN" sz="1400" b="1" dirty="0"/>
+              <a:t>2. Prediction</a:t>
+            </a:r>
+          </a:p>
+        </p:txBody>
+      </p:sp>
+      <p:sp>
+        <p:nvSpPr>
+          <p:cNvPr id="66" name="TextBox 65">
+            <a:extLst>
+              <a:ext uri="{FF2B5EF4-FFF2-40B4-BE49-F238E27FC236}">
+                <a16:creationId xmlns:a16="http://schemas.microsoft.com/office/drawing/2014/main" id="{B6A54AF1-DD4B-F690-CF6F-4010EB9179D2}"/>
+              </a:ext>
+            </a:extLst>
+          </p:cNvPr>
+          <p:cNvSpPr txBox="1"/>
+          <p:nvPr/>
+        </p:nvSpPr>
+        <p:spPr>
+          <a:xfrm>
+            <a:off x="274320" y="3920463"/>
+            <a:ext cx="1419570" cy="307777"/>
+          </a:xfrm>
+          <a:prstGeom prst="rect">
+            <a:avLst/>
+          </a:prstGeom>
+          <a:noFill/>
+        </p:spPr>
+        <p:txBody>
+          <a:bodyPr wrap="square">
+            <a:spAutoFit/>
+          </a:bodyPr>
+          <a:lstStyle/>
+          <a:p>
+            <a:r>
+              <a:rPr lang="en-IN" sz="1400" b="1" dirty="0"/>
+              <a:t>1. Preprocessing</a:t>
+            </a:r>
+          </a:p>
+        </p:txBody>
+      </p:sp>
+      <p:cxnSp>
+        <p:nvCxnSpPr>
+          <p:cNvPr id="70" name="Connector: Elbow 69">
+            <a:extLst>
+              <a:ext uri="{FF2B5EF4-FFF2-40B4-BE49-F238E27FC236}">
+                <a16:creationId xmlns:a16="http://schemas.microsoft.com/office/drawing/2014/main" id="{434B6C23-0A41-29A0-C9E4-91B14C6DED89}"/>
+              </a:ext>
+            </a:extLst>
+          </p:cNvPr>
+          <p:cNvCxnSpPr>
+            <a:cxnSpLocks/>
+            <a:stCxn id="76" idx="3"/>
+            <a:endCxn id="8" idx="1"/>
+          </p:cNvCxnSpPr>
+          <p:nvPr/>
+        </p:nvCxnSpPr>
+        <p:spPr>
+          <a:xfrm>
+            <a:off x="7836406" y="3629090"/>
+            <a:ext cx="1086102" cy="2714"/>
+          </a:xfrm>
+          <a:prstGeom prst="bentConnector3">
+            <a:avLst/>
+          </a:prstGeom>
+          <a:ln>
+            <a:tailEnd type="triangle"/>
+          </a:ln>
+        </p:spPr>
+        <p:style>
+          <a:lnRef idx="1">
+            <a:schemeClr val="accent1"/>
+          </a:lnRef>
+          <a:fillRef idx="0">
+            <a:schemeClr val="accent1"/>
+          </a:fillRef>
+          <a:effectRef idx="0">
+            <a:schemeClr val="accent1"/>
+          </a:effectRef>
+          <a:fontRef idx="minor">
+            <a:schemeClr val="tx1"/>
+          </a:fontRef>
+        </p:style>
+      </p:cxnSp>
+      <p:sp>
+        <p:nvSpPr>
+          <p:cNvPr id="76" name="Rectangle 75">
+            <a:extLst>
+              <a:ext uri="{FF2B5EF4-FFF2-40B4-BE49-F238E27FC236}">
+                <a16:creationId xmlns:a16="http://schemas.microsoft.com/office/drawing/2014/main" id="{94886290-67C6-E8EB-3CF3-93A392A964D5}"/>
+              </a:ext>
+            </a:extLst>
+          </p:cNvPr>
+          <p:cNvSpPr/>
+          <p:nvPr/>
+        </p:nvSpPr>
+        <p:spPr>
+          <a:xfrm>
+            <a:off x="5627626" y="3188823"/>
+            <a:ext cx="2208780" cy="880533"/>
+          </a:xfrm>
+          <a:prstGeom prst="rect">
+            <a:avLst/>
+          </a:prstGeom>
+        </p:spPr>
+        <p:style>
+          <a:lnRef idx="2">
+            <a:schemeClr val="accent1">
+              <a:shade val="15000"/>
+            </a:schemeClr>
+          </a:lnRef>
+          <a:fillRef idx="1">
+            <a:schemeClr val="accent1"/>
+          </a:fillRef>
+          <a:effectRef idx="0">
+            <a:schemeClr val="accent1"/>
+          </a:effectRef>
+          <a:fontRef idx="minor">
+            <a:schemeClr val="lt1"/>
+          </a:fontRef>
+        </p:style>
+        <p:txBody>
+          <a:bodyPr rtlCol="0" anchor="ctr"/>
+          <a:lstStyle/>
+          <a:p>
+            <a:pPr algn="ctr"/>
+            <a:r>
+              <a:rPr lang="en-US" dirty="0"/>
+              <a:t>Trained Model</a:t>
+            </a:r>
+            <a:endParaRPr lang="en-IN" dirty="0"/>
+          </a:p>
+        </p:txBody>
+      </p:sp>
+      <p:cxnSp>
+        <p:nvCxnSpPr>
+          <p:cNvPr id="78" name="Straight Arrow Connector 77">
+            <a:extLst>
+              <a:ext uri="{FF2B5EF4-FFF2-40B4-BE49-F238E27FC236}">
+                <a16:creationId xmlns:a16="http://schemas.microsoft.com/office/drawing/2014/main" id="{8608CF60-3F15-6C98-6F2B-8F15F98123CC}"/>
+              </a:ext>
+            </a:extLst>
+          </p:cNvPr>
+          <p:cNvCxnSpPr>
+            <a:stCxn id="20" idx="0"/>
+            <a:endCxn id="76" idx="2"/>
+          </p:cNvCxnSpPr>
+          <p:nvPr/>
+        </p:nvCxnSpPr>
+        <p:spPr>
+          <a:xfrm flipV="1">
+            <a:off x="6732016" y="4069356"/>
+            <a:ext cx="0" cy="458282"/>
+          </a:xfrm>
+          <a:prstGeom prst="straightConnector1">
+            <a:avLst/>
+          </a:prstGeom>
+          <a:ln>
+            <a:tailEnd type="triangle"/>
+          </a:ln>
+        </p:spPr>
+        <p:style>
+          <a:lnRef idx="1">
+            <a:schemeClr val="accent1"/>
+          </a:lnRef>
+          <a:fillRef idx="0">
+            <a:schemeClr val="accent1"/>
+          </a:fillRef>
+          <a:effectRef idx="0">
+            <a:schemeClr val="accent1"/>
+          </a:effectRef>
+          <a:fontRef idx="minor">
+            <a:schemeClr val="tx1"/>
+          </a:fontRef>
+        </p:style>
+      </p:cxnSp>
+      <p:cxnSp>
+        <p:nvCxnSpPr>
+          <p:cNvPr id="80" name="Straight Arrow Connector 79">
+            <a:extLst>
+              <a:ext uri="{FF2B5EF4-FFF2-40B4-BE49-F238E27FC236}">
+                <a16:creationId xmlns:a16="http://schemas.microsoft.com/office/drawing/2014/main" id="{A5582C81-D90E-6CB8-1F7B-C0CFC3A16A85}"/>
+              </a:ext>
+            </a:extLst>
+          </p:cNvPr>
+          <p:cNvCxnSpPr>
+            <a:stCxn id="21" idx="2"/>
+            <a:endCxn id="76" idx="0"/>
+          </p:cNvCxnSpPr>
+          <p:nvPr/>
+        </p:nvCxnSpPr>
+        <p:spPr>
+          <a:xfrm>
+            <a:off x="6732016" y="2730541"/>
+            <a:ext cx="0" cy="458282"/>
+          </a:xfrm>
+          <a:prstGeom prst="straightConnector1">
+            <a:avLst/>
+          </a:prstGeom>
+          <a:ln>
+            <a:tailEnd type="triangle"/>
+          </a:ln>
+        </p:spPr>
+        <p:style>
+          <a:lnRef idx="1">
+            <a:schemeClr val="accent1"/>
+          </a:lnRef>
+          <a:fillRef idx="0">
+            <a:schemeClr val="accent1"/>
+          </a:fillRef>
+          <a:effectRef idx="0">
+            <a:schemeClr val="accent1"/>
+          </a:effectRef>
+          <a:fontRef idx="minor">
+            <a:schemeClr val="tx1"/>
+          </a:fontRef>
+        </p:style>
+      </p:cxnSp>
+    </p:spTree>
+    <p:extLst>
+      <p:ext uri="{BB962C8B-B14F-4D97-AF65-F5344CB8AC3E}">
+        <p14:creationId xmlns:p14="http://schemas.microsoft.com/office/powerpoint/2010/main" val="2349814023"/>
       </p:ext>
     </p:extLst>
   </p:cSld>
